--- a/Электронный дневник.pptx
+++ b/Электронный дневник.pptx
@@ -2,7 +2,7 @@
 <file path=ppt/presentation.xml><?xml version="1.0" encoding="utf-8"?>
 <p:presentation xmlns:a="http://schemas.openxmlformats.org/drawingml/2006/main" xmlns:r="http://schemas.openxmlformats.org/officeDocument/2006/relationships" xmlns:p="http://schemas.openxmlformats.org/presentationml/2006/main" saveSubsetFonts="1">
   <p:sldMasterIdLst>
-    <p:sldMasterId id="2147483648" r:id="rId1"/>
+    <p:sldMasterId id="2147483690" r:id="rId1"/>
   </p:sldMasterIdLst>
   <p:sldIdLst>
     <p:sldId id="256" r:id="rId2"/>
@@ -10,18 +10,20 @@
     <p:sldId id="258" r:id="rId4"/>
     <p:sldId id="259" r:id="rId5"/>
     <p:sldId id="262" r:id="rId6"/>
-    <p:sldId id="263" r:id="rId7"/>
-    <p:sldId id="264" r:id="rId8"/>
-    <p:sldId id="260" r:id="rId9"/>
-    <p:sldId id="261" r:id="rId10"/>
+    <p:sldId id="266" r:id="rId7"/>
+    <p:sldId id="263" r:id="rId8"/>
+    <p:sldId id="265" r:id="rId9"/>
+    <p:sldId id="264" r:id="rId10"/>
+    <p:sldId id="260" r:id="rId11"/>
+    <p:sldId id="261" r:id="rId12"/>
   </p:sldIdLst>
   <p:sldSz cx="12192000" cy="6858000"/>
   <p:notesSz cx="6858000" cy="9144000"/>
   <p:defaultTextStyle>
     <a:defPPr>
-      <a:defRPr lang="ru-RU"/>
+      <a:defRPr lang="en-US"/>
     </a:defPPr>
-    <a:lvl1pPr marL="0" algn="l" defTabSz="914400" rtl="0" eaLnBrk="1" latinLnBrk="0" hangingPunct="1">
+    <a:lvl1pPr marL="0" algn="l" defTabSz="457200" rtl="0" eaLnBrk="1" latinLnBrk="0" hangingPunct="1">
       <a:defRPr sz="1800" kern="1200">
         <a:solidFill>
           <a:schemeClr val="tx1"/>
@@ -31,7 +33,7 @@
         <a:cs typeface="+mn-cs"/>
       </a:defRPr>
     </a:lvl1pPr>
-    <a:lvl2pPr marL="457200" algn="l" defTabSz="914400" rtl="0" eaLnBrk="1" latinLnBrk="0" hangingPunct="1">
+    <a:lvl2pPr marL="457200" algn="l" defTabSz="457200" rtl="0" eaLnBrk="1" latinLnBrk="0" hangingPunct="1">
       <a:defRPr sz="1800" kern="1200">
         <a:solidFill>
           <a:schemeClr val="tx1"/>
@@ -41,7 +43,7 @@
         <a:cs typeface="+mn-cs"/>
       </a:defRPr>
     </a:lvl2pPr>
-    <a:lvl3pPr marL="914400" algn="l" defTabSz="914400" rtl="0" eaLnBrk="1" latinLnBrk="0" hangingPunct="1">
+    <a:lvl3pPr marL="914400" algn="l" defTabSz="457200" rtl="0" eaLnBrk="1" latinLnBrk="0" hangingPunct="1">
       <a:defRPr sz="1800" kern="1200">
         <a:solidFill>
           <a:schemeClr val="tx1"/>
@@ -51,7 +53,7 @@
         <a:cs typeface="+mn-cs"/>
       </a:defRPr>
     </a:lvl3pPr>
-    <a:lvl4pPr marL="1371600" algn="l" defTabSz="914400" rtl="0" eaLnBrk="1" latinLnBrk="0" hangingPunct="1">
+    <a:lvl4pPr marL="1371600" algn="l" defTabSz="457200" rtl="0" eaLnBrk="1" latinLnBrk="0" hangingPunct="1">
       <a:defRPr sz="1800" kern="1200">
         <a:solidFill>
           <a:schemeClr val="tx1"/>
@@ -61,7 +63,7 @@
         <a:cs typeface="+mn-cs"/>
       </a:defRPr>
     </a:lvl4pPr>
-    <a:lvl5pPr marL="1828800" algn="l" defTabSz="914400" rtl="0" eaLnBrk="1" latinLnBrk="0" hangingPunct="1">
+    <a:lvl5pPr marL="1828800" algn="l" defTabSz="457200" rtl="0" eaLnBrk="1" latinLnBrk="0" hangingPunct="1">
       <a:defRPr sz="1800" kern="1200">
         <a:solidFill>
           <a:schemeClr val="tx1"/>
@@ -71,7 +73,7 @@
         <a:cs typeface="+mn-cs"/>
       </a:defRPr>
     </a:lvl5pPr>
-    <a:lvl6pPr marL="2286000" algn="l" defTabSz="914400" rtl="0" eaLnBrk="1" latinLnBrk="0" hangingPunct="1">
+    <a:lvl6pPr marL="2286000" algn="l" defTabSz="457200" rtl="0" eaLnBrk="1" latinLnBrk="0" hangingPunct="1">
       <a:defRPr sz="1800" kern="1200">
         <a:solidFill>
           <a:schemeClr val="tx1"/>
@@ -81,7 +83,7 @@
         <a:cs typeface="+mn-cs"/>
       </a:defRPr>
     </a:lvl6pPr>
-    <a:lvl7pPr marL="2743200" algn="l" defTabSz="914400" rtl="0" eaLnBrk="1" latinLnBrk="0" hangingPunct="1">
+    <a:lvl7pPr marL="2743200" algn="l" defTabSz="457200" rtl="0" eaLnBrk="1" latinLnBrk="0" hangingPunct="1">
       <a:defRPr sz="1800" kern="1200">
         <a:solidFill>
           <a:schemeClr val="tx1"/>
@@ -91,7 +93,7 @@
         <a:cs typeface="+mn-cs"/>
       </a:defRPr>
     </a:lvl7pPr>
-    <a:lvl8pPr marL="3200400" algn="l" defTabSz="914400" rtl="0" eaLnBrk="1" latinLnBrk="0" hangingPunct="1">
+    <a:lvl8pPr marL="3200400" algn="l" defTabSz="457200" rtl="0" eaLnBrk="1" latinLnBrk="0" hangingPunct="1">
       <a:defRPr sz="1800" kern="1200">
         <a:solidFill>
           <a:schemeClr val="tx1"/>
@@ -101,7 +103,7 @@
         <a:cs typeface="+mn-cs"/>
       </a:defRPr>
     </a:lvl8pPr>
-    <a:lvl9pPr marL="3657600" algn="l" defTabSz="914400" rtl="0" eaLnBrk="1" latinLnBrk="0" hangingPunct="1">
+    <a:lvl9pPr marL="3657600" algn="l" defTabSz="457200" rtl="0" eaLnBrk="1" latinLnBrk="0" hangingPunct="1">
       <a:defRPr sz="1800" kern="1200">
         <a:solidFill>
           <a:schemeClr val="tx1"/>
@@ -121,7 +123,7 @@
 </file>
 
 <file path=ppt/slideLayouts/slideLayout1.xml><?xml version="1.0" encoding="utf-8"?>
-<p:sldLayout xmlns:a="http://schemas.openxmlformats.org/drawingml/2006/main" xmlns:r="http://schemas.openxmlformats.org/officeDocument/2006/relationships" xmlns:p="http://schemas.openxmlformats.org/presentationml/2006/main" type="title" preserve="1">
+<p:sldLayout xmlns:a="http://schemas.openxmlformats.org/drawingml/2006/main" xmlns:r="http://schemas.openxmlformats.org/officeDocument/2006/relationships" xmlns:p="http://schemas.openxmlformats.org/presentationml/2006/main" showMasterSp="0" type="title" preserve="1">
   <p:cSld name="Титульный слайд">
     <p:spTree>
       <p:nvGrpSpPr>
@@ -137,15 +139,146 @@
           <a:chExt cx="0" cy="0"/>
         </a:xfrm>
       </p:grpSpPr>
-      <p:sp>
-        <p:nvSpPr>
-          <p:cNvPr id="2" name="Заголовок 1">
-            <a:extLst>
-              <a:ext uri="{FF2B5EF4-FFF2-40B4-BE49-F238E27FC236}">
-                <a16:creationId xmlns:a16="http://schemas.microsoft.com/office/drawing/2014/main" id="{A0B3DFF4-A3FC-4BF7-B7EC-B1F8B8C058B8}"/>
-              </a:ext>
-            </a:extLst>
-          </p:cNvPr>
+      <p:grpSp>
+        <p:nvGrpSpPr>
+          <p:cNvPr id="7" name="Group 6"/>
+          <p:cNvGrpSpPr/>
+          <p:nvPr/>
+        </p:nvGrpSpPr>
+        <p:grpSpPr>
+          <a:xfrm>
+            <a:off x="-16934" y="0"/>
+            <a:ext cx="12231160" cy="6856214"/>
+            <a:chOff x="-16934" y="0"/>
+            <a:chExt cx="12231160" cy="6856214"/>
+          </a:xfrm>
+        </p:grpSpPr>
+        <p:pic>
+          <p:nvPicPr>
+            <p:cNvPr id="16" name="Picture 15" descr="HD-PanelTitleR1.png"/>
+            <p:cNvPicPr>
+              <a:picLocks noChangeAspect="1"/>
+            </p:cNvPicPr>
+            <p:nvPr/>
+          </p:nvPicPr>
+          <p:blipFill>
+            <a:blip r:embed="rId2">
+              <a:extLst>
+                <a:ext uri="{28A0092B-C50C-407E-A947-70E740481C1C}">
+                  <a14:useLocalDpi xmlns:a14="http://schemas.microsoft.com/office/drawing/2010/main" val="0"/>
+                </a:ext>
+              </a:extLst>
+            </a:blip>
+            <a:stretch>
+              <a:fillRect/>
+            </a:stretch>
+          </p:blipFill>
+          <p:spPr>
+            <a:xfrm>
+              <a:off x="0" y="0"/>
+              <a:ext cx="12188825" cy="6856214"/>
+            </a:xfrm>
+            <a:prstGeom prst="rect">
+              <a:avLst/>
+            </a:prstGeom>
+          </p:spPr>
+        </p:pic>
+        <p:sp>
+          <p:nvSpPr>
+            <p:cNvPr id="26" name="Rectangle 25"/>
+            <p:cNvSpPr/>
+            <p:nvPr/>
+          </p:nvSpPr>
+          <p:spPr>
+            <a:xfrm>
+              <a:off x="2328332" y="1540931"/>
+              <a:ext cx="7543802" cy="3835401"/>
+            </a:xfrm>
+            <a:prstGeom prst="rect">
+              <a:avLst/>
+            </a:prstGeom>
+            <a:noFill/>
+            <a:ln w="15875">
+              <a:miter lim="800000"/>
+            </a:ln>
+          </p:spPr>
+          <p:style>
+            <a:lnRef idx="1">
+              <a:schemeClr val="accent1"/>
+            </a:lnRef>
+            <a:fillRef idx="3">
+              <a:schemeClr val="accent1"/>
+            </a:fillRef>
+            <a:effectRef idx="2">
+              <a:schemeClr val="accent1"/>
+            </a:effectRef>
+            <a:fontRef idx="minor">
+              <a:schemeClr val="lt1"/>
+            </a:fontRef>
+          </p:style>
+        </p:sp>
+        <p:pic>
+          <p:nvPicPr>
+            <p:cNvPr id="17" name="Picture 16" descr="HDRibbonTitle-UniformTrim.png"/>
+            <p:cNvPicPr>
+              <a:picLocks noChangeAspect="1"/>
+            </p:cNvPicPr>
+            <p:nvPr/>
+          </p:nvPicPr>
+          <p:blipFill rotWithShape="1">
+            <a:blip r:embed="rId3">
+              <a:extLst>
+                <a:ext uri="{28A0092B-C50C-407E-A947-70E740481C1C}">
+                  <a14:useLocalDpi xmlns:a14="http://schemas.microsoft.com/office/drawing/2010/main" val="0"/>
+                </a:ext>
+              </a:extLst>
+            </a:blip>
+            <a:srcRect/>
+            <a:stretch/>
+          </p:blipFill>
+          <p:spPr>
+            <a:xfrm>
+              <a:off x="-16934" y="3147609"/>
+              <a:ext cx="2478024" cy="612648"/>
+            </a:xfrm>
+            <a:prstGeom prst="rect">
+              <a:avLst/>
+            </a:prstGeom>
+          </p:spPr>
+        </p:pic>
+        <p:pic>
+          <p:nvPicPr>
+            <p:cNvPr id="20" name="Picture 19" descr="HDRibbonTitle-UniformTrim.png"/>
+            <p:cNvPicPr>
+              <a:picLocks noChangeAspect="1"/>
+            </p:cNvPicPr>
+            <p:nvPr/>
+          </p:nvPicPr>
+          <p:blipFill rotWithShape="1">
+            <a:blip r:embed="rId3">
+              <a:extLst>
+                <a:ext uri="{28A0092B-C50C-407E-A947-70E740481C1C}">
+                  <a14:useLocalDpi xmlns:a14="http://schemas.microsoft.com/office/drawing/2010/main" val="0"/>
+                </a:ext>
+              </a:extLst>
+            </a:blip>
+            <a:srcRect/>
+            <a:stretch/>
+          </p:blipFill>
+          <p:spPr>
+            <a:xfrm>
+              <a:off x="9736202" y="3147609"/>
+              <a:ext cx="2478024" cy="612648"/>
+            </a:xfrm>
+            <a:prstGeom prst="rect">
+              <a:avLst/>
+            </a:prstGeom>
+          </p:spPr>
+        </p:pic>
+      </p:grpSp>
+      <p:sp>
+        <p:nvSpPr>
+          <p:cNvPr id="2" name="Title 1"/>
           <p:cNvSpPr>
             <a:spLocks noGrp="1"/>
           </p:cNvSpPr>
@@ -155,15 +288,19 @@
         </p:nvSpPr>
         <p:spPr>
           <a:xfrm>
-            <a:off x="1524000" y="1122363"/>
-            <a:ext cx="9144000" cy="2387600"/>
+            <a:off x="2692398" y="1871131"/>
+            <a:ext cx="6815669" cy="1515533"/>
           </a:xfrm>
         </p:spPr>
         <p:txBody>
-          <a:bodyPr anchor="b"/>
+          <a:bodyPr anchor="b">
+            <a:noAutofit/>
+          </a:bodyPr>
           <a:lstStyle>
             <a:lvl1pPr algn="ctr">
-              <a:defRPr sz="6000"/>
+              <a:defRPr sz="5400">
+                <a:effectLst/>
+              </a:defRPr>
             </a:lvl1pPr>
           </a:lstStyle>
           <a:p>
@@ -171,18 +308,13 @@
               <a:rPr lang="ru-RU"/>
               <a:t>Образец заголовка</a:t>
             </a:r>
-          </a:p>
-        </p:txBody>
-      </p:sp>
-      <p:sp>
-        <p:nvSpPr>
-          <p:cNvPr id="3" name="Подзаголовок 2">
-            <a:extLst>
-              <a:ext uri="{FF2B5EF4-FFF2-40B4-BE49-F238E27FC236}">
-                <a16:creationId xmlns:a16="http://schemas.microsoft.com/office/drawing/2014/main" id="{AE7EA38D-238C-40AE-B431-C67D7CE9779B}"/>
-              </a:ext>
-            </a:extLst>
-          </p:cNvPr>
+            <a:endParaRPr lang="en-US" dirty="0"/>
+          </a:p>
+        </p:txBody>
+      </p:sp>
+      <p:sp>
+        <p:nvSpPr>
+          <p:cNvPr id="3" name="Subtitle 2"/>
           <p:cNvSpPr>
             <a:spLocks noGrp="1"/>
           </p:cNvSpPr>
@@ -192,48 +324,102 @@
         </p:nvSpPr>
         <p:spPr>
           <a:xfrm>
-            <a:off x="1524000" y="3602038"/>
-            <a:ext cx="9144000" cy="1655762"/>
+            <a:off x="2692398" y="3657597"/>
+            <a:ext cx="6815669" cy="1320802"/>
           </a:xfrm>
         </p:spPr>
         <p:txBody>
-          <a:bodyPr/>
+          <a:bodyPr anchor="t">
+            <a:normAutofit/>
+          </a:bodyPr>
           <a:lstStyle>
             <a:lvl1pPr marL="0" indent="0" algn="ctr">
               <a:buNone/>
-              <a:defRPr sz="2400"/>
+              <a:defRPr sz="2100">
+                <a:solidFill>
+                  <a:schemeClr val="tx1"/>
+                </a:solidFill>
+              </a:defRPr>
             </a:lvl1pPr>
             <a:lvl2pPr marL="457200" indent="0" algn="ctr">
               <a:buNone/>
-              <a:defRPr sz="2000"/>
+              <a:defRPr>
+                <a:solidFill>
+                  <a:schemeClr val="tx1">
+                    <a:tint val="75000"/>
+                  </a:schemeClr>
+                </a:solidFill>
+              </a:defRPr>
             </a:lvl2pPr>
             <a:lvl3pPr marL="914400" indent="0" algn="ctr">
               <a:buNone/>
-              <a:defRPr sz="1800"/>
+              <a:defRPr>
+                <a:solidFill>
+                  <a:schemeClr val="tx1">
+                    <a:tint val="75000"/>
+                  </a:schemeClr>
+                </a:solidFill>
+              </a:defRPr>
             </a:lvl3pPr>
             <a:lvl4pPr marL="1371600" indent="0" algn="ctr">
               <a:buNone/>
-              <a:defRPr sz="1600"/>
+              <a:defRPr>
+                <a:solidFill>
+                  <a:schemeClr val="tx1">
+                    <a:tint val="75000"/>
+                  </a:schemeClr>
+                </a:solidFill>
+              </a:defRPr>
             </a:lvl4pPr>
             <a:lvl5pPr marL="1828800" indent="0" algn="ctr">
               <a:buNone/>
-              <a:defRPr sz="1600"/>
+              <a:defRPr>
+                <a:solidFill>
+                  <a:schemeClr val="tx1">
+                    <a:tint val="75000"/>
+                  </a:schemeClr>
+                </a:solidFill>
+              </a:defRPr>
             </a:lvl5pPr>
             <a:lvl6pPr marL="2286000" indent="0" algn="ctr">
               <a:buNone/>
-              <a:defRPr sz="1600"/>
+              <a:defRPr>
+                <a:solidFill>
+                  <a:schemeClr val="tx1">
+                    <a:tint val="75000"/>
+                  </a:schemeClr>
+                </a:solidFill>
+              </a:defRPr>
             </a:lvl6pPr>
             <a:lvl7pPr marL="2743200" indent="0" algn="ctr">
               <a:buNone/>
-              <a:defRPr sz="1600"/>
+              <a:defRPr>
+                <a:solidFill>
+                  <a:schemeClr val="tx1">
+                    <a:tint val="75000"/>
+                  </a:schemeClr>
+                </a:solidFill>
+              </a:defRPr>
             </a:lvl7pPr>
             <a:lvl8pPr marL="3200400" indent="0" algn="ctr">
               <a:buNone/>
-              <a:defRPr sz="1600"/>
+              <a:defRPr>
+                <a:solidFill>
+                  <a:schemeClr val="tx1">
+                    <a:tint val="75000"/>
+                  </a:schemeClr>
+                </a:solidFill>
+              </a:defRPr>
             </a:lvl8pPr>
             <a:lvl9pPr marL="3657600" indent="0" algn="ctr">
               <a:buNone/>
-              <a:defRPr sz="1600"/>
+              <a:defRPr>
+                <a:solidFill>
+                  <a:schemeClr val="tx1">
+                    <a:tint val="75000"/>
+                  </a:schemeClr>
+                </a:solidFill>
+              </a:defRPr>
             </a:lvl9pPr>
           </a:lstStyle>
           <a:p>
@@ -241,18 +427,13 @@
               <a:rPr lang="ru-RU"/>
               <a:t>Образец подзаголовка</a:t>
             </a:r>
-          </a:p>
-        </p:txBody>
-      </p:sp>
-      <p:sp>
-        <p:nvSpPr>
-          <p:cNvPr id="4" name="Дата 3">
-            <a:extLst>
-              <a:ext uri="{FF2B5EF4-FFF2-40B4-BE49-F238E27FC236}">
-                <a16:creationId xmlns:a16="http://schemas.microsoft.com/office/drawing/2014/main" id="{68640397-03C5-421A-981C-1838D8C0F087}"/>
-              </a:ext>
-            </a:extLst>
-          </p:cNvPr>
+            <a:endParaRPr lang="en-US" dirty="0"/>
+          </a:p>
+        </p:txBody>
+      </p:sp>
+      <p:sp>
+        <p:nvSpPr>
+          <p:cNvPr id="4" name="Date Placeholder 3"/>
           <p:cNvSpPr>
             <a:spLocks noGrp="1"/>
           </p:cNvSpPr>
@@ -260,7 +441,12 @@
             <p:ph type="dt" sz="half" idx="10"/>
           </p:nvPr>
         </p:nvSpPr>
-        <p:spPr/>
+        <p:spPr>
+          <a:xfrm>
+            <a:off x="7983232" y="5037663"/>
+            <a:ext cx="897467" cy="279400"/>
+          </a:xfrm>
+        </p:spPr>
         <p:txBody>
           <a:bodyPr/>
           <a:lstStyle/>
@@ -275,13 +461,7 @@
       </p:sp>
       <p:sp>
         <p:nvSpPr>
-          <p:cNvPr id="5" name="Нижний колонтитул 4">
-            <a:extLst>
-              <a:ext uri="{FF2B5EF4-FFF2-40B4-BE49-F238E27FC236}">
-                <a16:creationId xmlns:a16="http://schemas.microsoft.com/office/drawing/2014/main" id="{C73D62BE-6C73-4E03-A53C-A3FD15737DFC}"/>
-              </a:ext>
-            </a:extLst>
-          </p:cNvPr>
+          <p:cNvPr id="5" name="Footer Placeholder 4"/>
           <p:cNvSpPr>
             <a:spLocks noGrp="1"/>
           </p:cNvSpPr>
@@ -289,7 +469,12 @@
             <p:ph type="ftr" sz="quarter" idx="11"/>
           </p:nvPr>
         </p:nvSpPr>
-        <p:spPr/>
+        <p:spPr>
+          <a:xfrm>
+            <a:off x="2692397" y="5037663"/>
+            <a:ext cx="5214635" cy="279400"/>
+          </a:xfrm>
+        </p:spPr>
         <p:txBody>
           <a:bodyPr/>
           <a:lstStyle/>
@@ -300,13 +485,7 @@
       </p:sp>
       <p:sp>
         <p:nvSpPr>
-          <p:cNvPr id="6" name="Номер слайда 5">
-            <a:extLst>
-              <a:ext uri="{FF2B5EF4-FFF2-40B4-BE49-F238E27FC236}">
-                <a16:creationId xmlns:a16="http://schemas.microsoft.com/office/drawing/2014/main" id="{65728D9E-C267-4CC5-8B37-748A26711F6A}"/>
-              </a:ext>
-            </a:extLst>
-          </p:cNvPr>
+          <p:cNvPr id="6" name="Slide Number Placeholder 5"/>
           <p:cNvSpPr>
             <a:spLocks noGrp="1"/>
           </p:cNvSpPr>
@@ -314,7 +493,12 @@
             <p:ph type="sldNum" sz="quarter" idx="12"/>
           </p:nvPr>
         </p:nvSpPr>
-        <p:spPr/>
+        <p:spPr>
+          <a:xfrm>
+            <a:off x="8956900" y="5037663"/>
+            <a:ext cx="551167" cy="279400"/>
+          </a:xfrm>
+        </p:spPr>
         <p:txBody>
           <a:bodyPr/>
           <a:lstStyle/>
@@ -327,10 +511,40 @@
           </a:p>
         </p:txBody>
       </p:sp>
+      <p:cxnSp>
+        <p:nvCxnSpPr>
+          <p:cNvPr id="15" name="Straight Connector 14"/>
+          <p:cNvCxnSpPr/>
+          <p:nvPr/>
+        </p:nvCxnSpPr>
+        <p:spPr>
+          <a:xfrm>
+            <a:off x="2692399" y="3522131"/>
+            <a:ext cx="6815668" cy="0"/>
+          </a:xfrm>
+          <a:prstGeom prst="line">
+            <a:avLst/>
+          </a:prstGeom>
+        </p:spPr>
+        <p:style>
+          <a:lnRef idx="2">
+            <a:schemeClr val="accent1"/>
+          </a:lnRef>
+          <a:fillRef idx="0">
+            <a:schemeClr val="accent1"/>
+          </a:fillRef>
+          <a:effectRef idx="1">
+            <a:schemeClr val="accent1"/>
+          </a:effectRef>
+          <a:fontRef idx="minor">
+            <a:schemeClr val="tx1"/>
+          </a:fontRef>
+        </p:style>
+      </p:cxnSp>
     </p:spTree>
     <p:extLst>
       <p:ext uri="{BB962C8B-B14F-4D97-AF65-F5344CB8AC3E}">
-        <p14:creationId xmlns:p14="http://schemas.microsoft.com/office/powerpoint/2010/main" val="3066081204"/>
+        <p14:creationId xmlns:p14="http://schemas.microsoft.com/office/powerpoint/2010/main" val="366206470"/>
       </p:ext>
     </p:extLst>
   </p:cSld>
@@ -341,6 +555,2099 @@
 </file>
 
 <file path=ppt/slideLayouts/slideLayout10.xml><?xml version="1.0" encoding="utf-8"?>
+<p:sldLayout xmlns:a="http://schemas.openxmlformats.org/drawingml/2006/main" xmlns:r="http://schemas.openxmlformats.org/officeDocument/2006/relationships" xmlns:p="http://schemas.openxmlformats.org/presentationml/2006/main" preserve="1">
+  <p:cSld name="Панорамная фотография с подписью">
+    <p:spTree>
+      <p:nvGrpSpPr>
+        <p:cNvPr id="1" name=""/>
+        <p:cNvGrpSpPr/>
+        <p:nvPr/>
+      </p:nvGrpSpPr>
+      <p:grpSpPr>
+        <a:xfrm>
+          <a:off x="0" y="0"/>
+          <a:ext cx="0" cy="0"/>
+          <a:chOff x="0" y="0"/>
+          <a:chExt cx="0" cy="0"/>
+        </a:xfrm>
+      </p:grpSpPr>
+      <p:sp>
+        <p:nvSpPr>
+          <p:cNvPr id="2" name="Title 1"/>
+          <p:cNvSpPr>
+            <a:spLocks noGrp="1"/>
+          </p:cNvSpPr>
+          <p:nvPr>
+            <p:ph type="title"/>
+          </p:nvPr>
+        </p:nvSpPr>
+        <p:spPr>
+          <a:xfrm>
+            <a:off x="1295401" y="4815415"/>
+            <a:ext cx="9609666" cy="566738"/>
+          </a:xfrm>
+        </p:spPr>
+        <p:txBody>
+          <a:bodyPr anchor="b">
+            <a:normAutofit/>
+          </a:bodyPr>
+          <a:lstStyle>
+            <a:lvl1pPr algn="ctr">
+              <a:defRPr sz="2400" b="0"/>
+            </a:lvl1pPr>
+          </a:lstStyle>
+          <a:p>
+            <a:r>
+              <a:rPr lang="ru-RU"/>
+              <a:t>Образец заголовка</a:t>
+            </a:r>
+            <a:endParaRPr lang="en-US" dirty="0"/>
+          </a:p>
+        </p:txBody>
+      </p:sp>
+      <p:sp>
+        <p:nvSpPr>
+          <p:cNvPr id="3" name="Picture Placeholder 2"/>
+          <p:cNvSpPr>
+            <a:spLocks noGrp="1" noChangeAspect="1"/>
+          </p:cNvSpPr>
+          <p:nvPr>
+            <p:ph type="pic" idx="1"/>
+          </p:nvPr>
+        </p:nvSpPr>
+        <p:spPr>
+          <a:xfrm>
+            <a:off x="1041427" y="1041399"/>
+            <a:ext cx="10105972" cy="3335869"/>
+          </a:xfrm>
+          <a:prstGeom prst="roundRect">
+            <a:avLst>
+              <a:gd name="adj" fmla="val 0"/>
+            </a:avLst>
+          </a:prstGeom>
+          <a:ln w="57150" cmpd="thickThin">
+            <a:solidFill>
+              <a:schemeClr val="tx1">
+                <a:lumMod val="50000"/>
+                <a:lumOff val="50000"/>
+              </a:schemeClr>
+            </a:solidFill>
+            <a:miter lim="800000"/>
+          </a:ln>
+          <a:effectLst>
+            <a:innerShdw blurRad="57150" dist="38100" dir="14460000">
+              <a:srgbClr val="000000">
+                <a:alpha val="70000"/>
+              </a:srgbClr>
+            </a:innerShdw>
+          </a:effectLst>
+        </p:spPr>
+        <p:txBody>
+          <a:bodyPr anchor="t">
+            <a:normAutofit/>
+          </a:bodyPr>
+          <a:lstStyle>
+            <a:lvl1pPr marL="0" indent="0" algn="ctr">
+              <a:buNone/>
+              <a:defRPr sz="1600"/>
+            </a:lvl1pPr>
+            <a:lvl2pPr marL="457200" indent="0">
+              <a:buNone/>
+              <a:defRPr sz="1600"/>
+            </a:lvl2pPr>
+            <a:lvl3pPr marL="914400" indent="0">
+              <a:buNone/>
+              <a:defRPr sz="1600"/>
+            </a:lvl3pPr>
+            <a:lvl4pPr marL="1371600" indent="0">
+              <a:buNone/>
+              <a:defRPr sz="1600"/>
+            </a:lvl4pPr>
+            <a:lvl5pPr marL="1828800" indent="0">
+              <a:buNone/>
+              <a:defRPr sz="1600"/>
+            </a:lvl5pPr>
+            <a:lvl6pPr marL="2286000" indent="0">
+              <a:buNone/>
+              <a:defRPr sz="1600"/>
+            </a:lvl6pPr>
+            <a:lvl7pPr marL="2743200" indent="0">
+              <a:buNone/>
+              <a:defRPr sz="1600"/>
+            </a:lvl7pPr>
+            <a:lvl8pPr marL="3200400" indent="0">
+              <a:buNone/>
+              <a:defRPr sz="1600"/>
+            </a:lvl8pPr>
+            <a:lvl9pPr marL="3657600" indent="0">
+              <a:buNone/>
+              <a:defRPr sz="1600"/>
+            </a:lvl9pPr>
+          </a:lstStyle>
+          <a:p>
+            <a:r>
+              <a:rPr lang="ru-RU"/>
+              <a:t>Вставка рисунка</a:t>
+            </a:r>
+            <a:endParaRPr lang="en-US" dirty="0"/>
+          </a:p>
+        </p:txBody>
+      </p:sp>
+      <p:sp>
+        <p:nvSpPr>
+          <p:cNvPr id="4" name="Text Placeholder 3"/>
+          <p:cNvSpPr>
+            <a:spLocks noGrp="1"/>
+          </p:cNvSpPr>
+          <p:nvPr>
+            <p:ph type="body" sz="half" idx="2"/>
+          </p:nvPr>
+        </p:nvSpPr>
+        <p:spPr>
+          <a:xfrm>
+            <a:off x="1295401" y="5382153"/>
+            <a:ext cx="9609666" cy="493712"/>
+          </a:xfrm>
+        </p:spPr>
+        <p:txBody>
+          <a:bodyPr>
+            <a:normAutofit/>
+          </a:bodyPr>
+          <a:lstStyle>
+            <a:lvl1pPr marL="0" indent="0" algn="ctr">
+              <a:buNone/>
+              <a:defRPr sz="1400"/>
+            </a:lvl1pPr>
+            <a:lvl2pPr marL="457200" indent="0">
+              <a:buNone/>
+              <a:defRPr sz="1200"/>
+            </a:lvl2pPr>
+            <a:lvl3pPr marL="914400" indent="0">
+              <a:buNone/>
+              <a:defRPr sz="1000"/>
+            </a:lvl3pPr>
+            <a:lvl4pPr marL="1371600" indent="0">
+              <a:buNone/>
+              <a:defRPr sz="900"/>
+            </a:lvl4pPr>
+            <a:lvl5pPr marL="1828800" indent="0">
+              <a:buNone/>
+              <a:defRPr sz="900"/>
+            </a:lvl5pPr>
+            <a:lvl6pPr marL="2286000" indent="0">
+              <a:buNone/>
+              <a:defRPr sz="900"/>
+            </a:lvl6pPr>
+            <a:lvl7pPr marL="2743200" indent="0">
+              <a:buNone/>
+              <a:defRPr sz="900"/>
+            </a:lvl7pPr>
+            <a:lvl8pPr marL="3200400" indent="0">
+              <a:buNone/>
+              <a:defRPr sz="900"/>
+            </a:lvl8pPr>
+            <a:lvl9pPr marL="3657600" indent="0">
+              <a:buNone/>
+              <a:defRPr sz="900"/>
+            </a:lvl9pPr>
+          </a:lstStyle>
+          <a:p>
+            <a:pPr lvl="0"/>
+            <a:r>
+              <a:rPr lang="ru-RU"/>
+              <a:t>Образец текста</a:t>
+            </a:r>
+          </a:p>
+        </p:txBody>
+      </p:sp>
+      <p:sp>
+        <p:nvSpPr>
+          <p:cNvPr id="5" name="Date Placeholder 4"/>
+          <p:cNvSpPr>
+            <a:spLocks noGrp="1"/>
+          </p:cNvSpPr>
+          <p:nvPr>
+            <p:ph type="dt" sz="half" idx="10"/>
+          </p:nvPr>
+        </p:nvSpPr>
+        <p:spPr/>
+        <p:txBody>
+          <a:bodyPr/>
+          <a:lstStyle/>
+          <a:p>
+            <a:fld id="{912BA25D-D1A4-41E3-ABCD-8EF3B50B47DB}" type="datetimeFigureOut">
+              <a:rPr lang="ru-RU" smtClean="0"/>
+              <a:t>09.05.2022</a:t>
+            </a:fld>
+            <a:endParaRPr lang="ru-RU"/>
+          </a:p>
+        </p:txBody>
+      </p:sp>
+      <p:sp>
+        <p:nvSpPr>
+          <p:cNvPr id="6" name="Footer Placeholder 5"/>
+          <p:cNvSpPr>
+            <a:spLocks noGrp="1"/>
+          </p:cNvSpPr>
+          <p:nvPr>
+            <p:ph type="ftr" sz="quarter" idx="11"/>
+          </p:nvPr>
+        </p:nvSpPr>
+        <p:spPr/>
+        <p:txBody>
+          <a:bodyPr/>
+          <a:lstStyle/>
+          <a:p>
+            <a:endParaRPr lang="ru-RU"/>
+          </a:p>
+        </p:txBody>
+      </p:sp>
+      <p:sp>
+        <p:nvSpPr>
+          <p:cNvPr id="7" name="Slide Number Placeholder 6"/>
+          <p:cNvSpPr>
+            <a:spLocks noGrp="1"/>
+          </p:cNvSpPr>
+          <p:nvPr>
+            <p:ph type="sldNum" sz="quarter" idx="12"/>
+          </p:nvPr>
+        </p:nvSpPr>
+        <p:spPr/>
+        <p:txBody>
+          <a:bodyPr/>
+          <a:lstStyle/>
+          <a:p>
+            <a:fld id="{75B7F066-EA03-4DCF-8E33-A72D4265D77F}" type="slidenum">
+              <a:rPr lang="ru-RU" smtClean="0"/>
+              <a:t>‹#›</a:t>
+            </a:fld>
+            <a:endParaRPr lang="ru-RU"/>
+          </a:p>
+        </p:txBody>
+      </p:sp>
+    </p:spTree>
+    <p:extLst>
+      <p:ext uri="{BB962C8B-B14F-4D97-AF65-F5344CB8AC3E}">
+        <p14:creationId xmlns:p14="http://schemas.microsoft.com/office/powerpoint/2010/main" val="3440000663"/>
+      </p:ext>
+    </p:extLst>
+  </p:cSld>
+  <p:clrMapOvr>
+    <a:masterClrMapping/>
+  </p:clrMapOvr>
+</p:sldLayout>
+</file>
+
+<file path=ppt/slideLayouts/slideLayout11.xml><?xml version="1.0" encoding="utf-8"?>
+<p:sldLayout xmlns:a="http://schemas.openxmlformats.org/drawingml/2006/main" xmlns:r="http://schemas.openxmlformats.org/officeDocument/2006/relationships" xmlns:p="http://schemas.openxmlformats.org/presentationml/2006/main" preserve="1">
+  <p:cSld name="Заголовок и подпись">
+    <p:spTree>
+      <p:nvGrpSpPr>
+        <p:cNvPr id="1" name=""/>
+        <p:cNvGrpSpPr/>
+        <p:nvPr/>
+      </p:nvGrpSpPr>
+      <p:grpSpPr>
+        <a:xfrm>
+          <a:off x="0" y="0"/>
+          <a:ext cx="0" cy="0"/>
+          <a:chOff x="0" y="0"/>
+          <a:chExt cx="0" cy="0"/>
+        </a:xfrm>
+      </p:grpSpPr>
+      <p:sp>
+        <p:nvSpPr>
+          <p:cNvPr id="2" name="Title 1"/>
+          <p:cNvSpPr>
+            <a:spLocks noGrp="1"/>
+          </p:cNvSpPr>
+          <p:nvPr>
+            <p:ph type="title"/>
+          </p:nvPr>
+        </p:nvSpPr>
+        <p:spPr>
+          <a:xfrm>
+            <a:off x="1303868" y="982132"/>
+            <a:ext cx="9592732" cy="2954868"/>
+          </a:xfrm>
+        </p:spPr>
+        <p:txBody>
+          <a:bodyPr anchor="ctr">
+            <a:normAutofit/>
+          </a:bodyPr>
+          <a:lstStyle>
+            <a:lvl1pPr algn="ctr">
+              <a:defRPr sz="3200" b="0" cap="none"/>
+            </a:lvl1pPr>
+          </a:lstStyle>
+          <a:p>
+            <a:r>
+              <a:rPr lang="ru-RU"/>
+              <a:t>Образец заголовка</a:t>
+            </a:r>
+            <a:endParaRPr lang="en-US" dirty="0"/>
+          </a:p>
+        </p:txBody>
+      </p:sp>
+      <p:sp>
+        <p:nvSpPr>
+          <p:cNvPr id="3" name="Text Placeholder 2"/>
+          <p:cNvSpPr>
+            <a:spLocks noGrp="1"/>
+          </p:cNvSpPr>
+          <p:nvPr>
+            <p:ph type="body" idx="1"/>
+          </p:nvPr>
+        </p:nvSpPr>
+        <p:spPr>
+          <a:xfrm>
+            <a:off x="1303868" y="4343399"/>
+            <a:ext cx="9592732" cy="1532467"/>
+          </a:xfrm>
+        </p:spPr>
+        <p:txBody>
+          <a:bodyPr anchor="ctr">
+            <a:normAutofit/>
+          </a:bodyPr>
+          <a:lstStyle>
+            <a:lvl1pPr marL="0" indent="0" algn="ctr">
+              <a:buNone/>
+              <a:defRPr sz="2000">
+                <a:solidFill>
+                  <a:schemeClr val="tx1"/>
+                </a:solidFill>
+              </a:defRPr>
+            </a:lvl1pPr>
+            <a:lvl2pPr marL="457200" indent="0">
+              <a:buNone/>
+              <a:defRPr sz="1800">
+                <a:solidFill>
+                  <a:schemeClr val="tx1">
+                    <a:tint val="75000"/>
+                  </a:schemeClr>
+                </a:solidFill>
+              </a:defRPr>
+            </a:lvl2pPr>
+            <a:lvl3pPr marL="914400" indent="0">
+              <a:buNone/>
+              <a:defRPr sz="1600">
+                <a:solidFill>
+                  <a:schemeClr val="tx1">
+                    <a:tint val="75000"/>
+                  </a:schemeClr>
+                </a:solidFill>
+              </a:defRPr>
+            </a:lvl3pPr>
+            <a:lvl4pPr marL="1371600" indent="0">
+              <a:buNone/>
+              <a:defRPr sz="1400">
+                <a:solidFill>
+                  <a:schemeClr val="tx1">
+                    <a:tint val="75000"/>
+                  </a:schemeClr>
+                </a:solidFill>
+              </a:defRPr>
+            </a:lvl4pPr>
+            <a:lvl5pPr marL="1828800" indent="0">
+              <a:buNone/>
+              <a:defRPr sz="1400">
+                <a:solidFill>
+                  <a:schemeClr val="tx1">
+                    <a:tint val="75000"/>
+                  </a:schemeClr>
+                </a:solidFill>
+              </a:defRPr>
+            </a:lvl5pPr>
+            <a:lvl6pPr marL="2286000" indent="0">
+              <a:buNone/>
+              <a:defRPr sz="1400">
+                <a:solidFill>
+                  <a:schemeClr val="tx1">
+                    <a:tint val="75000"/>
+                  </a:schemeClr>
+                </a:solidFill>
+              </a:defRPr>
+            </a:lvl6pPr>
+            <a:lvl7pPr marL="2743200" indent="0">
+              <a:buNone/>
+              <a:defRPr sz="1400">
+                <a:solidFill>
+                  <a:schemeClr val="tx1">
+                    <a:tint val="75000"/>
+                  </a:schemeClr>
+                </a:solidFill>
+              </a:defRPr>
+            </a:lvl7pPr>
+            <a:lvl8pPr marL="3200400" indent="0">
+              <a:buNone/>
+              <a:defRPr sz="1400">
+                <a:solidFill>
+                  <a:schemeClr val="tx1">
+                    <a:tint val="75000"/>
+                  </a:schemeClr>
+                </a:solidFill>
+              </a:defRPr>
+            </a:lvl8pPr>
+            <a:lvl9pPr marL="3657600" indent="0">
+              <a:buNone/>
+              <a:defRPr sz="1400">
+                <a:solidFill>
+                  <a:schemeClr val="tx1">
+                    <a:tint val="75000"/>
+                  </a:schemeClr>
+                </a:solidFill>
+              </a:defRPr>
+            </a:lvl9pPr>
+          </a:lstStyle>
+          <a:p>
+            <a:pPr lvl="0"/>
+            <a:r>
+              <a:rPr lang="ru-RU"/>
+              <a:t>Образец текста</a:t>
+            </a:r>
+          </a:p>
+        </p:txBody>
+      </p:sp>
+      <p:sp>
+        <p:nvSpPr>
+          <p:cNvPr id="4" name="Date Placeholder 3"/>
+          <p:cNvSpPr>
+            <a:spLocks noGrp="1"/>
+          </p:cNvSpPr>
+          <p:nvPr>
+            <p:ph type="dt" sz="half" idx="10"/>
+          </p:nvPr>
+        </p:nvSpPr>
+        <p:spPr/>
+        <p:txBody>
+          <a:bodyPr/>
+          <a:lstStyle/>
+          <a:p>
+            <a:fld id="{912BA25D-D1A4-41E3-ABCD-8EF3B50B47DB}" type="datetimeFigureOut">
+              <a:rPr lang="ru-RU" smtClean="0"/>
+              <a:t>09.05.2022</a:t>
+            </a:fld>
+            <a:endParaRPr lang="ru-RU"/>
+          </a:p>
+        </p:txBody>
+      </p:sp>
+      <p:sp>
+        <p:nvSpPr>
+          <p:cNvPr id="5" name="Footer Placeholder 4"/>
+          <p:cNvSpPr>
+            <a:spLocks noGrp="1"/>
+          </p:cNvSpPr>
+          <p:nvPr>
+            <p:ph type="ftr" sz="quarter" idx="11"/>
+          </p:nvPr>
+        </p:nvSpPr>
+        <p:spPr/>
+        <p:txBody>
+          <a:bodyPr/>
+          <a:lstStyle/>
+          <a:p>
+            <a:endParaRPr lang="ru-RU"/>
+          </a:p>
+        </p:txBody>
+      </p:sp>
+      <p:sp>
+        <p:nvSpPr>
+          <p:cNvPr id="6" name="Slide Number Placeholder 5"/>
+          <p:cNvSpPr>
+            <a:spLocks noGrp="1"/>
+          </p:cNvSpPr>
+          <p:nvPr>
+            <p:ph type="sldNum" sz="quarter" idx="12"/>
+          </p:nvPr>
+        </p:nvSpPr>
+        <p:spPr/>
+        <p:txBody>
+          <a:bodyPr/>
+          <a:lstStyle/>
+          <a:p>
+            <a:fld id="{75B7F066-EA03-4DCF-8E33-A72D4265D77F}" type="slidenum">
+              <a:rPr lang="ru-RU" smtClean="0"/>
+              <a:t>‹#›</a:t>
+            </a:fld>
+            <a:endParaRPr lang="ru-RU"/>
+          </a:p>
+        </p:txBody>
+      </p:sp>
+      <p:cxnSp>
+        <p:nvCxnSpPr>
+          <p:cNvPr id="15" name="Straight Connector 14"/>
+          <p:cNvCxnSpPr/>
+          <p:nvPr/>
+        </p:nvCxnSpPr>
+        <p:spPr>
+          <a:xfrm>
+            <a:off x="1396169" y="4140199"/>
+            <a:ext cx="9407298" cy="0"/>
+          </a:xfrm>
+          <a:prstGeom prst="line">
+            <a:avLst/>
+          </a:prstGeom>
+          <a:ln w="15875"/>
+        </p:spPr>
+        <p:style>
+          <a:lnRef idx="2">
+            <a:schemeClr val="accent1"/>
+          </a:lnRef>
+          <a:fillRef idx="0">
+            <a:schemeClr val="accent1"/>
+          </a:fillRef>
+          <a:effectRef idx="1">
+            <a:schemeClr val="accent1"/>
+          </a:effectRef>
+          <a:fontRef idx="minor">
+            <a:schemeClr val="tx1"/>
+          </a:fontRef>
+        </p:style>
+      </p:cxnSp>
+    </p:spTree>
+    <p:extLst>
+      <p:ext uri="{BB962C8B-B14F-4D97-AF65-F5344CB8AC3E}">
+        <p14:creationId xmlns:p14="http://schemas.microsoft.com/office/powerpoint/2010/main" val="2825360235"/>
+      </p:ext>
+    </p:extLst>
+  </p:cSld>
+  <p:clrMapOvr>
+    <a:masterClrMapping/>
+  </p:clrMapOvr>
+</p:sldLayout>
+</file>
+
+<file path=ppt/slideLayouts/slideLayout12.xml><?xml version="1.0" encoding="utf-8"?>
+<p:sldLayout xmlns:a="http://schemas.openxmlformats.org/drawingml/2006/main" xmlns:r="http://schemas.openxmlformats.org/officeDocument/2006/relationships" xmlns:p="http://schemas.openxmlformats.org/presentationml/2006/main" preserve="1">
+  <p:cSld name="Цитата с подписью">
+    <p:spTree>
+      <p:nvGrpSpPr>
+        <p:cNvPr id="1" name=""/>
+        <p:cNvGrpSpPr/>
+        <p:nvPr/>
+      </p:nvGrpSpPr>
+      <p:grpSpPr>
+        <a:xfrm>
+          <a:off x="0" y="0"/>
+          <a:ext cx="0" cy="0"/>
+          <a:chOff x="0" y="0"/>
+          <a:chExt cx="0" cy="0"/>
+        </a:xfrm>
+      </p:grpSpPr>
+      <p:sp>
+        <p:nvSpPr>
+          <p:cNvPr id="2" name="Title 1"/>
+          <p:cNvSpPr>
+            <a:spLocks noGrp="1"/>
+          </p:cNvSpPr>
+          <p:nvPr>
+            <p:ph type="title"/>
+          </p:nvPr>
+        </p:nvSpPr>
+        <p:spPr>
+          <a:xfrm>
+            <a:off x="1446213" y="982132"/>
+            <a:ext cx="9296398" cy="2370668"/>
+          </a:xfrm>
+        </p:spPr>
+        <p:txBody>
+          <a:bodyPr anchor="ctr">
+            <a:normAutofit/>
+          </a:bodyPr>
+          <a:lstStyle>
+            <a:lvl1pPr algn="ctr">
+              <a:defRPr sz="3200" b="0" cap="none">
+                <a:solidFill>
+                  <a:schemeClr val="tx1"/>
+                </a:solidFill>
+              </a:defRPr>
+            </a:lvl1pPr>
+          </a:lstStyle>
+          <a:p>
+            <a:r>
+              <a:rPr lang="ru-RU"/>
+              <a:t>Образец заголовка</a:t>
+            </a:r>
+            <a:endParaRPr lang="en-US" dirty="0"/>
+          </a:p>
+        </p:txBody>
+      </p:sp>
+      <p:sp>
+        <p:nvSpPr>
+          <p:cNvPr id="10" name="Text Placeholder 9"/>
+          <p:cNvSpPr>
+            <a:spLocks noGrp="1"/>
+          </p:cNvSpPr>
+          <p:nvPr>
+            <p:ph type="body" sz="quarter" idx="13"/>
+          </p:nvPr>
+        </p:nvSpPr>
+        <p:spPr>
+          <a:xfrm>
+            <a:off x="1674812" y="3352800"/>
+            <a:ext cx="8839202" cy="584200"/>
+          </a:xfrm>
+        </p:spPr>
+        <p:txBody>
+          <a:bodyPr anchor="ctr">
+            <a:normAutofit/>
+          </a:bodyPr>
+          <a:lstStyle>
+            <a:lvl1pPr marL="0" indent="0" algn="r">
+              <a:buFontTx/>
+              <a:buNone/>
+              <a:defRPr sz="2000"/>
+            </a:lvl1pPr>
+            <a:lvl2pPr marL="457200" indent="0">
+              <a:buFontTx/>
+              <a:buNone/>
+              <a:defRPr/>
+            </a:lvl2pPr>
+            <a:lvl3pPr marL="914400" indent="0">
+              <a:buFontTx/>
+              <a:buNone/>
+              <a:defRPr/>
+            </a:lvl3pPr>
+            <a:lvl4pPr marL="1371600" indent="0">
+              <a:buFontTx/>
+              <a:buNone/>
+              <a:defRPr/>
+            </a:lvl4pPr>
+            <a:lvl5pPr marL="1828800" indent="0">
+              <a:buFontTx/>
+              <a:buNone/>
+              <a:defRPr/>
+            </a:lvl5pPr>
+          </a:lstStyle>
+          <a:p>
+            <a:pPr lvl="0"/>
+            <a:r>
+              <a:rPr lang="ru-RU"/>
+              <a:t>Образец текста</a:t>
+            </a:r>
+          </a:p>
+        </p:txBody>
+      </p:sp>
+      <p:sp>
+        <p:nvSpPr>
+          <p:cNvPr id="3" name="Text Placeholder 2"/>
+          <p:cNvSpPr>
+            <a:spLocks noGrp="1"/>
+          </p:cNvSpPr>
+          <p:nvPr>
+            <p:ph type="body" idx="1"/>
+          </p:nvPr>
+        </p:nvSpPr>
+        <p:spPr>
+          <a:xfrm>
+            <a:off x="1295401" y="4343399"/>
+            <a:ext cx="9609666" cy="1532467"/>
+          </a:xfrm>
+        </p:spPr>
+        <p:txBody>
+          <a:bodyPr anchor="ctr">
+            <a:normAutofit/>
+          </a:bodyPr>
+          <a:lstStyle>
+            <a:lvl1pPr marL="0" indent="0" algn="ctr">
+              <a:buNone/>
+              <a:defRPr sz="2000">
+                <a:solidFill>
+                  <a:schemeClr val="tx1"/>
+                </a:solidFill>
+              </a:defRPr>
+            </a:lvl1pPr>
+            <a:lvl2pPr marL="457200" indent="0">
+              <a:buNone/>
+              <a:defRPr sz="1800">
+                <a:solidFill>
+                  <a:schemeClr val="tx1">
+                    <a:tint val="75000"/>
+                  </a:schemeClr>
+                </a:solidFill>
+              </a:defRPr>
+            </a:lvl2pPr>
+            <a:lvl3pPr marL="914400" indent="0">
+              <a:buNone/>
+              <a:defRPr sz="1600">
+                <a:solidFill>
+                  <a:schemeClr val="tx1">
+                    <a:tint val="75000"/>
+                  </a:schemeClr>
+                </a:solidFill>
+              </a:defRPr>
+            </a:lvl3pPr>
+            <a:lvl4pPr marL="1371600" indent="0">
+              <a:buNone/>
+              <a:defRPr sz="1400">
+                <a:solidFill>
+                  <a:schemeClr val="tx1">
+                    <a:tint val="75000"/>
+                  </a:schemeClr>
+                </a:solidFill>
+              </a:defRPr>
+            </a:lvl4pPr>
+            <a:lvl5pPr marL="1828800" indent="0">
+              <a:buNone/>
+              <a:defRPr sz="1400">
+                <a:solidFill>
+                  <a:schemeClr val="tx1">
+                    <a:tint val="75000"/>
+                  </a:schemeClr>
+                </a:solidFill>
+              </a:defRPr>
+            </a:lvl5pPr>
+            <a:lvl6pPr marL="2286000" indent="0">
+              <a:buNone/>
+              <a:defRPr sz="1400">
+                <a:solidFill>
+                  <a:schemeClr val="tx1">
+                    <a:tint val="75000"/>
+                  </a:schemeClr>
+                </a:solidFill>
+              </a:defRPr>
+            </a:lvl6pPr>
+            <a:lvl7pPr marL="2743200" indent="0">
+              <a:buNone/>
+              <a:defRPr sz="1400">
+                <a:solidFill>
+                  <a:schemeClr val="tx1">
+                    <a:tint val="75000"/>
+                  </a:schemeClr>
+                </a:solidFill>
+              </a:defRPr>
+            </a:lvl7pPr>
+            <a:lvl8pPr marL="3200400" indent="0">
+              <a:buNone/>
+              <a:defRPr sz="1400">
+                <a:solidFill>
+                  <a:schemeClr val="tx1">
+                    <a:tint val="75000"/>
+                  </a:schemeClr>
+                </a:solidFill>
+              </a:defRPr>
+            </a:lvl8pPr>
+            <a:lvl9pPr marL="3657600" indent="0">
+              <a:buNone/>
+              <a:defRPr sz="1400">
+                <a:solidFill>
+                  <a:schemeClr val="tx1">
+                    <a:tint val="75000"/>
+                  </a:schemeClr>
+                </a:solidFill>
+              </a:defRPr>
+            </a:lvl9pPr>
+          </a:lstStyle>
+          <a:p>
+            <a:pPr lvl="0"/>
+            <a:r>
+              <a:rPr lang="ru-RU"/>
+              <a:t>Образец текста</a:t>
+            </a:r>
+          </a:p>
+        </p:txBody>
+      </p:sp>
+      <p:sp>
+        <p:nvSpPr>
+          <p:cNvPr id="4" name="Date Placeholder 3"/>
+          <p:cNvSpPr>
+            <a:spLocks noGrp="1"/>
+          </p:cNvSpPr>
+          <p:nvPr>
+            <p:ph type="dt" sz="half" idx="10"/>
+          </p:nvPr>
+        </p:nvSpPr>
+        <p:spPr/>
+        <p:txBody>
+          <a:bodyPr/>
+          <a:lstStyle/>
+          <a:p>
+            <a:fld id="{912BA25D-D1A4-41E3-ABCD-8EF3B50B47DB}" type="datetimeFigureOut">
+              <a:rPr lang="ru-RU" smtClean="0"/>
+              <a:t>09.05.2022</a:t>
+            </a:fld>
+            <a:endParaRPr lang="ru-RU"/>
+          </a:p>
+        </p:txBody>
+      </p:sp>
+      <p:sp>
+        <p:nvSpPr>
+          <p:cNvPr id="5" name="Footer Placeholder 4"/>
+          <p:cNvSpPr>
+            <a:spLocks noGrp="1"/>
+          </p:cNvSpPr>
+          <p:nvPr>
+            <p:ph type="ftr" sz="quarter" idx="11"/>
+          </p:nvPr>
+        </p:nvSpPr>
+        <p:spPr/>
+        <p:txBody>
+          <a:bodyPr/>
+          <a:lstStyle/>
+          <a:p>
+            <a:endParaRPr lang="ru-RU"/>
+          </a:p>
+        </p:txBody>
+      </p:sp>
+      <p:sp>
+        <p:nvSpPr>
+          <p:cNvPr id="6" name="Slide Number Placeholder 5"/>
+          <p:cNvSpPr>
+            <a:spLocks noGrp="1"/>
+          </p:cNvSpPr>
+          <p:nvPr>
+            <p:ph type="sldNum" sz="quarter" idx="12"/>
+          </p:nvPr>
+        </p:nvSpPr>
+        <p:spPr/>
+        <p:txBody>
+          <a:bodyPr/>
+          <a:lstStyle/>
+          <a:p>
+            <a:fld id="{75B7F066-EA03-4DCF-8E33-A72D4265D77F}" type="slidenum">
+              <a:rPr lang="ru-RU" smtClean="0"/>
+              <a:t>‹#›</a:t>
+            </a:fld>
+            <a:endParaRPr lang="ru-RU"/>
+          </a:p>
+        </p:txBody>
+      </p:sp>
+      <p:sp>
+        <p:nvSpPr>
+          <p:cNvPr id="14" name="TextBox 13"/>
+          <p:cNvSpPr txBox="1"/>
+          <p:nvPr/>
+        </p:nvSpPr>
+        <p:spPr>
+          <a:xfrm>
+            <a:off x="862013" y="879961"/>
+            <a:ext cx="609600" cy="584776"/>
+          </a:xfrm>
+          <a:prstGeom prst="rect">
+            <a:avLst/>
+          </a:prstGeom>
+        </p:spPr>
+        <p:txBody>
+          <a:bodyPr vert="horz" lIns="91440" tIns="45720" rIns="91440" bIns="45720" rtlCol="0" anchor="ctr">
+            <a:noAutofit/>
+          </a:bodyPr>
+          <a:lstStyle/>
+          <a:p>
+            <a:pPr lvl="0"/>
+            <a:r>
+              <a:rPr lang="en-US" sz="8000" dirty="0">
+                <a:solidFill>
+                  <a:schemeClr val="tx1"/>
+                </a:solidFill>
+                <a:effectLst/>
+              </a:rPr>
+              <a:t>“</a:t>
+            </a:r>
+          </a:p>
+        </p:txBody>
+      </p:sp>
+      <p:sp>
+        <p:nvSpPr>
+          <p:cNvPr id="15" name="TextBox 14"/>
+          <p:cNvSpPr txBox="1"/>
+          <p:nvPr/>
+        </p:nvSpPr>
+        <p:spPr>
+          <a:xfrm>
+            <a:off x="10600267" y="2827870"/>
+            <a:ext cx="609600" cy="584776"/>
+          </a:xfrm>
+          <a:prstGeom prst="rect">
+            <a:avLst/>
+          </a:prstGeom>
+        </p:spPr>
+        <p:txBody>
+          <a:bodyPr vert="horz" lIns="91440" tIns="45720" rIns="91440" bIns="45720" rtlCol="0" anchor="ctr">
+            <a:noAutofit/>
+          </a:bodyPr>
+          <a:lstStyle/>
+          <a:p>
+            <a:pPr lvl="0" algn="r"/>
+            <a:r>
+              <a:rPr lang="en-US" sz="8000" dirty="0">
+                <a:solidFill>
+                  <a:schemeClr val="tx1"/>
+                </a:solidFill>
+                <a:effectLst/>
+              </a:rPr>
+              <a:t>”</a:t>
+            </a:r>
+          </a:p>
+        </p:txBody>
+      </p:sp>
+      <p:cxnSp>
+        <p:nvCxnSpPr>
+          <p:cNvPr id="19" name="Straight Connector 18"/>
+          <p:cNvCxnSpPr/>
+          <p:nvPr/>
+        </p:nvCxnSpPr>
+        <p:spPr>
+          <a:xfrm>
+            <a:off x="1396169" y="4140199"/>
+            <a:ext cx="9407298" cy="0"/>
+          </a:xfrm>
+          <a:prstGeom prst="line">
+            <a:avLst/>
+          </a:prstGeom>
+          <a:ln w="15875"/>
+        </p:spPr>
+        <p:style>
+          <a:lnRef idx="2">
+            <a:schemeClr val="accent1"/>
+          </a:lnRef>
+          <a:fillRef idx="0">
+            <a:schemeClr val="accent1"/>
+          </a:fillRef>
+          <a:effectRef idx="1">
+            <a:schemeClr val="accent1"/>
+          </a:effectRef>
+          <a:fontRef idx="minor">
+            <a:schemeClr val="tx1"/>
+          </a:fontRef>
+        </p:style>
+      </p:cxnSp>
+    </p:spTree>
+    <p:extLst>
+      <p:ext uri="{BB962C8B-B14F-4D97-AF65-F5344CB8AC3E}">
+        <p14:creationId xmlns:p14="http://schemas.microsoft.com/office/powerpoint/2010/main" val="1733332789"/>
+      </p:ext>
+    </p:extLst>
+  </p:cSld>
+  <p:clrMapOvr>
+    <a:masterClrMapping/>
+  </p:clrMapOvr>
+</p:sldLayout>
+</file>
+
+<file path=ppt/slideLayouts/slideLayout13.xml><?xml version="1.0" encoding="utf-8"?>
+<p:sldLayout xmlns:a="http://schemas.openxmlformats.org/drawingml/2006/main" xmlns:r="http://schemas.openxmlformats.org/officeDocument/2006/relationships" xmlns:p="http://schemas.openxmlformats.org/presentationml/2006/main" preserve="1">
+  <p:cSld name="Карточка имени">
+    <p:spTree>
+      <p:nvGrpSpPr>
+        <p:cNvPr id="1" name=""/>
+        <p:cNvGrpSpPr/>
+        <p:nvPr/>
+      </p:nvGrpSpPr>
+      <p:grpSpPr>
+        <a:xfrm>
+          <a:off x="0" y="0"/>
+          <a:ext cx="0" cy="0"/>
+          <a:chOff x="0" y="0"/>
+          <a:chExt cx="0" cy="0"/>
+        </a:xfrm>
+      </p:grpSpPr>
+      <p:sp>
+        <p:nvSpPr>
+          <p:cNvPr id="2" name="Title 1"/>
+          <p:cNvSpPr>
+            <a:spLocks noGrp="1"/>
+          </p:cNvSpPr>
+          <p:nvPr>
+            <p:ph type="title"/>
+          </p:nvPr>
+        </p:nvSpPr>
+        <p:spPr>
+          <a:xfrm>
+            <a:off x="1295402" y="3308581"/>
+            <a:ext cx="9609668" cy="1468800"/>
+          </a:xfrm>
+        </p:spPr>
+        <p:txBody>
+          <a:bodyPr anchor="b">
+            <a:normAutofit/>
+          </a:bodyPr>
+          <a:lstStyle>
+            <a:lvl1pPr algn="l">
+              <a:defRPr sz="3200" b="0" cap="none"/>
+            </a:lvl1pPr>
+          </a:lstStyle>
+          <a:p>
+            <a:r>
+              <a:rPr lang="ru-RU"/>
+              <a:t>Образец заголовка</a:t>
+            </a:r>
+            <a:endParaRPr lang="en-US" dirty="0"/>
+          </a:p>
+        </p:txBody>
+      </p:sp>
+      <p:sp>
+        <p:nvSpPr>
+          <p:cNvPr id="3" name="Text Placeholder 2"/>
+          <p:cNvSpPr>
+            <a:spLocks noGrp="1"/>
+          </p:cNvSpPr>
+          <p:nvPr>
+            <p:ph type="body" idx="1"/>
+          </p:nvPr>
+        </p:nvSpPr>
+        <p:spPr>
+          <a:xfrm>
+            <a:off x="1295401" y="4777381"/>
+            <a:ext cx="9609668" cy="860400"/>
+          </a:xfrm>
+        </p:spPr>
+        <p:txBody>
+          <a:bodyPr anchor="t">
+            <a:normAutofit/>
+          </a:bodyPr>
+          <a:lstStyle>
+            <a:lvl1pPr marL="0" indent="0" algn="l">
+              <a:buNone/>
+              <a:defRPr sz="2000">
+                <a:solidFill>
+                  <a:schemeClr val="tx1"/>
+                </a:solidFill>
+              </a:defRPr>
+            </a:lvl1pPr>
+            <a:lvl2pPr marL="457200" indent="0">
+              <a:buNone/>
+              <a:defRPr sz="1800">
+                <a:solidFill>
+                  <a:schemeClr val="tx1">
+                    <a:tint val="75000"/>
+                  </a:schemeClr>
+                </a:solidFill>
+              </a:defRPr>
+            </a:lvl2pPr>
+            <a:lvl3pPr marL="914400" indent="0">
+              <a:buNone/>
+              <a:defRPr sz="1600">
+                <a:solidFill>
+                  <a:schemeClr val="tx1">
+                    <a:tint val="75000"/>
+                  </a:schemeClr>
+                </a:solidFill>
+              </a:defRPr>
+            </a:lvl3pPr>
+            <a:lvl4pPr marL="1371600" indent="0">
+              <a:buNone/>
+              <a:defRPr sz="1400">
+                <a:solidFill>
+                  <a:schemeClr val="tx1">
+                    <a:tint val="75000"/>
+                  </a:schemeClr>
+                </a:solidFill>
+              </a:defRPr>
+            </a:lvl4pPr>
+            <a:lvl5pPr marL="1828800" indent="0">
+              <a:buNone/>
+              <a:defRPr sz="1400">
+                <a:solidFill>
+                  <a:schemeClr val="tx1">
+                    <a:tint val="75000"/>
+                  </a:schemeClr>
+                </a:solidFill>
+              </a:defRPr>
+            </a:lvl5pPr>
+            <a:lvl6pPr marL="2286000" indent="0">
+              <a:buNone/>
+              <a:defRPr sz="1400">
+                <a:solidFill>
+                  <a:schemeClr val="tx1">
+                    <a:tint val="75000"/>
+                  </a:schemeClr>
+                </a:solidFill>
+              </a:defRPr>
+            </a:lvl6pPr>
+            <a:lvl7pPr marL="2743200" indent="0">
+              <a:buNone/>
+              <a:defRPr sz="1400">
+                <a:solidFill>
+                  <a:schemeClr val="tx1">
+                    <a:tint val="75000"/>
+                  </a:schemeClr>
+                </a:solidFill>
+              </a:defRPr>
+            </a:lvl7pPr>
+            <a:lvl8pPr marL="3200400" indent="0">
+              <a:buNone/>
+              <a:defRPr sz="1400">
+                <a:solidFill>
+                  <a:schemeClr val="tx1">
+                    <a:tint val="75000"/>
+                  </a:schemeClr>
+                </a:solidFill>
+              </a:defRPr>
+            </a:lvl8pPr>
+            <a:lvl9pPr marL="3657600" indent="0">
+              <a:buNone/>
+              <a:defRPr sz="1400">
+                <a:solidFill>
+                  <a:schemeClr val="tx1">
+                    <a:tint val="75000"/>
+                  </a:schemeClr>
+                </a:solidFill>
+              </a:defRPr>
+            </a:lvl9pPr>
+          </a:lstStyle>
+          <a:p>
+            <a:pPr lvl="0"/>
+            <a:r>
+              <a:rPr lang="ru-RU"/>
+              <a:t>Образец текста</a:t>
+            </a:r>
+          </a:p>
+        </p:txBody>
+      </p:sp>
+      <p:sp>
+        <p:nvSpPr>
+          <p:cNvPr id="4" name="Date Placeholder 3"/>
+          <p:cNvSpPr>
+            <a:spLocks noGrp="1"/>
+          </p:cNvSpPr>
+          <p:nvPr>
+            <p:ph type="dt" sz="half" idx="10"/>
+          </p:nvPr>
+        </p:nvSpPr>
+        <p:spPr/>
+        <p:txBody>
+          <a:bodyPr/>
+          <a:lstStyle/>
+          <a:p>
+            <a:fld id="{912BA25D-D1A4-41E3-ABCD-8EF3B50B47DB}" type="datetimeFigureOut">
+              <a:rPr lang="ru-RU" smtClean="0"/>
+              <a:t>09.05.2022</a:t>
+            </a:fld>
+            <a:endParaRPr lang="ru-RU"/>
+          </a:p>
+        </p:txBody>
+      </p:sp>
+      <p:sp>
+        <p:nvSpPr>
+          <p:cNvPr id="5" name="Footer Placeholder 4"/>
+          <p:cNvSpPr>
+            <a:spLocks noGrp="1"/>
+          </p:cNvSpPr>
+          <p:nvPr>
+            <p:ph type="ftr" sz="quarter" idx="11"/>
+          </p:nvPr>
+        </p:nvSpPr>
+        <p:spPr/>
+        <p:txBody>
+          <a:bodyPr/>
+          <a:lstStyle/>
+          <a:p>
+            <a:endParaRPr lang="ru-RU"/>
+          </a:p>
+        </p:txBody>
+      </p:sp>
+      <p:sp>
+        <p:nvSpPr>
+          <p:cNvPr id="6" name="Slide Number Placeholder 5"/>
+          <p:cNvSpPr>
+            <a:spLocks noGrp="1"/>
+          </p:cNvSpPr>
+          <p:nvPr>
+            <p:ph type="sldNum" sz="quarter" idx="12"/>
+          </p:nvPr>
+        </p:nvSpPr>
+        <p:spPr/>
+        <p:txBody>
+          <a:bodyPr/>
+          <a:lstStyle/>
+          <a:p>
+            <a:fld id="{75B7F066-EA03-4DCF-8E33-A72D4265D77F}" type="slidenum">
+              <a:rPr lang="ru-RU" smtClean="0"/>
+              <a:t>‹#›</a:t>
+            </a:fld>
+            <a:endParaRPr lang="ru-RU"/>
+          </a:p>
+        </p:txBody>
+      </p:sp>
+    </p:spTree>
+    <p:extLst>
+      <p:ext uri="{BB962C8B-B14F-4D97-AF65-F5344CB8AC3E}">
+        <p14:creationId xmlns:p14="http://schemas.microsoft.com/office/powerpoint/2010/main" val="3151982640"/>
+      </p:ext>
+    </p:extLst>
+  </p:cSld>
+  <p:clrMapOvr>
+    <a:masterClrMapping/>
+  </p:clrMapOvr>
+</p:sldLayout>
+</file>
+
+<file path=ppt/slideLayouts/slideLayout14.xml><?xml version="1.0" encoding="utf-8"?>
+<p:sldLayout xmlns:a="http://schemas.openxmlformats.org/drawingml/2006/main" xmlns:r="http://schemas.openxmlformats.org/officeDocument/2006/relationships" xmlns:p="http://schemas.openxmlformats.org/presentationml/2006/main" preserve="1">
+  <p:cSld name="Цитата карточки имени">
+    <p:spTree>
+      <p:nvGrpSpPr>
+        <p:cNvPr id="1" name=""/>
+        <p:cNvGrpSpPr/>
+        <p:nvPr/>
+      </p:nvGrpSpPr>
+      <p:grpSpPr>
+        <a:xfrm>
+          <a:off x="0" y="0"/>
+          <a:ext cx="0" cy="0"/>
+          <a:chOff x="0" y="0"/>
+          <a:chExt cx="0" cy="0"/>
+        </a:xfrm>
+      </p:grpSpPr>
+      <p:sp>
+        <p:nvSpPr>
+          <p:cNvPr id="2" name="Title 1"/>
+          <p:cNvSpPr>
+            <a:spLocks noGrp="1"/>
+          </p:cNvSpPr>
+          <p:nvPr>
+            <p:ph type="title"/>
+          </p:nvPr>
+        </p:nvSpPr>
+        <p:spPr>
+          <a:xfrm>
+            <a:off x="1446213" y="982132"/>
+            <a:ext cx="9296398" cy="2243668"/>
+          </a:xfrm>
+        </p:spPr>
+        <p:txBody>
+          <a:bodyPr anchor="ctr">
+            <a:normAutofit/>
+          </a:bodyPr>
+          <a:lstStyle>
+            <a:lvl1pPr algn="ctr">
+              <a:defRPr sz="3200" b="0" cap="none">
+                <a:solidFill>
+                  <a:schemeClr val="tx1"/>
+                </a:solidFill>
+              </a:defRPr>
+            </a:lvl1pPr>
+          </a:lstStyle>
+          <a:p>
+            <a:r>
+              <a:rPr lang="ru-RU"/>
+              <a:t>Образец заголовка</a:t>
+            </a:r>
+            <a:endParaRPr lang="en-US" dirty="0"/>
+          </a:p>
+        </p:txBody>
+      </p:sp>
+      <p:sp>
+        <p:nvSpPr>
+          <p:cNvPr id="23" name="Text Placeholder 2"/>
+          <p:cNvSpPr>
+            <a:spLocks noGrp="1"/>
+          </p:cNvSpPr>
+          <p:nvPr>
+            <p:ph type="body" idx="13"/>
+          </p:nvPr>
+        </p:nvSpPr>
+        <p:spPr>
+          <a:xfrm>
+            <a:off x="1295401" y="3639312"/>
+            <a:ext cx="9609668" cy="886968"/>
+          </a:xfrm>
+        </p:spPr>
+        <p:txBody>
+          <a:bodyPr anchor="b">
+            <a:normAutofit/>
+          </a:bodyPr>
+          <a:lstStyle>
+            <a:lvl1pPr marL="0" indent="0" algn="l">
+              <a:spcBef>
+                <a:spcPts val="0"/>
+              </a:spcBef>
+              <a:buNone/>
+              <a:defRPr sz="2400">
+                <a:solidFill>
+                  <a:schemeClr val="tx1"/>
+                </a:solidFill>
+              </a:defRPr>
+            </a:lvl1pPr>
+            <a:lvl2pPr marL="457200" indent="0">
+              <a:buNone/>
+              <a:defRPr sz="1800">
+                <a:solidFill>
+                  <a:schemeClr val="tx1">
+                    <a:tint val="75000"/>
+                  </a:schemeClr>
+                </a:solidFill>
+              </a:defRPr>
+            </a:lvl2pPr>
+            <a:lvl3pPr marL="914400" indent="0">
+              <a:buNone/>
+              <a:defRPr sz="1600">
+                <a:solidFill>
+                  <a:schemeClr val="tx1">
+                    <a:tint val="75000"/>
+                  </a:schemeClr>
+                </a:solidFill>
+              </a:defRPr>
+            </a:lvl3pPr>
+            <a:lvl4pPr marL="1371600" indent="0">
+              <a:buNone/>
+              <a:defRPr sz="1400">
+                <a:solidFill>
+                  <a:schemeClr val="tx1">
+                    <a:tint val="75000"/>
+                  </a:schemeClr>
+                </a:solidFill>
+              </a:defRPr>
+            </a:lvl4pPr>
+            <a:lvl5pPr marL="1828800" indent="0">
+              <a:buNone/>
+              <a:defRPr sz="1400">
+                <a:solidFill>
+                  <a:schemeClr val="tx1">
+                    <a:tint val="75000"/>
+                  </a:schemeClr>
+                </a:solidFill>
+              </a:defRPr>
+            </a:lvl5pPr>
+            <a:lvl6pPr marL="2286000" indent="0">
+              <a:buNone/>
+              <a:defRPr sz="1400">
+                <a:solidFill>
+                  <a:schemeClr val="tx1">
+                    <a:tint val="75000"/>
+                  </a:schemeClr>
+                </a:solidFill>
+              </a:defRPr>
+            </a:lvl6pPr>
+            <a:lvl7pPr marL="2743200" indent="0">
+              <a:buNone/>
+              <a:defRPr sz="1400">
+                <a:solidFill>
+                  <a:schemeClr val="tx1">
+                    <a:tint val="75000"/>
+                  </a:schemeClr>
+                </a:solidFill>
+              </a:defRPr>
+            </a:lvl7pPr>
+            <a:lvl8pPr marL="3200400" indent="0">
+              <a:buNone/>
+              <a:defRPr sz="1400">
+                <a:solidFill>
+                  <a:schemeClr val="tx1">
+                    <a:tint val="75000"/>
+                  </a:schemeClr>
+                </a:solidFill>
+              </a:defRPr>
+            </a:lvl8pPr>
+            <a:lvl9pPr marL="3657600" indent="0">
+              <a:buNone/>
+              <a:defRPr sz="1400">
+                <a:solidFill>
+                  <a:schemeClr val="tx1">
+                    <a:tint val="75000"/>
+                  </a:schemeClr>
+                </a:solidFill>
+              </a:defRPr>
+            </a:lvl9pPr>
+          </a:lstStyle>
+          <a:p>
+            <a:pPr lvl="0"/>
+            <a:r>
+              <a:rPr lang="ru-RU"/>
+              <a:t>Образец текста</a:t>
+            </a:r>
+          </a:p>
+        </p:txBody>
+      </p:sp>
+      <p:sp>
+        <p:nvSpPr>
+          <p:cNvPr id="3" name="Text Placeholder 2"/>
+          <p:cNvSpPr>
+            <a:spLocks noGrp="1"/>
+          </p:cNvSpPr>
+          <p:nvPr>
+            <p:ph type="body" idx="1"/>
+          </p:nvPr>
+        </p:nvSpPr>
+        <p:spPr>
+          <a:xfrm>
+            <a:off x="1295401" y="4529667"/>
+            <a:ext cx="9609668" cy="1346200"/>
+          </a:xfrm>
+        </p:spPr>
+        <p:txBody>
+          <a:bodyPr anchor="t">
+            <a:normAutofit/>
+          </a:bodyPr>
+          <a:lstStyle>
+            <a:lvl1pPr marL="0" indent="0" algn="l">
+              <a:buNone/>
+              <a:defRPr sz="1800">
+                <a:solidFill>
+                  <a:schemeClr val="tx1"/>
+                </a:solidFill>
+              </a:defRPr>
+            </a:lvl1pPr>
+            <a:lvl2pPr marL="457200" indent="0">
+              <a:buNone/>
+              <a:defRPr sz="1800">
+                <a:solidFill>
+                  <a:schemeClr val="tx1">
+                    <a:tint val="75000"/>
+                  </a:schemeClr>
+                </a:solidFill>
+              </a:defRPr>
+            </a:lvl2pPr>
+            <a:lvl3pPr marL="914400" indent="0">
+              <a:buNone/>
+              <a:defRPr sz="1600">
+                <a:solidFill>
+                  <a:schemeClr val="tx1">
+                    <a:tint val="75000"/>
+                  </a:schemeClr>
+                </a:solidFill>
+              </a:defRPr>
+            </a:lvl3pPr>
+            <a:lvl4pPr marL="1371600" indent="0">
+              <a:buNone/>
+              <a:defRPr sz="1400">
+                <a:solidFill>
+                  <a:schemeClr val="tx1">
+                    <a:tint val="75000"/>
+                  </a:schemeClr>
+                </a:solidFill>
+              </a:defRPr>
+            </a:lvl4pPr>
+            <a:lvl5pPr marL="1828800" indent="0">
+              <a:buNone/>
+              <a:defRPr sz="1400">
+                <a:solidFill>
+                  <a:schemeClr val="tx1">
+                    <a:tint val="75000"/>
+                  </a:schemeClr>
+                </a:solidFill>
+              </a:defRPr>
+            </a:lvl5pPr>
+            <a:lvl6pPr marL="2286000" indent="0">
+              <a:buNone/>
+              <a:defRPr sz="1400">
+                <a:solidFill>
+                  <a:schemeClr val="tx1">
+                    <a:tint val="75000"/>
+                  </a:schemeClr>
+                </a:solidFill>
+              </a:defRPr>
+            </a:lvl6pPr>
+            <a:lvl7pPr marL="2743200" indent="0">
+              <a:buNone/>
+              <a:defRPr sz="1400">
+                <a:solidFill>
+                  <a:schemeClr val="tx1">
+                    <a:tint val="75000"/>
+                  </a:schemeClr>
+                </a:solidFill>
+              </a:defRPr>
+            </a:lvl7pPr>
+            <a:lvl8pPr marL="3200400" indent="0">
+              <a:buNone/>
+              <a:defRPr sz="1400">
+                <a:solidFill>
+                  <a:schemeClr val="tx1">
+                    <a:tint val="75000"/>
+                  </a:schemeClr>
+                </a:solidFill>
+              </a:defRPr>
+            </a:lvl8pPr>
+            <a:lvl9pPr marL="3657600" indent="0">
+              <a:buNone/>
+              <a:defRPr sz="1400">
+                <a:solidFill>
+                  <a:schemeClr val="tx1">
+                    <a:tint val="75000"/>
+                  </a:schemeClr>
+                </a:solidFill>
+              </a:defRPr>
+            </a:lvl9pPr>
+          </a:lstStyle>
+          <a:p>
+            <a:pPr lvl="0"/>
+            <a:r>
+              <a:rPr lang="ru-RU"/>
+              <a:t>Образец текста</a:t>
+            </a:r>
+          </a:p>
+        </p:txBody>
+      </p:sp>
+      <p:sp>
+        <p:nvSpPr>
+          <p:cNvPr id="4" name="Date Placeholder 3"/>
+          <p:cNvSpPr>
+            <a:spLocks noGrp="1"/>
+          </p:cNvSpPr>
+          <p:nvPr>
+            <p:ph type="dt" sz="half" idx="10"/>
+          </p:nvPr>
+        </p:nvSpPr>
+        <p:spPr/>
+        <p:txBody>
+          <a:bodyPr/>
+          <a:lstStyle/>
+          <a:p>
+            <a:fld id="{912BA25D-D1A4-41E3-ABCD-8EF3B50B47DB}" type="datetimeFigureOut">
+              <a:rPr lang="ru-RU" smtClean="0"/>
+              <a:t>09.05.2022</a:t>
+            </a:fld>
+            <a:endParaRPr lang="ru-RU"/>
+          </a:p>
+        </p:txBody>
+      </p:sp>
+      <p:sp>
+        <p:nvSpPr>
+          <p:cNvPr id="5" name="Footer Placeholder 4"/>
+          <p:cNvSpPr>
+            <a:spLocks noGrp="1"/>
+          </p:cNvSpPr>
+          <p:nvPr>
+            <p:ph type="ftr" sz="quarter" idx="11"/>
+          </p:nvPr>
+        </p:nvSpPr>
+        <p:spPr/>
+        <p:txBody>
+          <a:bodyPr/>
+          <a:lstStyle/>
+          <a:p>
+            <a:endParaRPr lang="ru-RU"/>
+          </a:p>
+        </p:txBody>
+      </p:sp>
+      <p:sp>
+        <p:nvSpPr>
+          <p:cNvPr id="6" name="Slide Number Placeholder 5"/>
+          <p:cNvSpPr>
+            <a:spLocks noGrp="1"/>
+          </p:cNvSpPr>
+          <p:nvPr>
+            <p:ph type="sldNum" sz="quarter" idx="12"/>
+          </p:nvPr>
+        </p:nvSpPr>
+        <p:spPr/>
+        <p:txBody>
+          <a:bodyPr/>
+          <a:lstStyle/>
+          <a:p>
+            <a:fld id="{75B7F066-EA03-4DCF-8E33-A72D4265D77F}" type="slidenum">
+              <a:rPr lang="ru-RU" smtClean="0"/>
+              <a:t>‹#›</a:t>
+            </a:fld>
+            <a:endParaRPr lang="ru-RU"/>
+          </a:p>
+        </p:txBody>
+      </p:sp>
+      <p:sp>
+        <p:nvSpPr>
+          <p:cNvPr id="12" name="TextBox 11"/>
+          <p:cNvSpPr txBox="1"/>
+          <p:nvPr/>
+        </p:nvSpPr>
+        <p:spPr>
+          <a:xfrm>
+            <a:off x="862013" y="879961"/>
+            <a:ext cx="609600" cy="584776"/>
+          </a:xfrm>
+          <a:prstGeom prst="rect">
+            <a:avLst/>
+          </a:prstGeom>
+        </p:spPr>
+        <p:txBody>
+          <a:bodyPr vert="horz" lIns="91440" tIns="45720" rIns="91440" bIns="45720" rtlCol="0" anchor="ctr">
+            <a:noAutofit/>
+          </a:bodyPr>
+          <a:lstStyle/>
+          <a:p>
+            <a:pPr lvl="0"/>
+            <a:r>
+              <a:rPr lang="en-US" sz="8000" dirty="0">
+                <a:solidFill>
+                  <a:schemeClr val="tx1"/>
+                </a:solidFill>
+                <a:effectLst/>
+              </a:rPr>
+              <a:t>“</a:t>
+            </a:r>
+          </a:p>
+        </p:txBody>
+      </p:sp>
+      <p:sp>
+        <p:nvSpPr>
+          <p:cNvPr id="13" name="TextBox 12"/>
+          <p:cNvSpPr txBox="1"/>
+          <p:nvPr/>
+        </p:nvSpPr>
+        <p:spPr>
+          <a:xfrm>
+            <a:off x="10600267" y="2599261"/>
+            <a:ext cx="609600" cy="584776"/>
+          </a:xfrm>
+          <a:prstGeom prst="rect">
+            <a:avLst/>
+          </a:prstGeom>
+        </p:spPr>
+        <p:txBody>
+          <a:bodyPr vert="horz" lIns="91440" tIns="45720" rIns="91440" bIns="45720" rtlCol="0" anchor="ctr">
+            <a:noAutofit/>
+          </a:bodyPr>
+          <a:lstStyle/>
+          <a:p>
+            <a:pPr lvl="0" algn="r"/>
+            <a:r>
+              <a:rPr lang="en-US" sz="8000" dirty="0">
+                <a:solidFill>
+                  <a:schemeClr val="tx1"/>
+                </a:solidFill>
+                <a:effectLst/>
+              </a:rPr>
+              <a:t>”</a:t>
+            </a:r>
+          </a:p>
+        </p:txBody>
+      </p:sp>
+      <p:cxnSp>
+        <p:nvCxnSpPr>
+          <p:cNvPr id="26" name="Straight Connector 25"/>
+          <p:cNvCxnSpPr/>
+          <p:nvPr/>
+        </p:nvCxnSpPr>
+        <p:spPr>
+          <a:xfrm>
+            <a:off x="1396169" y="3429000"/>
+            <a:ext cx="9407298" cy="0"/>
+          </a:xfrm>
+          <a:prstGeom prst="line">
+            <a:avLst/>
+          </a:prstGeom>
+          <a:ln w="15875"/>
+        </p:spPr>
+        <p:style>
+          <a:lnRef idx="2">
+            <a:schemeClr val="accent1"/>
+          </a:lnRef>
+          <a:fillRef idx="0">
+            <a:schemeClr val="accent1"/>
+          </a:fillRef>
+          <a:effectRef idx="1">
+            <a:schemeClr val="accent1"/>
+          </a:effectRef>
+          <a:fontRef idx="minor">
+            <a:schemeClr val="tx1"/>
+          </a:fontRef>
+        </p:style>
+      </p:cxnSp>
+    </p:spTree>
+    <p:extLst>
+      <p:ext uri="{BB962C8B-B14F-4D97-AF65-F5344CB8AC3E}">
+        <p14:creationId xmlns:p14="http://schemas.microsoft.com/office/powerpoint/2010/main" val="1524519871"/>
+      </p:ext>
+    </p:extLst>
+  </p:cSld>
+  <p:clrMapOvr>
+    <a:masterClrMapping/>
+  </p:clrMapOvr>
+</p:sldLayout>
+</file>
+
+<file path=ppt/slideLayouts/slideLayout15.xml><?xml version="1.0" encoding="utf-8"?>
+<p:sldLayout xmlns:a="http://schemas.openxmlformats.org/drawingml/2006/main" xmlns:r="http://schemas.openxmlformats.org/officeDocument/2006/relationships" xmlns:p="http://schemas.openxmlformats.org/presentationml/2006/main" preserve="1">
+  <p:cSld name="Истина или ложь">
+    <p:spTree>
+      <p:nvGrpSpPr>
+        <p:cNvPr id="1" name=""/>
+        <p:cNvGrpSpPr/>
+        <p:nvPr/>
+      </p:nvGrpSpPr>
+      <p:grpSpPr>
+        <a:xfrm>
+          <a:off x="0" y="0"/>
+          <a:ext cx="0" cy="0"/>
+          <a:chOff x="0" y="0"/>
+          <a:chExt cx="0" cy="0"/>
+        </a:xfrm>
+      </p:grpSpPr>
+      <p:sp>
+        <p:nvSpPr>
+          <p:cNvPr id="2" name="Title 1"/>
+          <p:cNvSpPr>
+            <a:spLocks noGrp="1"/>
+          </p:cNvSpPr>
+          <p:nvPr>
+            <p:ph type="title"/>
+          </p:nvPr>
+        </p:nvSpPr>
+        <p:spPr>
+          <a:xfrm>
+            <a:off x="1295401" y="982132"/>
+            <a:ext cx="9609666" cy="2243668"/>
+          </a:xfrm>
+        </p:spPr>
+        <p:txBody>
+          <a:bodyPr vert="horz" lIns="91440" tIns="45720" rIns="91440" bIns="45720" rtlCol="0" anchor="ctr">
+            <a:normAutofit/>
+          </a:bodyPr>
+          <a:lstStyle>
+            <a:lvl1pPr>
+              <a:defRPr lang="en-US" b="0" dirty="0"/>
+            </a:lvl1pPr>
+          </a:lstStyle>
+          <a:p>
+            <a:pPr marL="0" lvl="0"/>
+            <a:r>
+              <a:rPr lang="ru-RU"/>
+              <a:t>Образец заголовка</a:t>
+            </a:r>
+            <a:endParaRPr lang="en-US" dirty="0"/>
+          </a:p>
+        </p:txBody>
+      </p:sp>
+      <p:sp>
+        <p:nvSpPr>
+          <p:cNvPr id="20" name="Text Placeholder 2"/>
+          <p:cNvSpPr>
+            <a:spLocks noGrp="1"/>
+          </p:cNvSpPr>
+          <p:nvPr>
+            <p:ph type="body" idx="13"/>
+          </p:nvPr>
+        </p:nvSpPr>
+        <p:spPr>
+          <a:xfrm>
+            <a:off x="1295401" y="3630168"/>
+            <a:ext cx="9609668" cy="841248"/>
+          </a:xfrm>
+        </p:spPr>
+        <p:txBody>
+          <a:bodyPr anchor="b">
+            <a:normAutofit/>
+          </a:bodyPr>
+          <a:lstStyle>
+            <a:lvl1pPr marL="0" indent="0" algn="l">
+              <a:spcBef>
+                <a:spcPts val="0"/>
+              </a:spcBef>
+              <a:buNone/>
+              <a:defRPr sz="2800">
+                <a:solidFill>
+                  <a:schemeClr val="tx1"/>
+                </a:solidFill>
+              </a:defRPr>
+            </a:lvl1pPr>
+            <a:lvl2pPr marL="457200" indent="0">
+              <a:buNone/>
+              <a:defRPr sz="1800">
+                <a:solidFill>
+                  <a:schemeClr val="tx1">
+                    <a:tint val="75000"/>
+                  </a:schemeClr>
+                </a:solidFill>
+              </a:defRPr>
+            </a:lvl2pPr>
+            <a:lvl3pPr marL="914400" indent="0">
+              <a:buNone/>
+              <a:defRPr sz="1600">
+                <a:solidFill>
+                  <a:schemeClr val="tx1">
+                    <a:tint val="75000"/>
+                  </a:schemeClr>
+                </a:solidFill>
+              </a:defRPr>
+            </a:lvl3pPr>
+            <a:lvl4pPr marL="1371600" indent="0">
+              <a:buNone/>
+              <a:defRPr sz="1400">
+                <a:solidFill>
+                  <a:schemeClr val="tx1">
+                    <a:tint val="75000"/>
+                  </a:schemeClr>
+                </a:solidFill>
+              </a:defRPr>
+            </a:lvl4pPr>
+            <a:lvl5pPr marL="1828800" indent="0">
+              <a:buNone/>
+              <a:defRPr sz="1400">
+                <a:solidFill>
+                  <a:schemeClr val="tx1">
+                    <a:tint val="75000"/>
+                  </a:schemeClr>
+                </a:solidFill>
+              </a:defRPr>
+            </a:lvl5pPr>
+            <a:lvl6pPr marL="2286000" indent="0">
+              <a:buNone/>
+              <a:defRPr sz="1400">
+                <a:solidFill>
+                  <a:schemeClr val="tx1">
+                    <a:tint val="75000"/>
+                  </a:schemeClr>
+                </a:solidFill>
+              </a:defRPr>
+            </a:lvl6pPr>
+            <a:lvl7pPr marL="2743200" indent="0">
+              <a:buNone/>
+              <a:defRPr sz="1400">
+                <a:solidFill>
+                  <a:schemeClr val="tx1">
+                    <a:tint val="75000"/>
+                  </a:schemeClr>
+                </a:solidFill>
+              </a:defRPr>
+            </a:lvl7pPr>
+            <a:lvl8pPr marL="3200400" indent="0">
+              <a:buNone/>
+              <a:defRPr sz="1400">
+                <a:solidFill>
+                  <a:schemeClr val="tx1">
+                    <a:tint val="75000"/>
+                  </a:schemeClr>
+                </a:solidFill>
+              </a:defRPr>
+            </a:lvl8pPr>
+            <a:lvl9pPr marL="3657600" indent="0">
+              <a:buNone/>
+              <a:defRPr sz="1400">
+                <a:solidFill>
+                  <a:schemeClr val="tx1">
+                    <a:tint val="75000"/>
+                  </a:schemeClr>
+                </a:solidFill>
+              </a:defRPr>
+            </a:lvl9pPr>
+          </a:lstStyle>
+          <a:p>
+            <a:pPr lvl="0"/>
+            <a:r>
+              <a:rPr lang="ru-RU"/>
+              <a:t>Образец текста</a:t>
+            </a:r>
+          </a:p>
+        </p:txBody>
+      </p:sp>
+      <p:sp>
+        <p:nvSpPr>
+          <p:cNvPr id="3" name="Text Placeholder 2"/>
+          <p:cNvSpPr>
+            <a:spLocks noGrp="1"/>
+          </p:cNvSpPr>
+          <p:nvPr>
+            <p:ph type="body" idx="1"/>
+          </p:nvPr>
+        </p:nvSpPr>
+        <p:spPr>
+          <a:xfrm>
+            <a:off x="1295400" y="4470399"/>
+            <a:ext cx="9609670" cy="1405467"/>
+          </a:xfrm>
+        </p:spPr>
+        <p:txBody>
+          <a:bodyPr anchor="t">
+            <a:normAutofit/>
+          </a:bodyPr>
+          <a:lstStyle>
+            <a:lvl1pPr marL="0" indent="0" algn="l">
+              <a:buNone/>
+              <a:defRPr sz="1800">
+                <a:solidFill>
+                  <a:schemeClr val="tx1"/>
+                </a:solidFill>
+              </a:defRPr>
+            </a:lvl1pPr>
+            <a:lvl2pPr marL="457200" indent="0">
+              <a:buNone/>
+              <a:defRPr sz="1800">
+                <a:solidFill>
+                  <a:schemeClr val="tx1">
+                    <a:tint val="75000"/>
+                  </a:schemeClr>
+                </a:solidFill>
+              </a:defRPr>
+            </a:lvl2pPr>
+            <a:lvl3pPr marL="914400" indent="0">
+              <a:buNone/>
+              <a:defRPr sz="1600">
+                <a:solidFill>
+                  <a:schemeClr val="tx1">
+                    <a:tint val="75000"/>
+                  </a:schemeClr>
+                </a:solidFill>
+              </a:defRPr>
+            </a:lvl3pPr>
+            <a:lvl4pPr marL="1371600" indent="0">
+              <a:buNone/>
+              <a:defRPr sz="1400">
+                <a:solidFill>
+                  <a:schemeClr val="tx1">
+                    <a:tint val="75000"/>
+                  </a:schemeClr>
+                </a:solidFill>
+              </a:defRPr>
+            </a:lvl4pPr>
+            <a:lvl5pPr marL="1828800" indent="0">
+              <a:buNone/>
+              <a:defRPr sz="1400">
+                <a:solidFill>
+                  <a:schemeClr val="tx1">
+                    <a:tint val="75000"/>
+                  </a:schemeClr>
+                </a:solidFill>
+              </a:defRPr>
+            </a:lvl5pPr>
+            <a:lvl6pPr marL="2286000" indent="0">
+              <a:buNone/>
+              <a:defRPr sz="1400">
+                <a:solidFill>
+                  <a:schemeClr val="tx1">
+                    <a:tint val="75000"/>
+                  </a:schemeClr>
+                </a:solidFill>
+              </a:defRPr>
+            </a:lvl6pPr>
+            <a:lvl7pPr marL="2743200" indent="0">
+              <a:buNone/>
+              <a:defRPr sz="1400">
+                <a:solidFill>
+                  <a:schemeClr val="tx1">
+                    <a:tint val="75000"/>
+                  </a:schemeClr>
+                </a:solidFill>
+              </a:defRPr>
+            </a:lvl7pPr>
+            <a:lvl8pPr marL="3200400" indent="0">
+              <a:buNone/>
+              <a:defRPr sz="1400">
+                <a:solidFill>
+                  <a:schemeClr val="tx1">
+                    <a:tint val="75000"/>
+                  </a:schemeClr>
+                </a:solidFill>
+              </a:defRPr>
+            </a:lvl8pPr>
+            <a:lvl9pPr marL="3657600" indent="0">
+              <a:buNone/>
+              <a:defRPr sz="1400">
+                <a:solidFill>
+                  <a:schemeClr val="tx1">
+                    <a:tint val="75000"/>
+                  </a:schemeClr>
+                </a:solidFill>
+              </a:defRPr>
+            </a:lvl9pPr>
+          </a:lstStyle>
+          <a:p>
+            <a:pPr lvl="0"/>
+            <a:r>
+              <a:rPr lang="ru-RU"/>
+              <a:t>Образец текста</a:t>
+            </a:r>
+          </a:p>
+        </p:txBody>
+      </p:sp>
+      <p:sp>
+        <p:nvSpPr>
+          <p:cNvPr id="4" name="Date Placeholder 3"/>
+          <p:cNvSpPr>
+            <a:spLocks noGrp="1"/>
+          </p:cNvSpPr>
+          <p:nvPr>
+            <p:ph type="dt" sz="half" idx="10"/>
+          </p:nvPr>
+        </p:nvSpPr>
+        <p:spPr/>
+        <p:txBody>
+          <a:bodyPr/>
+          <a:lstStyle/>
+          <a:p>
+            <a:fld id="{912BA25D-D1A4-41E3-ABCD-8EF3B50B47DB}" type="datetimeFigureOut">
+              <a:rPr lang="ru-RU" smtClean="0"/>
+              <a:t>09.05.2022</a:t>
+            </a:fld>
+            <a:endParaRPr lang="ru-RU"/>
+          </a:p>
+        </p:txBody>
+      </p:sp>
+      <p:sp>
+        <p:nvSpPr>
+          <p:cNvPr id="5" name="Footer Placeholder 4"/>
+          <p:cNvSpPr>
+            <a:spLocks noGrp="1"/>
+          </p:cNvSpPr>
+          <p:nvPr>
+            <p:ph type="ftr" sz="quarter" idx="11"/>
+          </p:nvPr>
+        </p:nvSpPr>
+        <p:spPr/>
+        <p:txBody>
+          <a:bodyPr/>
+          <a:lstStyle/>
+          <a:p>
+            <a:endParaRPr lang="ru-RU"/>
+          </a:p>
+        </p:txBody>
+      </p:sp>
+      <p:sp>
+        <p:nvSpPr>
+          <p:cNvPr id="6" name="Slide Number Placeholder 5"/>
+          <p:cNvSpPr>
+            <a:spLocks noGrp="1"/>
+          </p:cNvSpPr>
+          <p:nvPr>
+            <p:ph type="sldNum" sz="quarter" idx="12"/>
+          </p:nvPr>
+        </p:nvSpPr>
+        <p:spPr/>
+        <p:txBody>
+          <a:bodyPr/>
+          <a:lstStyle/>
+          <a:p>
+            <a:fld id="{75B7F066-EA03-4DCF-8E33-A72D4265D77F}" type="slidenum">
+              <a:rPr lang="ru-RU" smtClean="0"/>
+              <a:t>‹#›</a:t>
+            </a:fld>
+            <a:endParaRPr lang="ru-RU"/>
+          </a:p>
+        </p:txBody>
+      </p:sp>
+      <p:cxnSp>
+        <p:nvCxnSpPr>
+          <p:cNvPr id="15" name="Straight Connector 14"/>
+          <p:cNvCxnSpPr/>
+          <p:nvPr/>
+        </p:nvCxnSpPr>
+        <p:spPr>
+          <a:xfrm>
+            <a:off x="1396169" y="3429000"/>
+            <a:ext cx="9407298" cy="0"/>
+          </a:xfrm>
+          <a:prstGeom prst="line">
+            <a:avLst/>
+          </a:prstGeom>
+          <a:ln w="15875"/>
+        </p:spPr>
+        <p:style>
+          <a:lnRef idx="2">
+            <a:schemeClr val="accent1"/>
+          </a:lnRef>
+          <a:fillRef idx="0">
+            <a:schemeClr val="accent1"/>
+          </a:fillRef>
+          <a:effectRef idx="1">
+            <a:schemeClr val="accent1"/>
+          </a:effectRef>
+          <a:fontRef idx="minor">
+            <a:schemeClr val="tx1"/>
+          </a:fontRef>
+        </p:style>
+      </p:cxnSp>
+    </p:spTree>
+    <p:extLst>
+      <p:ext uri="{BB962C8B-B14F-4D97-AF65-F5344CB8AC3E}">
+        <p14:creationId xmlns:p14="http://schemas.microsoft.com/office/powerpoint/2010/main" val="3800185396"/>
+      </p:ext>
+    </p:extLst>
+  </p:cSld>
+  <p:clrMapOvr>
+    <a:masterClrMapping/>
+  </p:clrMapOvr>
+</p:sldLayout>
+</file>
+
+<file path=ppt/slideLayouts/slideLayout16.xml><?xml version="1.0" encoding="utf-8"?>
 <p:sldLayout xmlns:a="http://schemas.openxmlformats.org/drawingml/2006/main" xmlns:r="http://schemas.openxmlformats.org/officeDocument/2006/relationships" xmlns:p="http://schemas.openxmlformats.org/presentationml/2006/main" type="vertTx" preserve="1">
   <p:cSld name="Заголовок и вертикальный текст">
     <p:spTree>
@@ -359,13 +2666,7 @@
       </p:grpSpPr>
       <p:sp>
         <p:nvSpPr>
-          <p:cNvPr id="2" name="Заголовок 1">
-            <a:extLst>
-              <a:ext uri="{FF2B5EF4-FFF2-40B4-BE49-F238E27FC236}">
-                <a16:creationId xmlns:a16="http://schemas.microsoft.com/office/drawing/2014/main" id="{6FF949CA-B4A6-461B-896F-432D751E5837}"/>
-              </a:ext>
-            </a:extLst>
-          </p:cNvPr>
+          <p:cNvPr id="2" name="Title 1"/>
           <p:cNvSpPr>
             <a:spLocks noGrp="1"/>
           </p:cNvSpPr>
@@ -376,24 +2677,23 @@
         <p:spPr/>
         <p:txBody>
           <a:bodyPr/>
-          <a:lstStyle/>
+          <a:lstStyle>
+            <a:lvl1pPr algn="ctr">
+              <a:defRPr/>
+            </a:lvl1pPr>
+          </a:lstStyle>
           <a:p>
             <a:r>
               <a:rPr lang="ru-RU"/>
               <a:t>Образец заголовка</a:t>
             </a:r>
-          </a:p>
-        </p:txBody>
-      </p:sp>
-      <p:sp>
-        <p:nvSpPr>
-          <p:cNvPr id="3" name="Вертикальный текст 2">
-            <a:extLst>
-              <a:ext uri="{FF2B5EF4-FFF2-40B4-BE49-F238E27FC236}">
-                <a16:creationId xmlns:a16="http://schemas.microsoft.com/office/drawing/2014/main" id="{A17B5F5D-856A-4442-BD27-0E93E0DA9FA9}"/>
-              </a:ext>
-            </a:extLst>
-          </p:cNvPr>
+            <a:endParaRPr lang="en-US" dirty="0"/>
+          </a:p>
+        </p:txBody>
+      </p:sp>
+      <p:sp>
+        <p:nvSpPr>
+          <p:cNvPr id="3" name="Vertical Text Placeholder 2"/>
           <p:cNvSpPr>
             <a:spLocks noGrp="1"/>
           </p:cNvSpPr>
@@ -403,7 +2703,7 @@
         </p:nvSpPr>
         <p:spPr/>
         <p:txBody>
-          <a:bodyPr vert="eaVert"/>
+          <a:bodyPr vert="eaVert" anchor="t"/>
           <a:lstStyle/>
           <a:p>
             <a:pPr lvl="0"/>
@@ -439,18 +2739,13 @@
               <a:rPr lang="ru-RU"/>
               <a:t>Пятый уровень</a:t>
             </a:r>
-          </a:p>
-        </p:txBody>
-      </p:sp>
-      <p:sp>
-        <p:nvSpPr>
-          <p:cNvPr id="4" name="Дата 3">
-            <a:extLst>
-              <a:ext uri="{FF2B5EF4-FFF2-40B4-BE49-F238E27FC236}">
-                <a16:creationId xmlns:a16="http://schemas.microsoft.com/office/drawing/2014/main" id="{8CF4EA84-F57A-4CFA-939A-9290259902F7}"/>
-              </a:ext>
-            </a:extLst>
-          </p:cNvPr>
+            <a:endParaRPr lang="en-US" dirty="0"/>
+          </a:p>
+        </p:txBody>
+      </p:sp>
+      <p:sp>
+        <p:nvSpPr>
+          <p:cNvPr id="4" name="Date Placeholder 3"/>
           <p:cNvSpPr>
             <a:spLocks noGrp="1"/>
           </p:cNvSpPr>
@@ -473,13 +2768,7 @@
       </p:sp>
       <p:sp>
         <p:nvSpPr>
-          <p:cNvPr id="5" name="Нижний колонтитул 4">
-            <a:extLst>
-              <a:ext uri="{FF2B5EF4-FFF2-40B4-BE49-F238E27FC236}">
-                <a16:creationId xmlns:a16="http://schemas.microsoft.com/office/drawing/2014/main" id="{08DF0D13-9CD0-495D-885A-2AAA72C8FAF8}"/>
-              </a:ext>
-            </a:extLst>
-          </p:cNvPr>
+          <p:cNvPr id="5" name="Footer Placeholder 4"/>
           <p:cNvSpPr>
             <a:spLocks noGrp="1"/>
           </p:cNvSpPr>
@@ -498,13 +2787,7 @@
       </p:sp>
       <p:sp>
         <p:nvSpPr>
-          <p:cNvPr id="6" name="Номер слайда 5">
-            <a:extLst>
-              <a:ext uri="{FF2B5EF4-FFF2-40B4-BE49-F238E27FC236}">
-                <a16:creationId xmlns:a16="http://schemas.microsoft.com/office/drawing/2014/main" id="{E86CA142-EE40-4A92-BA6F-3AC0354A702F}"/>
-              </a:ext>
-            </a:extLst>
-          </p:cNvPr>
+          <p:cNvPr id="6" name="Slide Number Placeholder 5"/>
           <p:cNvSpPr>
             <a:spLocks noGrp="1"/>
           </p:cNvSpPr>
@@ -525,10 +2808,41 @@
           </a:p>
         </p:txBody>
       </p:sp>
+      <p:cxnSp>
+        <p:nvCxnSpPr>
+          <p:cNvPr id="14" name="Straight Connector 13"/>
+          <p:cNvCxnSpPr/>
+          <p:nvPr/>
+        </p:nvCxnSpPr>
+        <p:spPr>
+          <a:xfrm>
+            <a:off x="1396169" y="2421466"/>
+            <a:ext cx="9407298" cy="0"/>
+          </a:xfrm>
+          <a:prstGeom prst="line">
+            <a:avLst/>
+          </a:prstGeom>
+          <a:ln w="15875"/>
+        </p:spPr>
+        <p:style>
+          <a:lnRef idx="2">
+            <a:schemeClr val="accent1"/>
+          </a:lnRef>
+          <a:fillRef idx="0">
+            <a:schemeClr val="accent1"/>
+          </a:fillRef>
+          <a:effectRef idx="1">
+            <a:schemeClr val="accent1"/>
+          </a:effectRef>
+          <a:fontRef idx="minor">
+            <a:schemeClr val="tx1"/>
+          </a:fontRef>
+        </p:style>
+      </p:cxnSp>
     </p:spTree>
     <p:extLst>
       <p:ext uri="{BB962C8B-B14F-4D97-AF65-F5344CB8AC3E}">
-        <p14:creationId xmlns:p14="http://schemas.microsoft.com/office/powerpoint/2010/main" val="3917736848"/>
+        <p14:creationId xmlns:p14="http://schemas.microsoft.com/office/powerpoint/2010/main" val="1848138966"/>
       </p:ext>
     </p:extLst>
   </p:cSld>
@@ -538,7 +2852,7 @@
 </p:sldLayout>
 </file>
 
-<file path=ppt/slideLayouts/slideLayout11.xml><?xml version="1.0" encoding="utf-8"?>
+<file path=ppt/slideLayouts/slideLayout17.xml><?xml version="1.0" encoding="utf-8"?>
 <p:sldLayout xmlns:a="http://schemas.openxmlformats.org/drawingml/2006/main" xmlns:r="http://schemas.openxmlformats.org/officeDocument/2006/relationships" xmlns:p="http://schemas.openxmlformats.org/presentationml/2006/main" type="vertTitleAndTx" preserve="1">
   <p:cSld name="Вертикальный заголовок и текст">
     <p:spTree>
@@ -557,13 +2871,7 @@
       </p:grpSpPr>
       <p:sp>
         <p:nvSpPr>
-          <p:cNvPr id="2" name="Вертикальный заголовок 1">
-            <a:extLst>
-              <a:ext uri="{FF2B5EF4-FFF2-40B4-BE49-F238E27FC236}">
-                <a16:creationId xmlns:a16="http://schemas.microsoft.com/office/drawing/2014/main" id="{FA08FF6E-8379-40D8-A546-66F02E140689}"/>
-              </a:ext>
-            </a:extLst>
-          </p:cNvPr>
+          <p:cNvPr id="2" name="Vertical Title 1"/>
           <p:cNvSpPr>
             <a:spLocks noGrp="1"/>
           </p:cNvSpPr>
@@ -573,8 +2881,8 @@
         </p:nvSpPr>
         <p:spPr>
           <a:xfrm>
-            <a:off x="8724900" y="365125"/>
-            <a:ext cx="2628900" cy="5811838"/>
+            <a:off x="8999356" y="982131"/>
+            <a:ext cx="1890895" cy="4893735"/>
           </a:xfrm>
         </p:spPr>
         <p:txBody>
@@ -585,18 +2893,13 @@
               <a:rPr lang="ru-RU"/>
               <a:t>Образец заголовка</a:t>
             </a:r>
-          </a:p>
-        </p:txBody>
-      </p:sp>
-      <p:sp>
-        <p:nvSpPr>
-          <p:cNvPr id="3" name="Вертикальный текст 2">
-            <a:extLst>
-              <a:ext uri="{FF2B5EF4-FFF2-40B4-BE49-F238E27FC236}">
-                <a16:creationId xmlns:a16="http://schemas.microsoft.com/office/drawing/2014/main" id="{7D0C950E-E228-4EAE-AEB0-AB21CC7DD256}"/>
-              </a:ext>
-            </a:extLst>
-          </p:cNvPr>
+            <a:endParaRPr lang="en-US" dirty="0"/>
+          </a:p>
+        </p:txBody>
+      </p:sp>
+      <p:sp>
+        <p:nvSpPr>
+          <p:cNvPr id="3" name="Vertical Text Placeholder 2"/>
           <p:cNvSpPr>
             <a:spLocks noGrp="1"/>
           </p:cNvSpPr>
@@ -606,12 +2909,12 @@
         </p:nvSpPr>
         <p:spPr>
           <a:xfrm>
-            <a:off x="838200" y="365125"/>
-            <a:ext cx="7734300" cy="5811838"/>
+            <a:off x="1295398" y="982132"/>
+            <a:ext cx="7433025" cy="4893734"/>
           </a:xfrm>
         </p:spPr>
         <p:txBody>
-          <a:bodyPr vert="eaVert"/>
+          <a:bodyPr vert="eaVert" anchor="t"/>
           <a:lstStyle/>
           <a:p>
             <a:pPr lvl="0"/>
@@ -647,18 +2950,13 @@
               <a:rPr lang="ru-RU"/>
               <a:t>Пятый уровень</a:t>
             </a:r>
-          </a:p>
-        </p:txBody>
-      </p:sp>
-      <p:sp>
-        <p:nvSpPr>
-          <p:cNvPr id="4" name="Дата 3">
-            <a:extLst>
-              <a:ext uri="{FF2B5EF4-FFF2-40B4-BE49-F238E27FC236}">
-                <a16:creationId xmlns:a16="http://schemas.microsoft.com/office/drawing/2014/main" id="{2FD17718-D12C-4AFC-A045-FFE1D683CDD8}"/>
-              </a:ext>
-            </a:extLst>
-          </p:cNvPr>
+            <a:endParaRPr lang="en-US" dirty="0"/>
+          </a:p>
+        </p:txBody>
+      </p:sp>
+      <p:sp>
+        <p:nvSpPr>
+          <p:cNvPr id="4" name="Date Placeholder 3"/>
           <p:cNvSpPr>
             <a:spLocks noGrp="1"/>
           </p:cNvSpPr>
@@ -681,13 +2979,7 @@
       </p:sp>
       <p:sp>
         <p:nvSpPr>
-          <p:cNvPr id="5" name="Нижний колонтитул 4">
-            <a:extLst>
-              <a:ext uri="{FF2B5EF4-FFF2-40B4-BE49-F238E27FC236}">
-                <a16:creationId xmlns:a16="http://schemas.microsoft.com/office/drawing/2014/main" id="{EE0DCFF2-DC19-4B96-AC92-6677557C8895}"/>
-              </a:ext>
-            </a:extLst>
-          </p:cNvPr>
+          <p:cNvPr id="5" name="Footer Placeholder 4"/>
           <p:cNvSpPr>
             <a:spLocks noGrp="1"/>
           </p:cNvSpPr>
@@ -706,13 +2998,7 @@
       </p:sp>
       <p:sp>
         <p:nvSpPr>
-          <p:cNvPr id="6" name="Номер слайда 5">
-            <a:extLst>
-              <a:ext uri="{FF2B5EF4-FFF2-40B4-BE49-F238E27FC236}">
-                <a16:creationId xmlns:a16="http://schemas.microsoft.com/office/drawing/2014/main" id="{4FC4BEB6-41A9-4D49-97C3-D99D61FC931D}"/>
-              </a:ext>
-            </a:extLst>
-          </p:cNvPr>
+          <p:cNvPr id="6" name="Slide Number Placeholder 5"/>
           <p:cNvSpPr>
             <a:spLocks noGrp="1"/>
           </p:cNvSpPr>
@@ -733,10 +3019,41 @@
           </a:p>
         </p:txBody>
       </p:sp>
+      <p:cxnSp>
+        <p:nvCxnSpPr>
+          <p:cNvPr id="14" name="Straight Connector 13"/>
+          <p:cNvCxnSpPr/>
+          <p:nvPr/>
+        </p:nvCxnSpPr>
+        <p:spPr>
+          <a:xfrm>
+            <a:off x="8863890" y="990600"/>
+            <a:ext cx="0" cy="4876800"/>
+          </a:xfrm>
+          <a:prstGeom prst="line">
+            <a:avLst/>
+          </a:prstGeom>
+          <a:ln w="15875"/>
+        </p:spPr>
+        <p:style>
+          <a:lnRef idx="2">
+            <a:schemeClr val="accent1"/>
+          </a:lnRef>
+          <a:fillRef idx="0">
+            <a:schemeClr val="accent1"/>
+          </a:fillRef>
+          <a:effectRef idx="1">
+            <a:schemeClr val="accent1"/>
+          </a:effectRef>
+          <a:fontRef idx="minor">
+            <a:schemeClr val="tx1"/>
+          </a:fontRef>
+        </p:style>
+      </p:cxnSp>
     </p:spTree>
     <p:extLst>
       <p:ext uri="{BB962C8B-B14F-4D97-AF65-F5344CB8AC3E}">
-        <p14:creationId xmlns:p14="http://schemas.microsoft.com/office/powerpoint/2010/main" val="310131720"/>
+        <p14:creationId xmlns:p14="http://schemas.microsoft.com/office/powerpoint/2010/main" val="316551958"/>
       </p:ext>
     </p:extLst>
   </p:cSld>
@@ -763,15 +3080,40 @@
           <a:chExt cx="0" cy="0"/>
         </a:xfrm>
       </p:grpSpPr>
-      <p:sp>
-        <p:nvSpPr>
-          <p:cNvPr id="2" name="Заголовок 1">
-            <a:extLst>
-              <a:ext uri="{FF2B5EF4-FFF2-40B4-BE49-F238E27FC236}">
-                <a16:creationId xmlns:a16="http://schemas.microsoft.com/office/drawing/2014/main" id="{08752BCC-1EBF-4817-8498-A0D5673748C9}"/>
-              </a:ext>
-            </a:extLst>
-          </p:cNvPr>
+      <p:cxnSp>
+        <p:nvCxnSpPr>
+          <p:cNvPr id="7" name="Straight Connector 6"/>
+          <p:cNvCxnSpPr/>
+          <p:nvPr/>
+        </p:nvCxnSpPr>
+        <p:spPr>
+          <a:xfrm>
+            <a:off x="1396169" y="2421466"/>
+            <a:ext cx="9407298" cy="0"/>
+          </a:xfrm>
+          <a:prstGeom prst="line">
+            <a:avLst/>
+          </a:prstGeom>
+          <a:ln w="15875"/>
+        </p:spPr>
+        <p:style>
+          <a:lnRef idx="2">
+            <a:schemeClr val="accent1"/>
+          </a:lnRef>
+          <a:fillRef idx="0">
+            <a:schemeClr val="accent1"/>
+          </a:fillRef>
+          <a:effectRef idx="1">
+            <a:schemeClr val="accent1"/>
+          </a:effectRef>
+          <a:fontRef idx="minor">
+            <a:schemeClr val="tx1"/>
+          </a:fontRef>
+        </p:style>
+      </p:cxnSp>
+      <p:sp>
+        <p:nvSpPr>
+          <p:cNvPr id="2" name="Title 1"/>
           <p:cNvSpPr>
             <a:spLocks noGrp="1"/>
           </p:cNvSpPr>
@@ -788,18 +3130,13 @@
               <a:rPr lang="ru-RU"/>
               <a:t>Образец заголовка</a:t>
             </a:r>
-          </a:p>
-        </p:txBody>
-      </p:sp>
-      <p:sp>
-        <p:nvSpPr>
-          <p:cNvPr id="3" name="Объект 2">
-            <a:extLst>
-              <a:ext uri="{FF2B5EF4-FFF2-40B4-BE49-F238E27FC236}">
-                <a16:creationId xmlns:a16="http://schemas.microsoft.com/office/drawing/2014/main" id="{ACA0AEDC-5310-498C-85D8-C25DC79BEDF6}"/>
-              </a:ext>
-            </a:extLst>
-          </p:cNvPr>
+            <a:endParaRPr lang="en-US" dirty="0"/>
+          </a:p>
+        </p:txBody>
+      </p:sp>
+      <p:sp>
+        <p:nvSpPr>
+          <p:cNvPr id="3" name="Content Placeholder 2"/>
           <p:cNvSpPr>
             <a:spLocks noGrp="1"/>
           </p:cNvSpPr>
@@ -845,18 +3182,13 @@
               <a:rPr lang="ru-RU"/>
               <a:t>Пятый уровень</a:t>
             </a:r>
-          </a:p>
-        </p:txBody>
-      </p:sp>
-      <p:sp>
-        <p:nvSpPr>
-          <p:cNvPr id="4" name="Дата 3">
-            <a:extLst>
-              <a:ext uri="{FF2B5EF4-FFF2-40B4-BE49-F238E27FC236}">
-                <a16:creationId xmlns:a16="http://schemas.microsoft.com/office/drawing/2014/main" id="{5EFC02F8-CE5C-4DC6-AC85-3B645B38A6B1}"/>
-              </a:ext>
-            </a:extLst>
-          </p:cNvPr>
+            <a:endParaRPr lang="en-US" dirty="0"/>
+          </a:p>
+        </p:txBody>
+      </p:sp>
+      <p:sp>
+        <p:nvSpPr>
+          <p:cNvPr id="4" name="Date Placeholder 3"/>
           <p:cNvSpPr>
             <a:spLocks noGrp="1"/>
           </p:cNvSpPr>
@@ -879,13 +3211,7 @@
       </p:sp>
       <p:sp>
         <p:nvSpPr>
-          <p:cNvPr id="5" name="Нижний колонтитул 4">
-            <a:extLst>
-              <a:ext uri="{FF2B5EF4-FFF2-40B4-BE49-F238E27FC236}">
-                <a16:creationId xmlns:a16="http://schemas.microsoft.com/office/drawing/2014/main" id="{74F77DDA-E727-4B12-A558-4103C2C03284}"/>
-              </a:ext>
-            </a:extLst>
-          </p:cNvPr>
+          <p:cNvPr id="5" name="Footer Placeholder 4"/>
           <p:cNvSpPr>
             <a:spLocks noGrp="1"/>
           </p:cNvSpPr>
@@ -904,13 +3230,7 @@
       </p:sp>
       <p:sp>
         <p:nvSpPr>
-          <p:cNvPr id="6" name="Номер слайда 5">
-            <a:extLst>
-              <a:ext uri="{FF2B5EF4-FFF2-40B4-BE49-F238E27FC236}">
-                <a16:creationId xmlns:a16="http://schemas.microsoft.com/office/drawing/2014/main" id="{F635BF01-BBBB-4026-A9EC-C6E801635F56}"/>
-              </a:ext>
-            </a:extLst>
-          </p:cNvPr>
+          <p:cNvPr id="6" name="Slide Number Placeholder 5"/>
           <p:cNvSpPr>
             <a:spLocks noGrp="1"/>
           </p:cNvSpPr>
@@ -934,7 +3254,7 @@
     </p:spTree>
     <p:extLst>
       <p:ext uri="{BB962C8B-B14F-4D97-AF65-F5344CB8AC3E}">
-        <p14:creationId xmlns:p14="http://schemas.microsoft.com/office/powerpoint/2010/main" val="581026679"/>
+        <p14:creationId xmlns:p14="http://schemas.microsoft.com/office/powerpoint/2010/main" val="2118392756"/>
       </p:ext>
     </p:extLst>
   </p:cSld>
@@ -963,13 +3283,7 @@
       </p:grpSpPr>
       <p:sp>
         <p:nvSpPr>
-          <p:cNvPr id="2" name="Заголовок 1">
-            <a:extLst>
-              <a:ext uri="{FF2B5EF4-FFF2-40B4-BE49-F238E27FC236}">
-                <a16:creationId xmlns:a16="http://schemas.microsoft.com/office/drawing/2014/main" id="{790F3798-775F-4EC2-B111-406DF7D41582}"/>
-              </a:ext>
-            </a:extLst>
-          </p:cNvPr>
+          <p:cNvPr id="2" name="Title 1"/>
           <p:cNvSpPr>
             <a:spLocks noGrp="1"/>
           </p:cNvSpPr>
@@ -979,15 +3293,17 @@
         </p:nvSpPr>
         <p:spPr>
           <a:xfrm>
-            <a:off x="831850" y="1709738"/>
-            <a:ext cx="10515600" cy="2852737"/>
+            <a:off x="2015069" y="1752606"/>
+            <a:ext cx="8158688" cy="1822514"/>
           </a:xfrm>
         </p:spPr>
         <p:txBody>
-          <a:bodyPr anchor="b"/>
+          <a:bodyPr anchor="b">
+            <a:normAutofit/>
+          </a:bodyPr>
           <a:lstStyle>
-            <a:lvl1pPr>
-              <a:defRPr sz="6000"/>
+            <a:lvl1pPr algn="ctr">
+              <a:defRPr sz="4400" b="0" cap="none"/>
             </a:lvl1pPr>
           </a:lstStyle>
           <a:p>
@@ -995,18 +3311,13 @@
               <a:rPr lang="ru-RU"/>
               <a:t>Образец заголовка</a:t>
             </a:r>
-          </a:p>
-        </p:txBody>
-      </p:sp>
-      <p:sp>
-        <p:nvSpPr>
-          <p:cNvPr id="3" name="Текст 2">
-            <a:extLst>
-              <a:ext uri="{FF2B5EF4-FFF2-40B4-BE49-F238E27FC236}">
-                <a16:creationId xmlns:a16="http://schemas.microsoft.com/office/drawing/2014/main" id="{C6C69584-3B95-47EB-936B-4AB5B848BAF7}"/>
-              </a:ext>
-            </a:extLst>
-          </p:cNvPr>
+            <a:endParaRPr lang="en-US" dirty="0"/>
+          </a:p>
+        </p:txBody>
+      </p:sp>
+      <p:sp>
+        <p:nvSpPr>
+          <p:cNvPr id="3" name="Text Placeholder 2"/>
           <p:cNvSpPr>
             <a:spLocks noGrp="1"/>
           </p:cNvSpPr>
@@ -1016,102 +3327,102 @@
         </p:nvSpPr>
         <p:spPr>
           <a:xfrm>
-            <a:off x="831850" y="4589463"/>
-            <a:ext cx="10515600" cy="1500187"/>
+            <a:off x="2015067" y="3846051"/>
+            <a:ext cx="8158690" cy="954547"/>
           </a:xfrm>
         </p:spPr>
         <p:txBody>
-          <a:bodyPr/>
+          <a:bodyPr anchor="t">
+            <a:normAutofit/>
+          </a:bodyPr>
           <a:lstStyle>
-            <a:lvl1pPr marL="0" indent="0">
+            <a:lvl1pPr marL="0" indent="0" algn="ctr">
               <a:buNone/>
               <a:defRPr sz="2400">
+                <a:solidFill>
+                  <a:schemeClr val="tx1"/>
+                </a:solidFill>
+              </a:defRPr>
+            </a:lvl1pPr>
+            <a:lvl2pPr marL="457200" indent="0">
+              <a:buNone/>
+              <a:defRPr sz="1800">
                 <a:solidFill>
                   <a:schemeClr val="tx1">
                     <a:tint val="75000"/>
                   </a:schemeClr>
                 </a:solidFill>
               </a:defRPr>
-            </a:lvl1pPr>
-            <a:lvl2pPr marL="457200" indent="0">
-              <a:buNone/>
-              <a:defRPr sz="2000">
+            </a:lvl2pPr>
+            <a:lvl3pPr marL="914400" indent="0">
+              <a:buNone/>
+              <a:defRPr sz="1600">
                 <a:solidFill>
                   <a:schemeClr val="tx1">
                     <a:tint val="75000"/>
                   </a:schemeClr>
                 </a:solidFill>
               </a:defRPr>
-            </a:lvl2pPr>
-            <a:lvl3pPr marL="914400" indent="0">
-              <a:buNone/>
-              <a:defRPr sz="1800">
+            </a:lvl3pPr>
+            <a:lvl4pPr marL="1371600" indent="0">
+              <a:buNone/>
+              <a:defRPr sz="1400">
                 <a:solidFill>
                   <a:schemeClr val="tx1">
                     <a:tint val="75000"/>
                   </a:schemeClr>
                 </a:solidFill>
               </a:defRPr>
-            </a:lvl3pPr>
-            <a:lvl4pPr marL="1371600" indent="0">
-              <a:buNone/>
-              <a:defRPr sz="1600">
+            </a:lvl4pPr>
+            <a:lvl5pPr marL="1828800" indent="0">
+              <a:buNone/>
+              <a:defRPr sz="1400">
                 <a:solidFill>
                   <a:schemeClr val="tx1">
                     <a:tint val="75000"/>
                   </a:schemeClr>
                 </a:solidFill>
               </a:defRPr>
-            </a:lvl4pPr>
-            <a:lvl5pPr marL="1828800" indent="0">
-              <a:buNone/>
-              <a:defRPr sz="1600">
+            </a:lvl5pPr>
+            <a:lvl6pPr marL="2286000" indent="0">
+              <a:buNone/>
+              <a:defRPr sz="1400">
                 <a:solidFill>
                   <a:schemeClr val="tx1">
                     <a:tint val="75000"/>
                   </a:schemeClr>
                 </a:solidFill>
               </a:defRPr>
-            </a:lvl5pPr>
-            <a:lvl6pPr marL="2286000" indent="0">
-              <a:buNone/>
-              <a:defRPr sz="1600">
+            </a:lvl6pPr>
+            <a:lvl7pPr marL="2743200" indent="0">
+              <a:buNone/>
+              <a:defRPr sz="1400">
                 <a:solidFill>
                   <a:schemeClr val="tx1">
                     <a:tint val="75000"/>
                   </a:schemeClr>
                 </a:solidFill>
               </a:defRPr>
-            </a:lvl6pPr>
-            <a:lvl7pPr marL="2743200" indent="0">
-              <a:buNone/>
-              <a:defRPr sz="1600">
+            </a:lvl7pPr>
+            <a:lvl8pPr marL="3200400" indent="0">
+              <a:buNone/>
+              <a:defRPr sz="1400">
                 <a:solidFill>
                   <a:schemeClr val="tx1">
                     <a:tint val="75000"/>
                   </a:schemeClr>
                 </a:solidFill>
               </a:defRPr>
-            </a:lvl7pPr>
-            <a:lvl8pPr marL="3200400" indent="0">
-              <a:buNone/>
-              <a:defRPr sz="1600">
+            </a:lvl8pPr>
+            <a:lvl9pPr marL="3657600" indent="0">
+              <a:buNone/>
+              <a:defRPr sz="1400">
                 <a:solidFill>
                   <a:schemeClr val="tx1">
                     <a:tint val="75000"/>
                   </a:schemeClr>
                 </a:solidFill>
               </a:defRPr>
-            </a:lvl8pPr>
-            <a:lvl9pPr marL="3657600" indent="0">
-              <a:buNone/>
-              <a:defRPr sz="1600">
-                <a:solidFill>
-                  <a:schemeClr val="tx1">
-                    <a:tint val="75000"/>
-                  </a:schemeClr>
-                </a:solidFill>
-              </a:defRPr>
             </a:lvl9pPr>
           </a:lstStyle>
           <a:p>
@@ -1125,13 +3436,7 @@
       </p:sp>
       <p:sp>
         <p:nvSpPr>
-          <p:cNvPr id="4" name="Дата 3">
-            <a:extLst>
-              <a:ext uri="{FF2B5EF4-FFF2-40B4-BE49-F238E27FC236}">
-                <a16:creationId xmlns:a16="http://schemas.microsoft.com/office/drawing/2014/main" id="{49B623DE-DF6A-4127-AEDB-B57960BFF1E6}"/>
-              </a:ext>
-            </a:extLst>
-          </p:cNvPr>
+          <p:cNvPr id="4" name="Date Placeholder 3"/>
           <p:cNvSpPr>
             <a:spLocks noGrp="1"/>
           </p:cNvSpPr>
@@ -1154,13 +3459,7 @@
       </p:sp>
       <p:sp>
         <p:nvSpPr>
-          <p:cNvPr id="5" name="Нижний колонтитул 4">
-            <a:extLst>
-              <a:ext uri="{FF2B5EF4-FFF2-40B4-BE49-F238E27FC236}">
-                <a16:creationId xmlns:a16="http://schemas.microsoft.com/office/drawing/2014/main" id="{763C66A7-9383-4494-BC1F-4AC93C4F2E44}"/>
-              </a:ext>
-            </a:extLst>
-          </p:cNvPr>
+          <p:cNvPr id="5" name="Footer Placeholder 4"/>
           <p:cNvSpPr>
             <a:spLocks noGrp="1"/>
           </p:cNvSpPr>
@@ -1179,13 +3478,7 @@
       </p:sp>
       <p:sp>
         <p:nvSpPr>
-          <p:cNvPr id="6" name="Номер слайда 5">
-            <a:extLst>
-              <a:ext uri="{FF2B5EF4-FFF2-40B4-BE49-F238E27FC236}">
-                <a16:creationId xmlns:a16="http://schemas.microsoft.com/office/drawing/2014/main" id="{7C4D21DA-EDDB-44ED-8661-B5F1EE4D62E5}"/>
-              </a:ext>
-            </a:extLst>
-          </p:cNvPr>
+          <p:cNvPr id="6" name="Slide Number Placeholder 5"/>
           <p:cNvSpPr>
             <a:spLocks noGrp="1"/>
           </p:cNvSpPr>
@@ -1206,10 +3499,41 @@
           </a:p>
         </p:txBody>
       </p:sp>
+      <p:cxnSp>
+        <p:nvCxnSpPr>
+          <p:cNvPr id="16" name="Straight Connector 15"/>
+          <p:cNvCxnSpPr/>
+          <p:nvPr/>
+        </p:nvCxnSpPr>
+        <p:spPr>
+          <a:xfrm>
+            <a:off x="2012723" y="3710585"/>
+            <a:ext cx="8163380" cy="0"/>
+          </a:xfrm>
+          <a:prstGeom prst="line">
+            <a:avLst/>
+          </a:prstGeom>
+          <a:ln w="15875"/>
+        </p:spPr>
+        <p:style>
+          <a:lnRef idx="2">
+            <a:schemeClr val="accent1"/>
+          </a:lnRef>
+          <a:fillRef idx="0">
+            <a:schemeClr val="accent1"/>
+          </a:fillRef>
+          <a:effectRef idx="1">
+            <a:schemeClr val="accent1"/>
+          </a:effectRef>
+          <a:fontRef idx="minor">
+            <a:schemeClr val="tx1"/>
+          </a:fontRef>
+        </p:style>
+      </p:cxnSp>
     </p:spTree>
     <p:extLst>
       <p:ext uri="{BB962C8B-B14F-4D97-AF65-F5344CB8AC3E}">
-        <p14:creationId xmlns:p14="http://schemas.microsoft.com/office/powerpoint/2010/main" val="1383163533"/>
+        <p14:creationId xmlns:p14="http://schemas.microsoft.com/office/powerpoint/2010/main" val="4250548580"/>
       </p:ext>
     </p:extLst>
   </p:cSld>
@@ -1236,58 +3560,80 @@
           <a:chExt cx="0" cy="0"/>
         </a:xfrm>
       </p:grpSpPr>
-      <p:sp>
-        <p:nvSpPr>
-          <p:cNvPr id="2" name="Заголовок 1">
-            <a:extLst>
-              <a:ext uri="{FF2B5EF4-FFF2-40B4-BE49-F238E27FC236}">
-                <a16:creationId xmlns:a16="http://schemas.microsoft.com/office/drawing/2014/main" id="{CFBFD8D5-04D9-4A9B-B285-F56FD0F61303}"/>
-              </a:ext>
-            </a:extLst>
-          </p:cNvPr>
-          <p:cNvSpPr>
-            <a:spLocks noGrp="1"/>
-          </p:cNvSpPr>
-          <p:nvPr>
-            <p:ph type="title"/>
-          </p:nvPr>
-        </p:nvSpPr>
-        <p:spPr/>
-        <p:txBody>
-          <a:bodyPr/>
-          <a:lstStyle/>
-          <a:p>
-            <a:r>
-              <a:rPr lang="ru-RU"/>
-              <a:t>Образец заголовка</a:t>
-            </a:r>
-          </a:p>
-        </p:txBody>
-      </p:sp>
-      <p:sp>
-        <p:nvSpPr>
-          <p:cNvPr id="3" name="Объект 2">
-            <a:extLst>
-              <a:ext uri="{FF2B5EF4-FFF2-40B4-BE49-F238E27FC236}">
-                <a16:creationId xmlns:a16="http://schemas.microsoft.com/office/drawing/2014/main" id="{EE71CF83-A506-4EB9-BDB7-150256221499}"/>
-              </a:ext>
-            </a:extLst>
-          </p:cNvPr>
-          <p:cNvSpPr>
-            <a:spLocks noGrp="1"/>
-          </p:cNvSpPr>
-          <p:nvPr>
-            <p:ph sz="half" idx="1"/>
-          </p:nvPr>
-        </p:nvSpPr>
+      <p:cxnSp>
+        <p:nvCxnSpPr>
+          <p:cNvPr id="8" name="Straight Connector 7"/>
+          <p:cNvCxnSpPr/>
+          <p:nvPr/>
+        </p:nvCxnSpPr>
         <p:spPr>
           <a:xfrm>
-            <a:off x="838200" y="1825625"/>
-            <a:ext cx="5181600" cy="4351338"/>
+            <a:off x="1396169" y="2421466"/>
+            <a:ext cx="9407298" cy="0"/>
+          </a:xfrm>
+          <a:prstGeom prst="line">
+            <a:avLst/>
+          </a:prstGeom>
+          <a:ln w="15875"/>
+        </p:spPr>
+        <p:style>
+          <a:lnRef idx="2">
+            <a:schemeClr val="accent1"/>
+          </a:lnRef>
+          <a:fillRef idx="0">
+            <a:schemeClr val="accent1"/>
+          </a:fillRef>
+          <a:effectRef idx="1">
+            <a:schemeClr val="accent1"/>
+          </a:effectRef>
+          <a:fontRef idx="minor">
+            <a:schemeClr val="tx1"/>
+          </a:fontRef>
+        </p:style>
+      </p:cxnSp>
+      <p:sp>
+        <p:nvSpPr>
+          <p:cNvPr id="2" name="Title 1"/>
+          <p:cNvSpPr>
+            <a:spLocks noGrp="1"/>
+          </p:cNvSpPr>
+          <p:nvPr>
+            <p:ph type="title"/>
+          </p:nvPr>
+        </p:nvSpPr>
+        <p:spPr/>
+        <p:txBody>
+          <a:bodyPr/>
+          <a:lstStyle/>
+          <a:p>
+            <a:r>
+              <a:rPr lang="ru-RU"/>
+              <a:t>Образец заголовка</a:t>
+            </a:r>
+            <a:endParaRPr lang="en-US" dirty="0"/>
+          </a:p>
+        </p:txBody>
+      </p:sp>
+      <p:sp>
+        <p:nvSpPr>
+          <p:cNvPr id="3" name="Content Placeholder 2"/>
+          <p:cNvSpPr>
+            <a:spLocks noGrp="1"/>
+          </p:cNvSpPr>
+          <p:nvPr>
+            <p:ph sz="half" idx="1"/>
+          </p:nvPr>
+        </p:nvSpPr>
+        <p:spPr>
+          <a:xfrm>
+            <a:off x="1298448" y="2560320"/>
+            <a:ext cx="4718304" cy="3310128"/>
           </a:xfrm>
         </p:spPr>
         <p:txBody>
-          <a:bodyPr/>
+          <a:bodyPr>
+            <a:normAutofit/>
+          </a:bodyPr>
           <a:lstStyle/>
           <a:p>
             <a:pPr lvl="0"/>
@@ -1323,18 +3669,13 @@
               <a:rPr lang="ru-RU"/>
               <a:t>Пятый уровень</a:t>
             </a:r>
-          </a:p>
-        </p:txBody>
-      </p:sp>
-      <p:sp>
-        <p:nvSpPr>
-          <p:cNvPr id="4" name="Объект 3">
-            <a:extLst>
-              <a:ext uri="{FF2B5EF4-FFF2-40B4-BE49-F238E27FC236}">
-                <a16:creationId xmlns:a16="http://schemas.microsoft.com/office/drawing/2014/main" id="{81AAB2D8-6AE5-4570-9464-4F8D3912AB8B}"/>
-              </a:ext>
-            </a:extLst>
-          </p:cNvPr>
+            <a:endParaRPr lang="en-US" dirty="0"/>
+          </a:p>
+        </p:txBody>
+      </p:sp>
+      <p:sp>
+        <p:nvSpPr>
+          <p:cNvPr id="4" name="Content Placeholder 3"/>
           <p:cNvSpPr>
             <a:spLocks noGrp="1"/>
           </p:cNvSpPr>
@@ -1344,12 +3685,14 @@
         </p:nvSpPr>
         <p:spPr>
           <a:xfrm>
-            <a:off x="6172200" y="1825625"/>
-            <a:ext cx="5181600" cy="4351338"/>
+            <a:off x="6181344" y="2560320"/>
+            <a:ext cx="4718304" cy="3310128"/>
           </a:xfrm>
         </p:spPr>
         <p:txBody>
-          <a:bodyPr/>
+          <a:bodyPr>
+            <a:normAutofit/>
+          </a:bodyPr>
           <a:lstStyle/>
           <a:p>
             <a:pPr lvl="0"/>
@@ -1385,18 +3728,13 @@
               <a:rPr lang="ru-RU"/>
               <a:t>Пятый уровень</a:t>
             </a:r>
-          </a:p>
-        </p:txBody>
-      </p:sp>
-      <p:sp>
-        <p:nvSpPr>
-          <p:cNvPr id="5" name="Дата 4">
-            <a:extLst>
-              <a:ext uri="{FF2B5EF4-FFF2-40B4-BE49-F238E27FC236}">
-                <a16:creationId xmlns:a16="http://schemas.microsoft.com/office/drawing/2014/main" id="{D612E914-7C0E-43B6-ABCF-03386F1D7BCE}"/>
-              </a:ext>
-            </a:extLst>
-          </p:cNvPr>
+            <a:endParaRPr lang="en-US" dirty="0"/>
+          </a:p>
+        </p:txBody>
+      </p:sp>
+      <p:sp>
+        <p:nvSpPr>
+          <p:cNvPr id="5" name="Date Placeholder 4"/>
           <p:cNvSpPr>
             <a:spLocks noGrp="1"/>
           </p:cNvSpPr>
@@ -1419,13 +3757,7 @@
       </p:sp>
       <p:sp>
         <p:nvSpPr>
-          <p:cNvPr id="6" name="Нижний колонтитул 5">
-            <a:extLst>
-              <a:ext uri="{FF2B5EF4-FFF2-40B4-BE49-F238E27FC236}">
-                <a16:creationId xmlns:a16="http://schemas.microsoft.com/office/drawing/2014/main" id="{1AD1A4D3-7489-4EC8-9FE5-28D3A1154489}"/>
-              </a:ext>
-            </a:extLst>
-          </p:cNvPr>
+          <p:cNvPr id="6" name="Footer Placeholder 5"/>
           <p:cNvSpPr>
             <a:spLocks noGrp="1"/>
           </p:cNvSpPr>
@@ -1444,13 +3776,7 @@
       </p:sp>
       <p:sp>
         <p:nvSpPr>
-          <p:cNvPr id="7" name="Номер слайда 6">
-            <a:extLst>
-              <a:ext uri="{FF2B5EF4-FFF2-40B4-BE49-F238E27FC236}">
-                <a16:creationId xmlns:a16="http://schemas.microsoft.com/office/drawing/2014/main" id="{7481EADD-B105-49EE-A740-343D4B4ED7F0}"/>
-              </a:ext>
-            </a:extLst>
-          </p:cNvPr>
+          <p:cNvPr id="7" name="Slide Number Placeholder 6"/>
           <p:cNvSpPr>
             <a:spLocks noGrp="1"/>
           </p:cNvSpPr>
@@ -1474,7 +3800,7 @@
     </p:spTree>
     <p:extLst>
       <p:ext uri="{BB962C8B-B14F-4D97-AF65-F5344CB8AC3E}">
-        <p14:creationId xmlns:p14="http://schemas.microsoft.com/office/powerpoint/2010/main" val="2755116870"/>
+        <p14:creationId xmlns:p14="http://schemas.microsoft.com/office/powerpoint/2010/main" val="4059824860"/>
       </p:ext>
     </p:extLst>
   </p:cSld>
@@ -1503,65 +3829,65 @@
       </p:grpSpPr>
       <p:sp>
         <p:nvSpPr>
-          <p:cNvPr id="2" name="Заголовок 1">
-            <a:extLst>
-              <a:ext uri="{FF2B5EF4-FFF2-40B4-BE49-F238E27FC236}">
-                <a16:creationId xmlns:a16="http://schemas.microsoft.com/office/drawing/2014/main" id="{24C8DDB0-2988-4C40-B80C-5CD4BD81709B}"/>
-              </a:ext>
-            </a:extLst>
-          </p:cNvPr>
+          <p:cNvPr id="2" name="Title 1"/>
           <p:cNvSpPr>
             <a:spLocks noGrp="1"/>
           </p:cNvSpPr>
           <p:nvPr>
             <p:ph type="title"/>
+          </p:nvPr>
+        </p:nvSpPr>
+        <p:spPr/>
+        <p:txBody>
+          <a:bodyPr/>
+          <a:lstStyle>
+            <a:lvl1pPr>
+              <a:defRPr/>
+            </a:lvl1pPr>
+          </a:lstStyle>
+          <a:p>
+            <a:r>
+              <a:rPr lang="ru-RU"/>
+              <a:t>Образец заголовка</a:t>
+            </a:r>
+            <a:endParaRPr lang="en-US" dirty="0"/>
+          </a:p>
+        </p:txBody>
+      </p:sp>
+      <p:sp>
+        <p:nvSpPr>
+          <p:cNvPr id="3" name="Text Placeholder 2"/>
+          <p:cNvSpPr>
+            <a:spLocks noGrp="1"/>
+          </p:cNvSpPr>
+          <p:nvPr>
+            <p:ph type="body" idx="1"/>
           </p:nvPr>
         </p:nvSpPr>
         <p:spPr>
           <a:xfrm>
-            <a:off x="839788" y="365125"/>
-            <a:ext cx="10515600" cy="1325563"/>
+            <a:off x="1295400" y="2658533"/>
+            <a:ext cx="4718304" cy="576262"/>
           </a:xfrm>
         </p:spPr>
         <p:txBody>
-          <a:bodyPr/>
-          <a:lstStyle/>
-          <a:p>
-            <a:r>
-              <a:rPr lang="ru-RU"/>
-              <a:t>Образец заголовка</a:t>
-            </a:r>
-          </a:p>
-        </p:txBody>
-      </p:sp>
-      <p:sp>
-        <p:nvSpPr>
-          <p:cNvPr id="3" name="Текст 2">
-            <a:extLst>
-              <a:ext uri="{FF2B5EF4-FFF2-40B4-BE49-F238E27FC236}">
-                <a16:creationId xmlns:a16="http://schemas.microsoft.com/office/drawing/2014/main" id="{3EF26B5F-7697-435E-9D31-E7D161D4D621}"/>
-              </a:ext>
-            </a:extLst>
-          </p:cNvPr>
-          <p:cNvSpPr>
-            <a:spLocks noGrp="1"/>
-          </p:cNvSpPr>
-          <p:nvPr>
-            <p:ph type="body" idx="1"/>
-          </p:nvPr>
-        </p:nvSpPr>
-        <p:spPr>
-          <a:xfrm>
-            <a:off x="839788" y="1681163"/>
-            <a:ext cx="5157787" cy="823912"/>
-          </a:xfrm>
-        </p:spPr>
-        <p:txBody>
-          <a:bodyPr anchor="b"/>
+          <a:bodyPr anchor="b">
+            <a:noAutofit/>
+          </a:bodyPr>
           <a:lstStyle>
             <a:lvl1pPr marL="0" indent="0">
-              <a:buNone/>
-              <a:defRPr sz="2400" b="1"/>
+              <a:spcBef>
+                <a:spcPts val="672"/>
+              </a:spcBef>
+              <a:spcAft>
+                <a:spcPts val="600"/>
+              </a:spcAft>
+              <a:buNone/>
+              <a:defRPr sz="2800" b="0">
+                <a:solidFill>
+                  <a:schemeClr val="accent1"/>
+                </a:solidFill>
+              </a:defRPr>
             </a:lvl1pPr>
             <a:lvl2pPr marL="457200" indent="0">
               <a:buNone/>
@@ -1607,13 +3933,7 @@
       </p:sp>
       <p:sp>
         <p:nvSpPr>
-          <p:cNvPr id="4" name="Объект 3">
-            <a:extLst>
-              <a:ext uri="{FF2B5EF4-FFF2-40B4-BE49-F238E27FC236}">
-                <a16:creationId xmlns:a16="http://schemas.microsoft.com/office/drawing/2014/main" id="{0D841BDD-0687-4B18-B886-B7293BD3C512}"/>
-              </a:ext>
-            </a:extLst>
-          </p:cNvPr>
+          <p:cNvPr id="4" name="Content Placeholder 3"/>
           <p:cNvSpPr>
             <a:spLocks noGrp="1"/>
           </p:cNvSpPr>
@@ -1623,12 +3943,14 @@
         </p:nvSpPr>
         <p:spPr>
           <a:xfrm>
-            <a:off x="839788" y="2505075"/>
-            <a:ext cx="5157787" cy="3684588"/>
+            <a:off x="1295400" y="3243262"/>
+            <a:ext cx="4718304" cy="2632605"/>
           </a:xfrm>
         </p:spPr>
         <p:txBody>
-          <a:bodyPr/>
+          <a:bodyPr anchor="t">
+            <a:normAutofit/>
+          </a:bodyPr>
           <a:lstStyle/>
           <a:p>
             <a:pPr lvl="0"/>
@@ -1664,18 +3986,13 @@
               <a:rPr lang="ru-RU"/>
               <a:t>Пятый уровень</a:t>
             </a:r>
-          </a:p>
-        </p:txBody>
-      </p:sp>
-      <p:sp>
-        <p:nvSpPr>
-          <p:cNvPr id="5" name="Текст 4">
-            <a:extLst>
-              <a:ext uri="{FF2B5EF4-FFF2-40B4-BE49-F238E27FC236}">
-                <a16:creationId xmlns:a16="http://schemas.microsoft.com/office/drawing/2014/main" id="{52334F9B-FD9E-4018-A679-81A48EF66D5D}"/>
-              </a:ext>
-            </a:extLst>
-          </p:cNvPr>
+            <a:endParaRPr lang="en-US" dirty="0"/>
+          </a:p>
+        </p:txBody>
+      </p:sp>
+      <p:sp>
+        <p:nvSpPr>
+          <p:cNvPr id="5" name="Text Placeholder 4"/>
           <p:cNvSpPr>
             <a:spLocks noGrp="1"/>
           </p:cNvSpPr>
@@ -1685,16 +4002,28 @@
         </p:nvSpPr>
         <p:spPr>
           <a:xfrm>
-            <a:off x="6172200" y="1681163"/>
-            <a:ext cx="5183188" cy="823912"/>
+            <a:off x="6180670" y="2658533"/>
+            <a:ext cx="4718304" cy="576262"/>
           </a:xfrm>
         </p:spPr>
         <p:txBody>
-          <a:bodyPr anchor="b"/>
+          <a:bodyPr anchor="b">
+            <a:noAutofit/>
+          </a:bodyPr>
           <a:lstStyle>
             <a:lvl1pPr marL="0" indent="0">
-              <a:buNone/>
-              <a:defRPr sz="2400" b="1"/>
+              <a:spcBef>
+                <a:spcPts val="672"/>
+              </a:spcBef>
+              <a:spcAft>
+                <a:spcPts val="600"/>
+              </a:spcAft>
+              <a:buNone/>
+              <a:defRPr sz="2800" b="0">
+                <a:solidFill>
+                  <a:schemeClr val="accent1"/>
+                </a:solidFill>
+              </a:defRPr>
             </a:lvl1pPr>
             <a:lvl2pPr marL="457200" indent="0">
               <a:buNone/>
@@ -1740,13 +4069,7 @@
       </p:sp>
       <p:sp>
         <p:nvSpPr>
-          <p:cNvPr id="6" name="Объект 5">
-            <a:extLst>
-              <a:ext uri="{FF2B5EF4-FFF2-40B4-BE49-F238E27FC236}">
-                <a16:creationId xmlns:a16="http://schemas.microsoft.com/office/drawing/2014/main" id="{EEE288F8-9EF9-4675-8E64-39AB6E864388}"/>
-              </a:ext>
-            </a:extLst>
-          </p:cNvPr>
+          <p:cNvPr id="6" name="Content Placeholder 5"/>
           <p:cNvSpPr>
             <a:spLocks noGrp="1"/>
           </p:cNvSpPr>
@@ -1756,12 +4079,14 @@
         </p:nvSpPr>
         <p:spPr>
           <a:xfrm>
-            <a:off x="6172200" y="2505075"/>
-            <a:ext cx="5183188" cy="3684588"/>
+            <a:off x="6180670" y="3243262"/>
+            <a:ext cx="4718304" cy="2632605"/>
           </a:xfrm>
         </p:spPr>
         <p:txBody>
-          <a:bodyPr/>
+          <a:bodyPr anchor="t">
+            <a:normAutofit/>
+          </a:bodyPr>
           <a:lstStyle/>
           <a:p>
             <a:pPr lvl="0"/>
@@ -1797,18 +4122,13 @@
               <a:rPr lang="ru-RU"/>
               <a:t>Пятый уровень</a:t>
             </a:r>
-          </a:p>
-        </p:txBody>
-      </p:sp>
-      <p:sp>
-        <p:nvSpPr>
-          <p:cNvPr id="7" name="Дата 6">
-            <a:extLst>
-              <a:ext uri="{FF2B5EF4-FFF2-40B4-BE49-F238E27FC236}">
-                <a16:creationId xmlns:a16="http://schemas.microsoft.com/office/drawing/2014/main" id="{4C2DA794-178B-4C7C-B9BF-4A652F54BC16}"/>
-              </a:ext>
-            </a:extLst>
-          </p:cNvPr>
+            <a:endParaRPr lang="en-US" dirty="0"/>
+          </a:p>
+        </p:txBody>
+      </p:sp>
+      <p:sp>
+        <p:nvSpPr>
+          <p:cNvPr id="7" name="Date Placeholder 6"/>
           <p:cNvSpPr>
             <a:spLocks noGrp="1"/>
           </p:cNvSpPr>
@@ -1831,13 +4151,7 @@
       </p:sp>
       <p:sp>
         <p:nvSpPr>
-          <p:cNvPr id="8" name="Нижний колонтитул 7">
-            <a:extLst>
-              <a:ext uri="{FF2B5EF4-FFF2-40B4-BE49-F238E27FC236}">
-                <a16:creationId xmlns:a16="http://schemas.microsoft.com/office/drawing/2014/main" id="{573C2ED2-6313-4839-BBE8-390F67C6FC02}"/>
-              </a:ext>
-            </a:extLst>
-          </p:cNvPr>
+          <p:cNvPr id="8" name="Footer Placeholder 7"/>
           <p:cNvSpPr>
             <a:spLocks noGrp="1"/>
           </p:cNvSpPr>
@@ -1856,13 +4170,7 @@
       </p:sp>
       <p:sp>
         <p:nvSpPr>
-          <p:cNvPr id="9" name="Номер слайда 8">
-            <a:extLst>
-              <a:ext uri="{FF2B5EF4-FFF2-40B4-BE49-F238E27FC236}">
-                <a16:creationId xmlns:a16="http://schemas.microsoft.com/office/drawing/2014/main" id="{A5DBE743-EB21-4DC1-B1AF-7775F042683D}"/>
-              </a:ext>
-            </a:extLst>
-          </p:cNvPr>
+          <p:cNvPr id="9" name="Slide Number Placeholder 8"/>
           <p:cNvSpPr>
             <a:spLocks noGrp="1"/>
           </p:cNvSpPr>
@@ -1883,10 +4191,41 @@
           </a:p>
         </p:txBody>
       </p:sp>
+      <p:cxnSp>
+        <p:nvCxnSpPr>
+          <p:cNvPr id="18" name="Straight Connector 17"/>
+          <p:cNvCxnSpPr/>
+          <p:nvPr/>
+        </p:nvCxnSpPr>
+        <p:spPr>
+          <a:xfrm>
+            <a:off x="1396169" y="2421466"/>
+            <a:ext cx="9407298" cy="0"/>
+          </a:xfrm>
+          <a:prstGeom prst="line">
+            <a:avLst/>
+          </a:prstGeom>
+          <a:ln w="15875"/>
+        </p:spPr>
+        <p:style>
+          <a:lnRef idx="2">
+            <a:schemeClr val="accent1"/>
+          </a:lnRef>
+          <a:fillRef idx="0">
+            <a:schemeClr val="accent1"/>
+          </a:fillRef>
+          <a:effectRef idx="1">
+            <a:schemeClr val="accent1"/>
+          </a:effectRef>
+          <a:fontRef idx="minor">
+            <a:schemeClr val="tx1"/>
+          </a:fontRef>
+        </p:style>
+      </p:cxnSp>
     </p:spTree>
     <p:extLst>
       <p:ext uri="{BB962C8B-B14F-4D97-AF65-F5344CB8AC3E}">
-        <p14:creationId xmlns:p14="http://schemas.microsoft.com/office/powerpoint/2010/main" val="3847895232"/>
+        <p14:creationId xmlns:p14="http://schemas.microsoft.com/office/powerpoint/2010/main" val="1596582750"/>
       </p:ext>
     </p:extLst>
   </p:cSld>
@@ -1915,13 +4254,7 @@
       </p:grpSpPr>
       <p:sp>
         <p:nvSpPr>
-          <p:cNvPr id="2" name="Заголовок 1">
-            <a:extLst>
-              <a:ext uri="{FF2B5EF4-FFF2-40B4-BE49-F238E27FC236}">
-                <a16:creationId xmlns:a16="http://schemas.microsoft.com/office/drawing/2014/main" id="{15CC244A-FA3D-4A31-A669-B784F6CC9B3A}"/>
-              </a:ext>
-            </a:extLst>
-          </p:cNvPr>
+          <p:cNvPr id="2" name="Title 1"/>
           <p:cNvSpPr>
             <a:spLocks noGrp="1"/>
           </p:cNvSpPr>
@@ -1938,18 +4271,13 @@
               <a:rPr lang="ru-RU"/>
               <a:t>Образец заголовка</a:t>
             </a:r>
-          </a:p>
-        </p:txBody>
-      </p:sp>
-      <p:sp>
-        <p:nvSpPr>
-          <p:cNvPr id="3" name="Дата 2">
-            <a:extLst>
-              <a:ext uri="{FF2B5EF4-FFF2-40B4-BE49-F238E27FC236}">
-                <a16:creationId xmlns:a16="http://schemas.microsoft.com/office/drawing/2014/main" id="{DBF3DB3E-DA0D-4B36-9B08-74247C451EA2}"/>
-              </a:ext>
-            </a:extLst>
-          </p:cNvPr>
+            <a:endParaRPr lang="en-US" dirty="0"/>
+          </a:p>
+        </p:txBody>
+      </p:sp>
+      <p:sp>
+        <p:nvSpPr>
+          <p:cNvPr id="3" name="Date Placeholder 2"/>
           <p:cNvSpPr>
             <a:spLocks noGrp="1"/>
           </p:cNvSpPr>
@@ -1972,13 +4300,7 @@
       </p:sp>
       <p:sp>
         <p:nvSpPr>
-          <p:cNvPr id="4" name="Нижний колонтитул 3">
-            <a:extLst>
-              <a:ext uri="{FF2B5EF4-FFF2-40B4-BE49-F238E27FC236}">
-                <a16:creationId xmlns:a16="http://schemas.microsoft.com/office/drawing/2014/main" id="{B199EAE4-98FC-449A-B9AE-5DFF4C07F706}"/>
-              </a:ext>
-            </a:extLst>
-          </p:cNvPr>
+          <p:cNvPr id="4" name="Footer Placeholder 3"/>
           <p:cNvSpPr>
             <a:spLocks noGrp="1"/>
           </p:cNvSpPr>
@@ -1997,13 +4319,7 @@
       </p:sp>
       <p:sp>
         <p:nvSpPr>
-          <p:cNvPr id="5" name="Номер слайда 4">
-            <a:extLst>
-              <a:ext uri="{FF2B5EF4-FFF2-40B4-BE49-F238E27FC236}">
-                <a16:creationId xmlns:a16="http://schemas.microsoft.com/office/drawing/2014/main" id="{6DFFE5FC-2A46-4DD9-A599-7FB313FADD78}"/>
-              </a:ext>
-            </a:extLst>
-          </p:cNvPr>
+          <p:cNvPr id="5" name="Slide Number Placeholder 4"/>
           <p:cNvSpPr>
             <a:spLocks noGrp="1"/>
           </p:cNvSpPr>
@@ -2024,10 +4340,41 @@
           </a:p>
         </p:txBody>
       </p:sp>
+      <p:cxnSp>
+        <p:nvCxnSpPr>
+          <p:cNvPr id="14" name="Straight Connector 13"/>
+          <p:cNvCxnSpPr/>
+          <p:nvPr/>
+        </p:nvCxnSpPr>
+        <p:spPr>
+          <a:xfrm>
+            <a:off x="1396169" y="2421466"/>
+            <a:ext cx="9407298" cy="0"/>
+          </a:xfrm>
+          <a:prstGeom prst="line">
+            <a:avLst/>
+          </a:prstGeom>
+          <a:ln w="15875"/>
+        </p:spPr>
+        <p:style>
+          <a:lnRef idx="2">
+            <a:schemeClr val="accent1"/>
+          </a:lnRef>
+          <a:fillRef idx="0">
+            <a:schemeClr val="accent1"/>
+          </a:fillRef>
+          <a:effectRef idx="1">
+            <a:schemeClr val="accent1"/>
+          </a:effectRef>
+          <a:fontRef idx="minor">
+            <a:schemeClr val="tx1"/>
+          </a:fontRef>
+        </p:style>
+      </p:cxnSp>
     </p:spTree>
     <p:extLst>
       <p:ext uri="{BB962C8B-B14F-4D97-AF65-F5344CB8AC3E}">
-        <p14:creationId xmlns:p14="http://schemas.microsoft.com/office/powerpoint/2010/main" val="98428194"/>
+        <p14:creationId xmlns:p14="http://schemas.microsoft.com/office/powerpoint/2010/main" val="3071133848"/>
       </p:ext>
     </p:extLst>
   </p:cSld>
@@ -2056,13 +4403,7 @@
       </p:grpSpPr>
       <p:sp>
         <p:nvSpPr>
-          <p:cNvPr id="2" name="Дата 1">
-            <a:extLst>
-              <a:ext uri="{FF2B5EF4-FFF2-40B4-BE49-F238E27FC236}">
-                <a16:creationId xmlns:a16="http://schemas.microsoft.com/office/drawing/2014/main" id="{957821E5-803F-4B9E-92E5-F817D51E4C03}"/>
-              </a:ext>
-            </a:extLst>
-          </p:cNvPr>
+          <p:cNvPr id="2" name="Date Placeholder 1"/>
           <p:cNvSpPr>
             <a:spLocks noGrp="1"/>
           </p:cNvSpPr>
@@ -2085,13 +4426,7 @@
       </p:sp>
       <p:sp>
         <p:nvSpPr>
-          <p:cNvPr id="3" name="Нижний колонтитул 2">
-            <a:extLst>
-              <a:ext uri="{FF2B5EF4-FFF2-40B4-BE49-F238E27FC236}">
-                <a16:creationId xmlns:a16="http://schemas.microsoft.com/office/drawing/2014/main" id="{9AFF1BC7-2F50-4AB6-A823-05CBA3285F59}"/>
-              </a:ext>
-            </a:extLst>
-          </p:cNvPr>
+          <p:cNvPr id="3" name="Footer Placeholder 2"/>
           <p:cNvSpPr>
             <a:spLocks noGrp="1"/>
           </p:cNvSpPr>
@@ -2110,13 +4445,7 @@
       </p:sp>
       <p:sp>
         <p:nvSpPr>
-          <p:cNvPr id="4" name="Номер слайда 3">
-            <a:extLst>
-              <a:ext uri="{FF2B5EF4-FFF2-40B4-BE49-F238E27FC236}">
-                <a16:creationId xmlns:a16="http://schemas.microsoft.com/office/drawing/2014/main" id="{BD698D86-2DD2-4F3F-8422-F5D959C34715}"/>
-              </a:ext>
-            </a:extLst>
-          </p:cNvPr>
+          <p:cNvPr id="4" name="Slide Number Placeholder 3"/>
           <p:cNvSpPr>
             <a:spLocks noGrp="1"/>
           </p:cNvSpPr>
@@ -2140,7 +4469,7 @@
     </p:spTree>
     <p:extLst>
       <p:ext uri="{BB962C8B-B14F-4D97-AF65-F5344CB8AC3E}">
-        <p14:creationId xmlns:p14="http://schemas.microsoft.com/office/powerpoint/2010/main" val="1012294823"/>
+        <p14:creationId xmlns:p14="http://schemas.microsoft.com/office/powerpoint/2010/main" val="1841209767"/>
       </p:ext>
     </p:extLst>
   </p:cSld>
@@ -2169,13 +4498,7 @@
       </p:grpSpPr>
       <p:sp>
         <p:nvSpPr>
-          <p:cNvPr id="2" name="Заголовок 1">
-            <a:extLst>
-              <a:ext uri="{FF2B5EF4-FFF2-40B4-BE49-F238E27FC236}">
-                <a16:creationId xmlns:a16="http://schemas.microsoft.com/office/drawing/2014/main" id="{134CB4D9-9CD2-4CE7-885B-516DA20E870E}"/>
-              </a:ext>
-            </a:extLst>
-          </p:cNvPr>
+          <p:cNvPr id="2" name="Title 1"/>
           <p:cNvSpPr>
             <a:spLocks noGrp="1"/>
           </p:cNvSpPr>
@@ -2185,15 +4508,17 @@
         </p:nvSpPr>
         <p:spPr>
           <a:xfrm>
-            <a:off x="839788" y="457200"/>
-            <a:ext cx="3932237" cy="1600200"/>
+            <a:off x="1293811" y="1388534"/>
+            <a:ext cx="3718455" cy="1371600"/>
           </a:xfrm>
         </p:spPr>
         <p:txBody>
-          <a:bodyPr anchor="b"/>
+          <a:bodyPr anchor="b">
+            <a:normAutofit/>
+          </a:bodyPr>
           <a:lstStyle>
-            <a:lvl1pPr>
-              <a:defRPr sz="3200"/>
+            <a:lvl1pPr algn="ctr">
+              <a:defRPr sz="2400" b="0"/>
             </a:lvl1pPr>
           </a:lstStyle>
           <a:p>
@@ -2201,18 +4526,13 @@
               <a:rPr lang="ru-RU"/>
               <a:t>Образец заголовка</a:t>
             </a:r>
-          </a:p>
-        </p:txBody>
-      </p:sp>
-      <p:sp>
-        <p:nvSpPr>
-          <p:cNvPr id="3" name="Объект 2">
-            <a:extLst>
-              <a:ext uri="{FF2B5EF4-FFF2-40B4-BE49-F238E27FC236}">
-                <a16:creationId xmlns:a16="http://schemas.microsoft.com/office/drawing/2014/main" id="{D4A64745-8C0B-4F06-A880-71EC42453EF6}"/>
-              </a:ext>
-            </a:extLst>
-          </p:cNvPr>
+            <a:endParaRPr lang="en-US" dirty="0"/>
+          </a:p>
+        </p:txBody>
+      </p:sp>
+      <p:sp>
+        <p:nvSpPr>
+          <p:cNvPr id="3" name="Content Placeholder 2"/>
           <p:cNvSpPr>
             <a:spLocks noGrp="1"/>
           </p:cNvSpPr>
@@ -2222,41 +4542,15 @@
         </p:nvSpPr>
         <p:spPr>
           <a:xfrm>
-            <a:off x="5183188" y="987425"/>
-            <a:ext cx="6172200" cy="4873625"/>
+            <a:off x="5418668" y="982131"/>
+            <a:ext cx="5469466" cy="4893735"/>
           </a:xfrm>
         </p:spPr>
         <p:txBody>
-          <a:bodyPr/>
-          <a:lstStyle>
-            <a:lvl1pPr>
-              <a:defRPr sz="3200"/>
-            </a:lvl1pPr>
-            <a:lvl2pPr>
-              <a:defRPr sz="2800"/>
-            </a:lvl2pPr>
-            <a:lvl3pPr>
-              <a:defRPr sz="2400"/>
-            </a:lvl3pPr>
-            <a:lvl4pPr>
-              <a:defRPr sz="2000"/>
-            </a:lvl4pPr>
-            <a:lvl5pPr>
-              <a:defRPr sz="2000"/>
-            </a:lvl5pPr>
-            <a:lvl6pPr>
-              <a:defRPr sz="2000"/>
-            </a:lvl6pPr>
-            <a:lvl7pPr>
-              <a:defRPr sz="2000"/>
-            </a:lvl7pPr>
-            <a:lvl8pPr>
-              <a:defRPr sz="2000"/>
-            </a:lvl8pPr>
-            <a:lvl9pPr>
-              <a:defRPr sz="2000"/>
-            </a:lvl9pPr>
-          </a:lstStyle>
+          <a:bodyPr anchor="ctr">
+            <a:normAutofit/>
+          </a:bodyPr>
+          <a:lstStyle/>
           <a:p>
             <a:pPr lvl="0"/>
             <a:r>
@@ -2291,18 +4585,13 @@
               <a:rPr lang="ru-RU"/>
               <a:t>Пятый уровень</a:t>
             </a:r>
-          </a:p>
-        </p:txBody>
-      </p:sp>
-      <p:sp>
-        <p:nvSpPr>
-          <p:cNvPr id="4" name="Текст 3">
-            <a:extLst>
-              <a:ext uri="{FF2B5EF4-FFF2-40B4-BE49-F238E27FC236}">
-                <a16:creationId xmlns:a16="http://schemas.microsoft.com/office/drawing/2014/main" id="{370299E5-D742-4278-9933-2A0F5E662A88}"/>
-              </a:ext>
-            </a:extLst>
-          </p:cNvPr>
+            <a:endParaRPr lang="en-US" dirty="0"/>
+          </a:p>
+        </p:txBody>
+      </p:sp>
+      <p:sp>
+        <p:nvSpPr>
+          <p:cNvPr id="4" name="Text Placeholder 3"/>
           <p:cNvSpPr>
             <a:spLocks noGrp="1"/>
           </p:cNvSpPr>
@@ -2312,48 +4601,50 @@
         </p:nvSpPr>
         <p:spPr>
           <a:xfrm>
-            <a:off x="839788" y="2057400"/>
-            <a:ext cx="3932237" cy="3811588"/>
+            <a:off x="1293811" y="3031065"/>
+            <a:ext cx="3718455" cy="2438404"/>
           </a:xfrm>
         </p:spPr>
         <p:txBody>
-          <a:bodyPr/>
+          <a:bodyPr anchor="t">
+            <a:normAutofit/>
+          </a:bodyPr>
           <a:lstStyle>
-            <a:lvl1pPr marL="0" indent="0">
+            <a:lvl1pPr marL="0" indent="0" algn="ctr">
               <a:buNone/>
               <a:defRPr sz="1600"/>
             </a:lvl1pPr>
             <a:lvl2pPr marL="457200" indent="0">
               <a:buNone/>
-              <a:defRPr sz="1400"/>
+              <a:defRPr sz="1200"/>
             </a:lvl2pPr>
             <a:lvl3pPr marL="914400" indent="0">
               <a:buNone/>
-              <a:defRPr sz="1200"/>
+              <a:defRPr sz="1000"/>
             </a:lvl3pPr>
             <a:lvl4pPr marL="1371600" indent="0">
               <a:buNone/>
-              <a:defRPr sz="1000"/>
+              <a:defRPr sz="900"/>
             </a:lvl4pPr>
             <a:lvl5pPr marL="1828800" indent="0">
               <a:buNone/>
-              <a:defRPr sz="1000"/>
+              <a:defRPr sz="900"/>
             </a:lvl5pPr>
             <a:lvl6pPr marL="2286000" indent="0">
               <a:buNone/>
-              <a:defRPr sz="1000"/>
+              <a:defRPr sz="900"/>
             </a:lvl6pPr>
             <a:lvl7pPr marL="2743200" indent="0">
               <a:buNone/>
-              <a:defRPr sz="1000"/>
+              <a:defRPr sz="900"/>
             </a:lvl7pPr>
             <a:lvl8pPr marL="3200400" indent="0">
               <a:buNone/>
-              <a:defRPr sz="1000"/>
+              <a:defRPr sz="900"/>
             </a:lvl8pPr>
             <a:lvl9pPr marL="3657600" indent="0">
               <a:buNone/>
-              <a:defRPr sz="1000"/>
+              <a:defRPr sz="900"/>
             </a:lvl9pPr>
           </a:lstStyle>
           <a:p>
@@ -2367,13 +4658,7 @@
       </p:sp>
       <p:sp>
         <p:nvSpPr>
-          <p:cNvPr id="5" name="Дата 4">
-            <a:extLst>
-              <a:ext uri="{FF2B5EF4-FFF2-40B4-BE49-F238E27FC236}">
-                <a16:creationId xmlns:a16="http://schemas.microsoft.com/office/drawing/2014/main" id="{4509E519-E246-49CC-9CF4-5783AF04B476}"/>
-              </a:ext>
-            </a:extLst>
-          </p:cNvPr>
+          <p:cNvPr id="5" name="Date Placeholder 4"/>
           <p:cNvSpPr>
             <a:spLocks noGrp="1"/>
           </p:cNvSpPr>
@@ -2396,13 +4681,7 @@
       </p:sp>
       <p:sp>
         <p:nvSpPr>
-          <p:cNvPr id="6" name="Нижний колонтитул 5">
-            <a:extLst>
-              <a:ext uri="{FF2B5EF4-FFF2-40B4-BE49-F238E27FC236}">
-                <a16:creationId xmlns:a16="http://schemas.microsoft.com/office/drawing/2014/main" id="{2749F5DE-9139-48CF-B0E0-989A928815A1}"/>
-              </a:ext>
-            </a:extLst>
-          </p:cNvPr>
+          <p:cNvPr id="6" name="Footer Placeholder 5"/>
           <p:cNvSpPr>
             <a:spLocks noGrp="1"/>
           </p:cNvSpPr>
@@ -2421,13 +4700,7 @@
       </p:sp>
       <p:sp>
         <p:nvSpPr>
-          <p:cNvPr id="7" name="Номер слайда 6">
-            <a:extLst>
-              <a:ext uri="{FF2B5EF4-FFF2-40B4-BE49-F238E27FC236}">
-                <a16:creationId xmlns:a16="http://schemas.microsoft.com/office/drawing/2014/main" id="{01C9E604-F144-4684-993C-A55229164BFC}"/>
-              </a:ext>
-            </a:extLst>
-          </p:cNvPr>
+          <p:cNvPr id="7" name="Slide Number Placeholder 6"/>
           <p:cNvSpPr>
             <a:spLocks noGrp="1"/>
           </p:cNvSpPr>
@@ -2448,10 +4721,41 @@
           </a:p>
         </p:txBody>
       </p:sp>
+      <p:cxnSp>
+        <p:nvCxnSpPr>
+          <p:cNvPr id="16" name="Straight Connector 15"/>
+          <p:cNvCxnSpPr/>
+          <p:nvPr/>
+        </p:nvCxnSpPr>
+        <p:spPr>
+          <a:xfrm>
+            <a:off x="1396169" y="2912533"/>
+            <a:ext cx="3514498" cy="0"/>
+          </a:xfrm>
+          <a:prstGeom prst="line">
+            <a:avLst/>
+          </a:prstGeom>
+          <a:ln w="15875"/>
+        </p:spPr>
+        <p:style>
+          <a:lnRef idx="2">
+            <a:schemeClr val="accent1"/>
+          </a:lnRef>
+          <a:fillRef idx="0">
+            <a:schemeClr val="accent1"/>
+          </a:fillRef>
+          <a:effectRef idx="1">
+            <a:schemeClr val="accent1"/>
+          </a:effectRef>
+          <a:fontRef idx="minor">
+            <a:schemeClr val="tx1"/>
+          </a:fontRef>
+        </p:style>
+      </p:cxnSp>
     </p:spTree>
     <p:extLst>
       <p:ext uri="{BB962C8B-B14F-4D97-AF65-F5344CB8AC3E}">
-        <p14:creationId xmlns:p14="http://schemas.microsoft.com/office/powerpoint/2010/main" val="439120492"/>
+        <p14:creationId xmlns:p14="http://schemas.microsoft.com/office/powerpoint/2010/main" val="329706946"/>
       </p:ext>
     </p:extLst>
   </p:cSld>
@@ -2480,13 +4784,7 @@
       </p:grpSpPr>
       <p:sp>
         <p:nvSpPr>
-          <p:cNvPr id="2" name="Заголовок 1">
-            <a:extLst>
-              <a:ext uri="{FF2B5EF4-FFF2-40B4-BE49-F238E27FC236}">
-                <a16:creationId xmlns:a16="http://schemas.microsoft.com/office/drawing/2014/main" id="{D34A7802-627F-47AF-866E-B5800AF7390A}"/>
-              </a:ext>
-            </a:extLst>
-          </p:cNvPr>
+          <p:cNvPr id="2" name="Title 1"/>
           <p:cNvSpPr>
             <a:spLocks noGrp="1"/>
           </p:cNvSpPr>
@@ -2496,15 +4794,17 @@
         </p:nvSpPr>
         <p:spPr>
           <a:xfrm>
-            <a:off x="839788" y="457200"/>
-            <a:ext cx="3932237" cy="1600200"/>
+            <a:off x="1295399" y="1883832"/>
+            <a:ext cx="6241816" cy="1371600"/>
           </a:xfrm>
         </p:spPr>
         <p:txBody>
-          <a:bodyPr anchor="b"/>
+          <a:bodyPr anchor="b">
+            <a:normAutofit/>
+          </a:bodyPr>
           <a:lstStyle>
-            <a:lvl1pPr>
-              <a:defRPr sz="3200"/>
+            <a:lvl1pPr algn="ctr">
+              <a:defRPr sz="2800" b="0"/>
             </a:lvl1pPr>
           </a:lstStyle>
           <a:p>
@@ -2512,20 +4812,15 @@
               <a:rPr lang="ru-RU"/>
               <a:t>Образец заголовка</a:t>
             </a:r>
-          </a:p>
-        </p:txBody>
-      </p:sp>
-      <p:sp>
-        <p:nvSpPr>
-          <p:cNvPr id="3" name="Рисунок 2">
-            <a:extLst>
-              <a:ext uri="{FF2B5EF4-FFF2-40B4-BE49-F238E27FC236}">
-                <a16:creationId xmlns:a16="http://schemas.microsoft.com/office/drawing/2014/main" id="{E4C437C8-BDB5-475D-BB9A-BE6B591F45E6}"/>
-              </a:ext>
-            </a:extLst>
-          </p:cNvPr>
-          <p:cNvSpPr>
-            <a:spLocks noGrp="1"/>
+            <a:endParaRPr lang="en-US" dirty="0"/>
+          </a:p>
+        </p:txBody>
+      </p:sp>
+      <p:sp>
+        <p:nvSpPr>
+          <p:cNvPr id="17" name="Picture Placeholder 2"/>
+          <p:cNvSpPr>
+            <a:spLocks noGrp="1" noChangeAspect="1"/>
           </p:cNvSpPr>
           <p:nvPr>
             <p:ph type="pic" idx="1"/>
@@ -2533,118 +4828,141 @@
         </p:nvSpPr>
         <p:spPr>
           <a:xfrm>
-            <a:off x="5183188" y="987425"/>
-            <a:ext cx="6172200" cy="4873625"/>
+            <a:off x="8094831" y="1041400"/>
+            <a:ext cx="3063347" cy="4775200"/>
           </a:xfrm>
+          <a:prstGeom prst="roundRect">
+            <a:avLst>
+              <a:gd name="adj" fmla="val 0"/>
+            </a:avLst>
+          </a:prstGeom>
+          <a:ln w="57150" cmpd="thickThin">
+            <a:solidFill>
+              <a:schemeClr val="tx1">
+                <a:lumMod val="50000"/>
+                <a:lumOff val="50000"/>
+              </a:schemeClr>
+            </a:solidFill>
+            <a:miter lim="800000"/>
+          </a:ln>
+          <a:effectLst>
+            <a:innerShdw blurRad="57150" dist="38100" dir="14460000">
+              <a:srgbClr val="000000">
+                <a:alpha val="70000"/>
+              </a:srgbClr>
+            </a:innerShdw>
+          </a:effectLst>
         </p:spPr>
         <p:txBody>
-          <a:bodyPr/>
+          <a:bodyPr anchor="t">
+            <a:normAutofit/>
+          </a:bodyPr>
           <a:lstStyle>
-            <a:lvl1pPr marL="0" indent="0">
-              <a:buNone/>
-              <a:defRPr sz="3200"/>
-            </a:lvl1pPr>
-            <a:lvl2pPr marL="457200" indent="0">
-              <a:buNone/>
-              <a:defRPr sz="2800"/>
-            </a:lvl2pPr>
-            <a:lvl3pPr marL="914400" indent="0">
-              <a:buNone/>
-              <a:defRPr sz="2400"/>
-            </a:lvl3pPr>
-            <a:lvl4pPr marL="1371600" indent="0">
-              <a:buNone/>
-              <a:defRPr sz="2000"/>
-            </a:lvl4pPr>
-            <a:lvl5pPr marL="1828800" indent="0">
-              <a:buNone/>
-              <a:defRPr sz="2000"/>
-            </a:lvl5pPr>
-            <a:lvl6pPr marL="2286000" indent="0">
-              <a:buNone/>
-              <a:defRPr sz="2000"/>
-            </a:lvl6pPr>
-            <a:lvl7pPr marL="2743200" indent="0">
-              <a:buNone/>
-              <a:defRPr sz="2000"/>
-            </a:lvl7pPr>
-            <a:lvl8pPr marL="3200400" indent="0">
-              <a:buNone/>
-              <a:defRPr sz="2000"/>
-            </a:lvl8pPr>
-            <a:lvl9pPr marL="3657600" indent="0">
-              <a:buNone/>
-              <a:defRPr sz="2000"/>
-            </a:lvl9pPr>
-          </a:lstStyle>
-          <a:p>
-            <a:endParaRPr lang="ru-RU"/>
-          </a:p>
-        </p:txBody>
-      </p:sp>
-      <p:sp>
-        <p:nvSpPr>
-          <p:cNvPr id="4" name="Текст 3">
-            <a:extLst>
-              <a:ext uri="{FF2B5EF4-FFF2-40B4-BE49-F238E27FC236}">
-                <a16:creationId xmlns:a16="http://schemas.microsoft.com/office/drawing/2014/main" id="{05966EE1-EBC1-43E7-8405-1EF5978F811C}"/>
-              </a:ext>
-            </a:extLst>
-          </p:cNvPr>
-          <p:cNvSpPr>
-            <a:spLocks noGrp="1"/>
-          </p:cNvSpPr>
-          <p:nvPr>
-            <p:ph type="body" sz="half" idx="2"/>
-          </p:nvPr>
-        </p:nvSpPr>
-        <p:spPr>
-          <a:xfrm>
-            <a:off x="839788" y="2057400"/>
-            <a:ext cx="3932237" cy="3811588"/>
-          </a:xfrm>
-        </p:spPr>
-        <p:txBody>
-          <a:bodyPr/>
-          <a:lstStyle>
-            <a:lvl1pPr marL="0" indent="0">
+            <a:lvl1pPr marL="0" indent="0" algn="ctr">
               <a:buNone/>
               <a:defRPr sz="1600"/>
             </a:lvl1pPr>
             <a:lvl2pPr marL="457200" indent="0">
               <a:buNone/>
-              <a:defRPr sz="1400"/>
+              <a:defRPr sz="1600"/>
             </a:lvl2pPr>
             <a:lvl3pPr marL="914400" indent="0">
               <a:buNone/>
-              <a:defRPr sz="1200"/>
+              <a:defRPr sz="1600"/>
             </a:lvl3pPr>
             <a:lvl4pPr marL="1371600" indent="0">
               <a:buNone/>
-              <a:defRPr sz="1000"/>
+              <a:defRPr sz="1600"/>
             </a:lvl4pPr>
             <a:lvl5pPr marL="1828800" indent="0">
               <a:buNone/>
-              <a:defRPr sz="1000"/>
+              <a:defRPr sz="1600"/>
             </a:lvl5pPr>
             <a:lvl6pPr marL="2286000" indent="0">
               <a:buNone/>
-              <a:defRPr sz="1000"/>
+              <a:defRPr sz="1600"/>
             </a:lvl6pPr>
             <a:lvl7pPr marL="2743200" indent="0">
               <a:buNone/>
-              <a:defRPr sz="1000"/>
+              <a:defRPr sz="1600"/>
             </a:lvl7pPr>
             <a:lvl8pPr marL="3200400" indent="0">
               <a:buNone/>
-              <a:defRPr sz="1000"/>
+              <a:defRPr sz="1600"/>
             </a:lvl8pPr>
             <a:lvl9pPr marL="3657600" indent="0">
               <a:buNone/>
-              <a:defRPr sz="1000"/>
+              <a:defRPr sz="1600"/>
             </a:lvl9pPr>
           </a:lstStyle>
           <a:p>
+            <a:r>
+              <a:rPr lang="ru-RU"/>
+              <a:t>Вставка рисунка</a:t>
+            </a:r>
+            <a:endParaRPr lang="en-US" dirty="0"/>
+          </a:p>
+        </p:txBody>
+      </p:sp>
+      <p:sp>
+        <p:nvSpPr>
+          <p:cNvPr id="4" name="Text Placeholder 3"/>
+          <p:cNvSpPr>
+            <a:spLocks noGrp="1"/>
+          </p:cNvSpPr>
+          <p:nvPr>
+            <p:ph type="body" sz="half" idx="2"/>
+          </p:nvPr>
+        </p:nvSpPr>
+        <p:spPr>
+          <a:xfrm>
+            <a:off x="1295399" y="3255432"/>
+            <a:ext cx="6241816" cy="1828800"/>
+          </a:xfrm>
+        </p:spPr>
+        <p:txBody>
+          <a:bodyPr anchor="t">
+            <a:normAutofit/>
+          </a:bodyPr>
+          <a:lstStyle>
+            <a:lvl1pPr marL="0" indent="0" algn="ctr">
+              <a:buNone/>
+              <a:defRPr sz="1800"/>
+            </a:lvl1pPr>
+            <a:lvl2pPr marL="457200" indent="0">
+              <a:buNone/>
+              <a:defRPr sz="1200"/>
+            </a:lvl2pPr>
+            <a:lvl3pPr marL="914400" indent="0">
+              <a:buNone/>
+              <a:defRPr sz="1000"/>
+            </a:lvl3pPr>
+            <a:lvl4pPr marL="1371600" indent="0">
+              <a:buNone/>
+              <a:defRPr sz="900"/>
+            </a:lvl4pPr>
+            <a:lvl5pPr marL="1828800" indent="0">
+              <a:buNone/>
+              <a:defRPr sz="900"/>
+            </a:lvl5pPr>
+            <a:lvl6pPr marL="2286000" indent="0">
+              <a:buNone/>
+              <a:defRPr sz="900"/>
+            </a:lvl6pPr>
+            <a:lvl7pPr marL="2743200" indent="0">
+              <a:buNone/>
+              <a:defRPr sz="900"/>
+            </a:lvl7pPr>
+            <a:lvl8pPr marL="3200400" indent="0">
+              <a:buNone/>
+              <a:defRPr sz="900"/>
+            </a:lvl8pPr>
+            <a:lvl9pPr marL="3657600" indent="0">
+              <a:buNone/>
+              <a:defRPr sz="900"/>
+            </a:lvl9pPr>
+          </a:lstStyle>
+          <a:p>
             <a:pPr lvl="0"/>
             <a:r>
               <a:rPr lang="ru-RU"/>
@@ -2655,13 +4973,7 @@
       </p:sp>
       <p:sp>
         <p:nvSpPr>
-          <p:cNvPr id="5" name="Дата 4">
-            <a:extLst>
-              <a:ext uri="{FF2B5EF4-FFF2-40B4-BE49-F238E27FC236}">
-                <a16:creationId xmlns:a16="http://schemas.microsoft.com/office/drawing/2014/main" id="{437C300B-8010-49F1-8628-350758ED1808}"/>
-              </a:ext>
-            </a:extLst>
-          </p:cNvPr>
+          <p:cNvPr id="5" name="Date Placeholder 4"/>
           <p:cNvSpPr>
             <a:spLocks noGrp="1"/>
           </p:cNvSpPr>
@@ -2684,13 +4996,7 @@
       </p:sp>
       <p:sp>
         <p:nvSpPr>
-          <p:cNvPr id="6" name="Нижний колонтитул 5">
-            <a:extLst>
-              <a:ext uri="{FF2B5EF4-FFF2-40B4-BE49-F238E27FC236}">
-                <a16:creationId xmlns:a16="http://schemas.microsoft.com/office/drawing/2014/main" id="{E2F78C22-D360-43DE-8ADB-A97AD92F8620}"/>
-              </a:ext>
-            </a:extLst>
-          </p:cNvPr>
+          <p:cNvPr id="6" name="Footer Placeholder 5"/>
           <p:cNvSpPr>
             <a:spLocks noGrp="1"/>
           </p:cNvSpPr>
@@ -2709,13 +5015,7 @@
       </p:sp>
       <p:sp>
         <p:nvSpPr>
-          <p:cNvPr id="7" name="Номер слайда 6">
-            <a:extLst>
-              <a:ext uri="{FF2B5EF4-FFF2-40B4-BE49-F238E27FC236}">
-                <a16:creationId xmlns:a16="http://schemas.microsoft.com/office/drawing/2014/main" id="{A3B072D2-8B58-4FBB-BF77-6F0A50AA67F2}"/>
-              </a:ext>
-            </a:extLst>
-          </p:cNvPr>
+          <p:cNvPr id="7" name="Slide Number Placeholder 6"/>
           <p:cNvSpPr>
             <a:spLocks noGrp="1"/>
           </p:cNvSpPr>
@@ -2739,7 +5039,7 @@
     </p:spTree>
     <p:extLst>
       <p:ext uri="{BB962C8B-B14F-4D97-AF65-F5344CB8AC3E}">
-        <p14:creationId xmlns:p14="http://schemas.microsoft.com/office/powerpoint/2010/main" val="2074728095"/>
+        <p14:creationId xmlns:p14="http://schemas.microsoft.com/office/powerpoint/2010/main" val="3328794512"/>
       </p:ext>
     </p:extLst>
   </p:cSld>
@@ -2753,7 +5053,7 @@
 <p:sldMaster xmlns:a="http://schemas.openxmlformats.org/drawingml/2006/main" xmlns:r="http://schemas.openxmlformats.org/officeDocument/2006/relationships" xmlns:p="http://schemas.openxmlformats.org/presentationml/2006/main">
   <p:cSld>
     <p:bg>
-      <p:bgRef idx="1001">
+      <p:bgRef idx="1003">
         <a:schemeClr val="bg1"/>
       </p:bgRef>
     </p:bg>
@@ -2771,15 +5071,146 @@
           <a:chExt cx="0" cy="0"/>
         </a:xfrm>
       </p:grpSpPr>
-      <p:sp>
-        <p:nvSpPr>
-          <p:cNvPr id="2" name="Заголовок 1">
-            <a:extLst>
-              <a:ext uri="{FF2B5EF4-FFF2-40B4-BE49-F238E27FC236}">
-                <a16:creationId xmlns:a16="http://schemas.microsoft.com/office/drawing/2014/main" id="{971404A8-7676-4983-BB1B-69C2C9BF3395}"/>
-              </a:ext>
-            </a:extLst>
-          </p:cNvPr>
+      <p:grpSp>
+        <p:nvGrpSpPr>
+          <p:cNvPr id="7" name="Group 6"/>
+          <p:cNvGrpSpPr/>
+          <p:nvPr/>
+        </p:nvGrpSpPr>
+        <p:grpSpPr>
+          <a:xfrm>
+            <a:off x="-15736" y="0"/>
+            <a:ext cx="12229962" cy="6856214"/>
+            <a:chOff x="-15736" y="0"/>
+            <a:chExt cx="12229962" cy="6856214"/>
+          </a:xfrm>
+        </p:grpSpPr>
+        <p:pic>
+          <p:nvPicPr>
+            <p:cNvPr id="8" name="Picture 7" descr="HD-PanelContent.png"/>
+            <p:cNvPicPr>
+              <a:picLocks noChangeAspect="1"/>
+            </p:cNvPicPr>
+            <p:nvPr/>
+          </p:nvPicPr>
+          <p:blipFill>
+            <a:blip r:embed="rId19">
+              <a:extLst>
+                <a:ext uri="{28A0092B-C50C-407E-A947-70E740481C1C}">
+                  <a14:useLocalDpi xmlns:a14="http://schemas.microsoft.com/office/drawing/2010/main" val="0"/>
+                </a:ext>
+              </a:extLst>
+            </a:blip>
+            <a:stretch>
+              <a:fillRect/>
+            </a:stretch>
+          </p:blipFill>
+          <p:spPr>
+            <a:xfrm>
+              <a:off x="0" y="0"/>
+              <a:ext cx="12188825" cy="6856214"/>
+            </a:xfrm>
+            <a:prstGeom prst="rect">
+              <a:avLst/>
+            </a:prstGeom>
+          </p:spPr>
+        </p:pic>
+        <p:sp>
+          <p:nvSpPr>
+            <p:cNvPr id="9" name="Rectangle 8"/>
+            <p:cNvSpPr/>
+            <p:nvPr/>
+          </p:nvSpPr>
+          <p:spPr>
+            <a:xfrm>
+              <a:off x="608012" y="609600"/>
+              <a:ext cx="10972800" cy="5638800"/>
+            </a:xfrm>
+            <a:prstGeom prst="rect">
+              <a:avLst/>
+            </a:prstGeom>
+            <a:noFill/>
+            <a:ln w="15875" cap="flat">
+              <a:miter lim="800000"/>
+            </a:ln>
+          </p:spPr>
+          <p:style>
+            <a:lnRef idx="1">
+              <a:schemeClr val="accent1"/>
+            </a:lnRef>
+            <a:fillRef idx="3">
+              <a:schemeClr val="accent1"/>
+            </a:fillRef>
+            <a:effectRef idx="2">
+              <a:schemeClr val="accent1"/>
+            </a:effectRef>
+            <a:fontRef idx="minor">
+              <a:schemeClr val="lt1"/>
+            </a:fontRef>
+          </p:style>
+        </p:sp>
+        <p:pic>
+          <p:nvPicPr>
+            <p:cNvPr id="10" name="Picture 9" descr="HDRibbonContent-UniformTrim.png"/>
+            <p:cNvPicPr>
+              <a:picLocks noChangeAspect="1"/>
+            </p:cNvPicPr>
+            <p:nvPr/>
+          </p:nvPicPr>
+          <p:blipFill rotWithShape="1">
+            <a:blip r:embed="rId20">
+              <a:extLst>
+                <a:ext uri="{28A0092B-C50C-407E-A947-70E740481C1C}">
+                  <a14:useLocalDpi xmlns:a14="http://schemas.microsoft.com/office/drawing/2010/main" val="0"/>
+                </a:ext>
+              </a:extLst>
+            </a:blip>
+            <a:srcRect/>
+            <a:stretch/>
+          </p:blipFill>
+          <p:spPr>
+            <a:xfrm>
+              <a:off x="-15736" y="3153832"/>
+              <a:ext cx="777240" cy="606425"/>
+            </a:xfrm>
+            <a:prstGeom prst="rect">
+              <a:avLst/>
+            </a:prstGeom>
+          </p:spPr>
+        </p:pic>
+        <p:pic>
+          <p:nvPicPr>
+            <p:cNvPr id="11" name="Picture 10" descr="HDRibbonContent-UniformTrim.png"/>
+            <p:cNvPicPr>
+              <a:picLocks noChangeAspect="1"/>
+            </p:cNvPicPr>
+            <p:nvPr/>
+          </p:nvPicPr>
+          <p:blipFill rotWithShape="1">
+            <a:blip r:embed="rId20">
+              <a:extLst>
+                <a:ext uri="{28A0092B-C50C-407E-A947-70E740481C1C}">
+                  <a14:useLocalDpi xmlns:a14="http://schemas.microsoft.com/office/drawing/2010/main" val="0"/>
+                </a:ext>
+              </a:extLst>
+            </a:blip>
+            <a:srcRect/>
+            <a:stretch/>
+          </p:blipFill>
+          <p:spPr>
+            <a:xfrm>
+              <a:off x="11436986" y="3153832"/>
+              <a:ext cx="777240" cy="606425"/>
+            </a:xfrm>
+            <a:prstGeom prst="rect">
+              <a:avLst/>
+            </a:prstGeom>
+          </p:spPr>
+        </p:pic>
+      </p:grpSp>
+      <p:sp>
+        <p:nvSpPr>
+          <p:cNvPr id="2" name="Title Placeholder 1"/>
           <p:cNvSpPr>
             <a:spLocks noGrp="1"/>
           </p:cNvSpPr>
@@ -2789,113 +5220,145 @@
         </p:nvSpPr>
         <p:spPr>
           <a:xfrm>
-            <a:off x="838200" y="365125"/>
-            <a:ext cx="10515600" cy="1325563"/>
+            <a:off x="1295402" y="982132"/>
+            <a:ext cx="9601196" cy="1303867"/>
+          </a:xfrm>
+          <a:prstGeom prst="rect">
+            <a:avLst/>
+          </a:prstGeom>
+          <a:effectLst/>
+        </p:spPr>
+        <p:txBody>
+          <a:bodyPr vert="horz" lIns="91440" tIns="45720" rIns="91440" bIns="45720" rtlCol="0" anchor="ctr">
+            <a:normAutofit/>
+          </a:bodyPr>
+          <a:lstStyle/>
+          <a:p>
+            <a:r>
+              <a:rPr lang="ru-RU"/>
+              <a:t>Образец заголовка</a:t>
+            </a:r>
+            <a:endParaRPr lang="en-US" dirty="0"/>
+          </a:p>
+        </p:txBody>
+      </p:sp>
+      <p:sp>
+        <p:nvSpPr>
+          <p:cNvPr id="3" name="Text Placeholder 2"/>
+          <p:cNvSpPr>
+            <a:spLocks noGrp="1"/>
+          </p:cNvSpPr>
+          <p:nvPr>
+            <p:ph type="body" idx="1"/>
+          </p:nvPr>
+        </p:nvSpPr>
+        <p:spPr>
+          <a:xfrm>
+            <a:off x="1295401" y="2556932"/>
+            <a:ext cx="9601196" cy="3318936"/>
           </a:xfrm>
           <a:prstGeom prst="rect">
             <a:avLst/>
           </a:prstGeom>
         </p:spPr>
         <p:txBody>
-          <a:bodyPr vert="horz" lIns="91440" tIns="45720" rIns="91440" bIns="45720" rtlCol="0" anchor="ctr">
+          <a:bodyPr vert="horz" lIns="91440" tIns="45720" rIns="91440" bIns="45720" rtlCol="0" anchor="t">
             <a:normAutofit/>
           </a:bodyPr>
           <a:lstStyle/>
           <a:p>
-            <a:r>
-              <a:rPr lang="ru-RU"/>
-              <a:t>Образец заголовка</a:t>
-            </a:r>
-          </a:p>
-        </p:txBody>
-      </p:sp>
-      <p:sp>
-        <p:nvSpPr>
-          <p:cNvPr id="3" name="Текст 2">
-            <a:extLst>
-              <a:ext uri="{FF2B5EF4-FFF2-40B4-BE49-F238E27FC236}">
-                <a16:creationId xmlns:a16="http://schemas.microsoft.com/office/drawing/2014/main" id="{0ED6AD3C-5C58-40CB-BB15-F80989E79364}"/>
-              </a:ext>
-            </a:extLst>
-          </p:cNvPr>
-          <p:cNvSpPr>
-            <a:spLocks noGrp="1"/>
-          </p:cNvSpPr>
-          <p:nvPr>
-            <p:ph type="body" idx="1"/>
+            <a:pPr lvl="0"/>
+            <a:r>
+              <a:rPr lang="ru-RU"/>
+              <a:t>Образец текста</a:t>
+            </a:r>
+          </a:p>
+          <a:p>
+            <a:pPr lvl="1"/>
+            <a:r>
+              <a:rPr lang="ru-RU"/>
+              <a:t>Второй уровень</a:t>
+            </a:r>
+          </a:p>
+          <a:p>
+            <a:pPr lvl="2"/>
+            <a:r>
+              <a:rPr lang="ru-RU"/>
+              <a:t>Третий уровень</a:t>
+            </a:r>
+          </a:p>
+          <a:p>
+            <a:pPr lvl="3"/>
+            <a:r>
+              <a:rPr lang="ru-RU"/>
+              <a:t>Четвертый уровень</a:t>
+            </a:r>
+          </a:p>
+          <a:p>
+            <a:pPr lvl="4"/>
+            <a:r>
+              <a:rPr lang="ru-RU"/>
+              <a:t>Пятый уровень</a:t>
+            </a:r>
+            <a:endParaRPr lang="en-US" dirty="0"/>
+          </a:p>
+        </p:txBody>
+      </p:sp>
+      <p:sp>
+        <p:nvSpPr>
+          <p:cNvPr id="4" name="Date Placeholder 3"/>
+          <p:cNvSpPr>
+            <a:spLocks noGrp="1"/>
+          </p:cNvSpPr>
+          <p:nvPr>
+            <p:ph type="dt" sz="half" idx="2"/>
           </p:nvPr>
         </p:nvSpPr>
         <p:spPr>
           <a:xfrm>
-            <a:off x="838200" y="1825625"/>
-            <a:ext cx="10515600" cy="4351338"/>
+            <a:off x="8677501" y="5969000"/>
+            <a:ext cx="1600200" cy="279400"/>
           </a:xfrm>
           <a:prstGeom prst="rect">
             <a:avLst/>
           </a:prstGeom>
         </p:spPr>
         <p:txBody>
-          <a:bodyPr vert="horz" lIns="91440" tIns="45720" rIns="91440" bIns="45720" rtlCol="0">
-            <a:normAutofit/>
-          </a:bodyPr>
-          <a:lstStyle/>
-          <a:p>
-            <a:pPr lvl="0"/>
-            <a:r>
-              <a:rPr lang="ru-RU"/>
-              <a:t>Образец текста</a:t>
-            </a:r>
-          </a:p>
-          <a:p>
-            <a:pPr lvl="1"/>
-            <a:r>
-              <a:rPr lang="ru-RU"/>
-              <a:t>Второй уровень</a:t>
-            </a:r>
-          </a:p>
-          <a:p>
-            <a:pPr lvl="2"/>
-            <a:r>
-              <a:rPr lang="ru-RU"/>
-              <a:t>Третий уровень</a:t>
-            </a:r>
-          </a:p>
-          <a:p>
-            <a:pPr lvl="3"/>
-            <a:r>
-              <a:rPr lang="ru-RU"/>
-              <a:t>Четвертый уровень</a:t>
-            </a:r>
-          </a:p>
-          <a:p>
-            <a:pPr lvl="4"/>
-            <a:r>
-              <a:rPr lang="ru-RU"/>
-              <a:t>Пятый уровень</a:t>
-            </a:r>
-          </a:p>
-        </p:txBody>
-      </p:sp>
-      <p:sp>
-        <p:nvSpPr>
-          <p:cNvPr id="4" name="Дата 3">
-            <a:extLst>
-              <a:ext uri="{FF2B5EF4-FFF2-40B4-BE49-F238E27FC236}">
-                <a16:creationId xmlns:a16="http://schemas.microsoft.com/office/drawing/2014/main" id="{FF692A8F-DA75-48D8-B29D-D5C1B04EC5CF}"/>
-              </a:ext>
-            </a:extLst>
-          </p:cNvPr>
-          <p:cNvSpPr>
-            <a:spLocks noGrp="1"/>
-          </p:cNvSpPr>
-          <p:nvPr>
-            <p:ph type="dt" sz="half" idx="2"/>
+          <a:bodyPr vert="horz" lIns="91440" tIns="45720" rIns="91440" bIns="45720" rtlCol="0" anchor="ctr"/>
+          <a:lstStyle>
+            <a:lvl1pPr algn="r">
+              <a:defRPr sz="1000" b="0" i="0">
+                <a:solidFill>
+                  <a:schemeClr val="tx1"/>
+                </a:solidFill>
+                <a:effectLst/>
+                <a:latin typeface="+mn-lt"/>
+              </a:defRPr>
+            </a:lvl1pPr>
+          </a:lstStyle>
+          <a:p>
+            <a:fld id="{912BA25D-D1A4-41E3-ABCD-8EF3B50B47DB}" type="datetimeFigureOut">
+              <a:rPr lang="ru-RU" smtClean="0"/>
+              <a:t>09.05.2022</a:t>
+            </a:fld>
+            <a:endParaRPr lang="ru-RU"/>
+          </a:p>
+        </p:txBody>
+      </p:sp>
+      <p:sp>
+        <p:nvSpPr>
+          <p:cNvPr id="5" name="Footer Placeholder 4"/>
+          <p:cNvSpPr>
+            <a:spLocks noGrp="1"/>
+          </p:cNvSpPr>
+          <p:nvPr>
+            <p:ph type="ftr" sz="quarter" idx="3"/>
           </p:nvPr>
         </p:nvSpPr>
         <p:spPr>
           <a:xfrm>
-            <a:off x="838200" y="6356350"/>
-            <a:ext cx="2743200" cy="365125"/>
+            <a:off x="1295401" y="5969000"/>
+            <a:ext cx="7305900" cy="279400"/>
           </a:xfrm>
           <a:prstGeom prst="rect">
             <a:avLst/>
@@ -2905,44 +5368,34 @@
           <a:bodyPr vert="horz" lIns="91440" tIns="45720" rIns="91440" bIns="45720" rtlCol="0" anchor="ctr"/>
           <a:lstStyle>
             <a:lvl1pPr algn="l">
-              <a:defRPr sz="1200">
-                <a:solidFill>
-                  <a:schemeClr val="tx1">
-                    <a:tint val="75000"/>
-                  </a:schemeClr>
-                </a:solidFill>
+              <a:defRPr sz="1000" b="0" i="0">
+                <a:solidFill>
+                  <a:schemeClr val="tx1"/>
+                </a:solidFill>
+                <a:effectLst/>
+                <a:latin typeface="+mn-lt"/>
               </a:defRPr>
             </a:lvl1pPr>
           </a:lstStyle>
           <a:p>
-            <a:fld id="{912BA25D-D1A4-41E3-ABCD-8EF3B50B47DB}" type="datetimeFigureOut">
-              <a:rPr lang="ru-RU" smtClean="0"/>
-              <a:t>09.05.2022</a:t>
-            </a:fld>
             <a:endParaRPr lang="ru-RU"/>
           </a:p>
         </p:txBody>
       </p:sp>
       <p:sp>
         <p:nvSpPr>
-          <p:cNvPr id="5" name="Нижний колонтитул 4">
-            <a:extLst>
-              <a:ext uri="{FF2B5EF4-FFF2-40B4-BE49-F238E27FC236}">
-                <a16:creationId xmlns:a16="http://schemas.microsoft.com/office/drawing/2014/main" id="{82AD2E0C-944E-4BDB-8509-A62444BD12BD}"/>
-              </a:ext>
-            </a:extLst>
-          </p:cNvPr>
-          <p:cNvSpPr>
-            <a:spLocks noGrp="1"/>
-          </p:cNvSpPr>
-          <p:nvPr>
-            <p:ph type="ftr" sz="quarter" idx="3"/>
+          <p:cNvPr id="6" name="Slide Number Placeholder 5"/>
+          <p:cNvSpPr>
+            <a:spLocks noGrp="1"/>
+          </p:cNvSpPr>
+          <p:nvPr>
+            <p:ph type="sldNum" sz="quarter" idx="4"/>
           </p:nvPr>
         </p:nvSpPr>
         <p:spPr>
           <a:xfrm>
-            <a:off x="4038600" y="6356350"/>
-            <a:ext cx="4114800" cy="365125"/>
+            <a:off x="10353901" y="5969000"/>
+            <a:ext cx="542697" cy="279400"/>
           </a:xfrm>
           <a:prstGeom prst="rect">
             <a:avLst/>
@@ -2951,56 +5404,13 @@
         <p:txBody>
           <a:bodyPr vert="horz" lIns="91440" tIns="45720" rIns="91440" bIns="45720" rtlCol="0" anchor="ctr"/>
           <a:lstStyle>
-            <a:lvl1pPr algn="ctr">
-              <a:defRPr sz="1200">
-                <a:solidFill>
-                  <a:schemeClr val="tx1">
-                    <a:tint val="75000"/>
-                  </a:schemeClr>
-                </a:solidFill>
-              </a:defRPr>
-            </a:lvl1pPr>
-          </a:lstStyle>
-          <a:p>
-            <a:endParaRPr lang="ru-RU"/>
-          </a:p>
-        </p:txBody>
-      </p:sp>
-      <p:sp>
-        <p:nvSpPr>
-          <p:cNvPr id="6" name="Номер слайда 5">
-            <a:extLst>
-              <a:ext uri="{FF2B5EF4-FFF2-40B4-BE49-F238E27FC236}">
-                <a16:creationId xmlns:a16="http://schemas.microsoft.com/office/drawing/2014/main" id="{071F4F57-FC2C-445C-A42A-8CAFBD42DE6C}"/>
-              </a:ext>
-            </a:extLst>
-          </p:cNvPr>
-          <p:cNvSpPr>
-            <a:spLocks noGrp="1"/>
-          </p:cNvSpPr>
-          <p:nvPr>
-            <p:ph type="sldNum" sz="quarter" idx="4"/>
-          </p:nvPr>
-        </p:nvSpPr>
-        <p:spPr>
-          <a:xfrm>
-            <a:off x="8610600" y="6356350"/>
-            <a:ext cx="2743200" cy="365125"/>
-          </a:xfrm>
-          <a:prstGeom prst="rect">
-            <a:avLst/>
-          </a:prstGeom>
-        </p:spPr>
-        <p:txBody>
-          <a:bodyPr vert="horz" lIns="91440" tIns="45720" rIns="91440" bIns="45720" rtlCol="0" anchor="ctr"/>
-          <a:lstStyle>
             <a:lvl1pPr algn="r">
-              <a:defRPr sz="1200">
-                <a:solidFill>
-                  <a:schemeClr val="tx1">
-                    <a:tint val="75000"/>
-                  </a:schemeClr>
-                </a:solidFill>
+              <a:defRPr sz="1000" b="0" i="0">
+                <a:solidFill>
+                  <a:schemeClr val="tx1"/>
+                </a:solidFill>
+                <a:effectLst/>
+                <a:latin typeface="+mn-lt"/>
               </a:defRPr>
             </a:lvl1pPr>
           </a:lstStyle>
@@ -3016,55 +5426,352 @@
     </p:spTree>
     <p:extLst>
       <p:ext uri="{BB962C8B-B14F-4D97-AF65-F5344CB8AC3E}">
-        <p14:creationId xmlns:p14="http://schemas.microsoft.com/office/powerpoint/2010/main" val="255563712"/>
+        <p14:creationId xmlns:p14="http://schemas.microsoft.com/office/powerpoint/2010/main" val="3026307837"/>
       </p:ext>
     </p:extLst>
   </p:cSld>
   <p:clrMap bg1="lt1" tx1="dk1" bg2="lt2" tx2="dk2" accent1="accent1" accent2="accent2" accent3="accent3" accent4="accent4" accent5="accent5" accent6="accent6" hlink="hlink" folHlink="folHlink"/>
   <p:sldLayoutIdLst>
-    <p:sldLayoutId id="2147483649" r:id="rId1"/>
-    <p:sldLayoutId id="2147483650" r:id="rId2"/>
-    <p:sldLayoutId id="2147483651" r:id="rId3"/>
-    <p:sldLayoutId id="2147483652" r:id="rId4"/>
-    <p:sldLayoutId id="2147483653" r:id="rId5"/>
-    <p:sldLayoutId id="2147483654" r:id="rId6"/>
-    <p:sldLayoutId id="2147483655" r:id="rId7"/>
-    <p:sldLayoutId id="2147483656" r:id="rId8"/>
-    <p:sldLayoutId id="2147483657" r:id="rId9"/>
-    <p:sldLayoutId id="2147483658" r:id="rId10"/>
-    <p:sldLayoutId id="2147483659" r:id="rId11"/>
+    <p:sldLayoutId id="2147483691" r:id="rId1"/>
+    <p:sldLayoutId id="2147483692" r:id="rId2"/>
+    <p:sldLayoutId id="2147483693" r:id="rId3"/>
+    <p:sldLayoutId id="2147483694" r:id="rId4"/>
+    <p:sldLayoutId id="2147483695" r:id="rId5"/>
+    <p:sldLayoutId id="2147483696" r:id="rId6"/>
+    <p:sldLayoutId id="2147483697" r:id="rId7"/>
+    <p:sldLayoutId id="2147483698" r:id="rId8"/>
+    <p:sldLayoutId id="2147483699" r:id="rId9"/>
+    <p:sldLayoutId id="2147483700" r:id="rId10"/>
+    <p:sldLayoutId id="2147483701" r:id="rId11"/>
+    <p:sldLayoutId id="2147483702" r:id="rId12"/>
+    <p:sldLayoutId id="2147483703" r:id="rId13"/>
+    <p:sldLayoutId id="2147483704" r:id="rId14"/>
+    <p:sldLayoutId id="2147483705" r:id="rId15"/>
+    <p:sldLayoutId id="2147483706" r:id="rId16"/>
+    <p:sldLayoutId id="2147483707" r:id="rId17"/>
   </p:sldLayoutIdLst>
   <p:txStyles>
     <p:titleStyle>
-      <a:lvl1pPr algn="l" defTabSz="914400" rtl="0" eaLnBrk="1" latinLnBrk="0" hangingPunct="1">
-        <a:lnSpc>
-          <a:spcPct val="90000"/>
-        </a:lnSpc>
+      <a:lvl1pPr algn="ctr" defTabSz="457200" rtl="0" eaLnBrk="1" latinLnBrk="0" hangingPunct="1">
         <a:spcBef>
           <a:spcPct val="0"/>
         </a:spcBef>
         <a:buNone/>
-        <a:defRPr sz="4400" kern="1200">
+        <a:defRPr sz="4400" kern="1200" cap="none">
+          <a:ln w="3175" cmpd="sng">
+            <a:noFill/>
+          </a:ln>
           <a:solidFill>
-            <a:schemeClr val="tx1"/>
+            <a:schemeClr val="tx1">
+              <a:lumMod val="85000"/>
+              <a:lumOff val="15000"/>
+            </a:schemeClr>
           </a:solidFill>
+          <a:effectLst/>
           <a:latin typeface="+mj-lt"/>
           <a:ea typeface="+mj-ea"/>
           <a:cs typeface="+mj-cs"/>
         </a:defRPr>
       </a:lvl1pPr>
+      <a:lvl2pPr eaLnBrk="1" hangingPunct="1">
+        <a:defRPr>
+          <a:solidFill>
+            <a:schemeClr val="tx2"/>
+          </a:solidFill>
+        </a:defRPr>
+      </a:lvl2pPr>
+      <a:lvl3pPr eaLnBrk="1" hangingPunct="1">
+        <a:defRPr>
+          <a:solidFill>
+            <a:schemeClr val="tx2"/>
+          </a:solidFill>
+        </a:defRPr>
+      </a:lvl3pPr>
+      <a:lvl4pPr eaLnBrk="1" hangingPunct="1">
+        <a:defRPr>
+          <a:solidFill>
+            <a:schemeClr val="tx2"/>
+          </a:solidFill>
+        </a:defRPr>
+      </a:lvl4pPr>
+      <a:lvl5pPr eaLnBrk="1" hangingPunct="1">
+        <a:defRPr>
+          <a:solidFill>
+            <a:schemeClr val="tx2"/>
+          </a:solidFill>
+        </a:defRPr>
+      </a:lvl5pPr>
+      <a:lvl6pPr eaLnBrk="1" hangingPunct="1">
+        <a:defRPr>
+          <a:solidFill>
+            <a:schemeClr val="tx2"/>
+          </a:solidFill>
+        </a:defRPr>
+      </a:lvl6pPr>
+      <a:lvl7pPr eaLnBrk="1" hangingPunct="1">
+        <a:defRPr>
+          <a:solidFill>
+            <a:schemeClr val="tx2"/>
+          </a:solidFill>
+        </a:defRPr>
+      </a:lvl7pPr>
+      <a:lvl8pPr eaLnBrk="1" hangingPunct="1">
+        <a:defRPr>
+          <a:solidFill>
+            <a:schemeClr val="tx2"/>
+          </a:solidFill>
+        </a:defRPr>
+      </a:lvl8pPr>
+      <a:lvl9pPr eaLnBrk="1" hangingPunct="1">
+        <a:defRPr>
+          <a:solidFill>
+            <a:schemeClr val="tx2"/>
+          </a:solidFill>
+        </a:defRPr>
+      </a:lvl9pPr>
     </p:titleStyle>
     <p:bodyStyle>
-      <a:lvl1pPr marL="228600" indent="-228600" algn="l" defTabSz="914400" rtl="0" eaLnBrk="1" latinLnBrk="0" hangingPunct="1">
-        <a:lnSpc>
-          <a:spcPct val="90000"/>
-        </a:lnSpc>
+      <a:lvl1pPr marL="285750" indent="-285750" algn="l" defTabSz="457200" rtl="0" eaLnBrk="1" latinLnBrk="0" hangingPunct="1">
         <a:spcBef>
-          <a:spcPts val="1000"/>
+          <a:spcPct val="20000"/>
         </a:spcBef>
-        <a:buFont typeface="Arial" panose="020B0604020202020204" pitchFamily="34" charset="0"/>
+        <a:spcAft>
+          <a:spcPts val="600"/>
+        </a:spcAft>
+        <a:buClr>
+          <a:schemeClr val="accent1"/>
+        </a:buClr>
+        <a:buSzPct val="115000"/>
+        <a:buFont typeface="Arial"/>
         <a:buChar char="•"/>
-        <a:defRPr sz="2800" kern="1200">
+        <a:defRPr sz="2400" kern="1200" cap="none">
+          <a:solidFill>
+            <a:schemeClr val="tx1">
+              <a:lumMod val="85000"/>
+              <a:lumOff val="15000"/>
+            </a:schemeClr>
+          </a:solidFill>
+          <a:effectLst/>
+          <a:latin typeface="+mn-lt"/>
+          <a:ea typeface="+mn-ea"/>
+          <a:cs typeface="+mn-cs"/>
+        </a:defRPr>
+      </a:lvl1pPr>
+      <a:lvl2pPr marL="742950" indent="-285750" algn="l" defTabSz="457200" rtl="0" eaLnBrk="1" latinLnBrk="0" hangingPunct="1">
+        <a:spcBef>
+          <a:spcPct val="20000"/>
+        </a:spcBef>
+        <a:spcAft>
+          <a:spcPts val="600"/>
+        </a:spcAft>
+        <a:buClr>
+          <a:schemeClr val="accent1"/>
+        </a:buClr>
+        <a:buSzPct val="115000"/>
+        <a:buFont typeface="Arial"/>
+        <a:buChar char="•"/>
+        <a:defRPr sz="2000" kern="1200" cap="none">
+          <a:solidFill>
+            <a:schemeClr val="tx1">
+              <a:lumMod val="85000"/>
+              <a:lumOff val="15000"/>
+            </a:schemeClr>
+          </a:solidFill>
+          <a:effectLst/>
+          <a:latin typeface="+mn-lt"/>
+          <a:ea typeface="+mn-ea"/>
+          <a:cs typeface="+mn-cs"/>
+        </a:defRPr>
+      </a:lvl2pPr>
+      <a:lvl3pPr marL="1200150" indent="-285750" algn="l" defTabSz="457200" rtl="0" eaLnBrk="1" latinLnBrk="0" hangingPunct="1">
+        <a:spcBef>
+          <a:spcPct val="20000"/>
+        </a:spcBef>
+        <a:spcAft>
+          <a:spcPts val="600"/>
+        </a:spcAft>
+        <a:buClr>
+          <a:schemeClr val="accent1"/>
+        </a:buClr>
+        <a:buSzPct val="115000"/>
+        <a:buFont typeface="Arial"/>
+        <a:buChar char="•"/>
+        <a:defRPr sz="1800" kern="1200" cap="none">
+          <a:solidFill>
+            <a:schemeClr val="tx1">
+              <a:lumMod val="85000"/>
+              <a:lumOff val="15000"/>
+            </a:schemeClr>
+          </a:solidFill>
+          <a:effectLst/>
+          <a:latin typeface="+mn-lt"/>
+          <a:ea typeface="+mn-ea"/>
+          <a:cs typeface="+mn-cs"/>
+        </a:defRPr>
+      </a:lvl3pPr>
+      <a:lvl4pPr marL="1543050" indent="-171450" algn="l" defTabSz="457200" rtl="0" eaLnBrk="1" latinLnBrk="0" hangingPunct="1">
+        <a:spcBef>
+          <a:spcPct val="20000"/>
+        </a:spcBef>
+        <a:spcAft>
+          <a:spcPts val="600"/>
+        </a:spcAft>
+        <a:buClr>
+          <a:schemeClr val="accent1"/>
+        </a:buClr>
+        <a:buSzPct val="115000"/>
+        <a:buFont typeface="Arial"/>
+        <a:buChar char="•"/>
+        <a:defRPr sz="1600" kern="1200" cap="none">
+          <a:solidFill>
+            <a:schemeClr val="tx1">
+              <a:lumMod val="85000"/>
+              <a:lumOff val="15000"/>
+            </a:schemeClr>
+          </a:solidFill>
+          <a:effectLst/>
+          <a:latin typeface="+mn-lt"/>
+          <a:ea typeface="+mn-ea"/>
+          <a:cs typeface="+mn-cs"/>
+        </a:defRPr>
+      </a:lvl4pPr>
+      <a:lvl5pPr marL="2000250" indent="-171450" algn="l" defTabSz="457200" rtl="0" eaLnBrk="1" latinLnBrk="0" hangingPunct="1">
+        <a:spcBef>
+          <a:spcPct val="20000"/>
+        </a:spcBef>
+        <a:spcAft>
+          <a:spcPts val="600"/>
+        </a:spcAft>
+        <a:buClr>
+          <a:schemeClr val="accent1"/>
+        </a:buClr>
+        <a:buSzPct val="115000"/>
+        <a:buFont typeface="Arial"/>
+        <a:buChar char="•"/>
+        <a:defRPr sz="1400" kern="1200" cap="none">
+          <a:solidFill>
+            <a:schemeClr val="tx1">
+              <a:lumMod val="85000"/>
+              <a:lumOff val="15000"/>
+            </a:schemeClr>
+          </a:solidFill>
+          <a:effectLst/>
+          <a:latin typeface="+mn-lt"/>
+          <a:ea typeface="+mn-ea"/>
+          <a:cs typeface="+mn-cs"/>
+        </a:defRPr>
+      </a:lvl5pPr>
+      <a:lvl6pPr marL="2514600" indent="-228600" algn="l" defTabSz="457200" rtl="0" eaLnBrk="1" latinLnBrk="0" hangingPunct="1">
+        <a:spcBef>
+          <a:spcPct val="20000"/>
+        </a:spcBef>
+        <a:spcAft>
+          <a:spcPts val="600"/>
+        </a:spcAft>
+        <a:buClr>
+          <a:schemeClr val="accent1"/>
+        </a:buClr>
+        <a:buSzPct val="115000"/>
+        <a:buFont typeface="Arial"/>
+        <a:buChar char="•"/>
+        <a:defRPr sz="1400" kern="1200" cap="none">
+          <a:solidFill>
+            <a:schemeClr val="tx1">
+              <a:lumMod val="85000"/>
+              <a:lumOff val="15000"/>
+            </a:schemeClr>
+          </a:solidFill>
+          <a:effectLst/>
+          <a:latin typeface="+mn-lt"/>
+          <a:ea typeface="+mn-ea"/>
+          <a:cs typeface="+mn-cs"/>
+        </a:defRPr>
+      </a:lvl6pPr>
+      <a:lvl7pPr marL="2971800" indent="-228600" algn="l" defTabSz="457200" rtl="0" eaLnBrk="1" latinLnBrk="0" hangingPunct="1">
+        <a:spcBef>
+          <a:spcPct val="20000"/>
+        </a:spcBef>
+        <a:spcAft>
+          <a:spcPts val="600"/>
+        </a:spcAft>
+        <a:buClr>
+          <a:schemeClr val="accent1"/>
+        </a:buClr>
+        <a:buSzPct val="115000"/>
+        <a:buFont typeface="Arial"/>
+        <a:buChar char="•"/>
+        <a:defRPr sz="1400" kern="1200" cap="none">
+          <a:solidFill>
+            <a:schemeClr val="tx1">
+              <a:lumMod val="85000"/>
+              <a:lumOff val="15000"/>
+            </a:schemeClr>
+          </a:solidFill>
+          <a:effectLst/>
+          <a:latin typeface="+mn-lt"/>
+          <a:ea typeface="+mn-ea"/>
+          <a:cs typeface="+mn-cs"/>
+        </a:defRPr>
+      </a:lvl7pPr>
+      <a:lvl8pPr marL="3429000" indent="-228600" algn="l" defTabSz="457200" rtl="0" eaLnBrk="1" latinLnBrk="0" hangingPunct="1">
+        <a:spcBef>
+          <a:spcPct val="20000"/>
+        </a:spcBef>
+        <a:spcAft>
+          <a:spcPts val="600"/>
+        </a:spcAft>
+        <a:buClr>
+          <a:schemeClr val="accent1"/>
+        </a:buClr>
+        <a:buSzPct val="115000"/>
+        <a:buFont typeface="Arial"/>
+        <a:buChar char="•"/>
+        <a:defRPr sz="1400" kern="1200" cap="none">
+          <a:solidFill>
+            <a:schemeClr val="tx1">
+              <a:lumMod val="85000"/>
+              <a:lumOff val="15000"/>
+            </a:schemeClr>
+          </a:solidFill>
+          <a:effectLst/>
+          <a:latin typeface="+mn-lt"/>
+          <a:ea typeface="+mn-ea"/>
+          <a:cs typeface="+mn-cs"/>
+        </a:defRPr>
+      </a:lvl8pPr>
+      <a:lvl9pPr marL="3886200" indent="-228600" algn="l" defTabSz="457200" rtl="0" eaLnBrk="1" latinLnBrk="0" hangingPunct="1">
+        <a:spcBef>
+          <a:spcPct val="20000"/>
+        </a:spcBef>
+        <a:spcAft>
+          <a:spcPts val="600"/>
+        </a:spcAft>
+        <a:buClr>
+          <a:schemeClr val="accent1"/>
+        </a:buClr>
+        <a:buSzPct val="115000"/>
+        <a:buFont typeface="Arial"/>
+        <a:buChar char="•"/>
+        <a:defRPr sz="1400" kern="1200" cap="none">
+          <a:solidFill>
+            <a:schemeClr val="tx1">
+              <a:lumMod val="85000"/>
+              <a:lumOff val="15000"/>
+            </a:schemeClr>
+          </a:solidFill>
+          <a:effectLst/>
+          <a:latin typeface="+mn-lt"/>
+          <a:ea typeface="+mn-ea"/>
+          <a:cs typeface="+mn-cs"/>
+        </a:defRPr>
+      </a:lvl9pPr>
+    </p:bodyStyle>
+    <p:otherStyle>
+      <a:defPPr>
+        <a:defRPr lang="en-US"/>
+      </a:defPPr>
+      <a:lvl1pPr marL="0" algn="l" defTabSz="457200" rtl="0" eaLnBrk="1" latinLnBrk="0" hangingPunct="1">
+        <a:defRPr sz="1800" kern="1200">
           <a:solidFill>
             <a:schemeClr val="tx1"/>
           </a:solidFill>
@@ -3073,16 +5780,8 @@
           <a:cs typeface="+mn-cs"/>
         </a:defRPr>
       </a:lvl1pPr>
-      <a:lvl2pPr marL="685800" indent="-228600" algn="l" defTabSz="914400" rtl="0" eaLnBrk="1" latinLnBrk="0" hangingPunct="1">
-        <a:lnSpc>
-          <a:spcPct val="90000"/>
-        </a:lnSpc>
-        <a:spcBef>
-          <a:spcPts val="500"/>
-        </a:spcBef>
-        <a:buFont typeface="Arial" panose="020B0604020202020204" pitchFamily="34" charset="0"/>
-        <a:buChar char="•"/>
-        <a:defRPr sz="2400" kern="1200">
+      <a:lvl2pPr marL="457200" algn="l" defTabSz="457200" rtl="0" eaLnBrk="1" latinLnBrk="0" hangingPunct="1">
+        <a:defRPr sz="1800" kern="1200">
           <a:solidFill>
             <a:schemeClr val="tx1"/>
           </a:solidFill>
@@ -3091,16 +5790,8 @@
           <a:cs typeface="+mn-cs"/>
         </a:defRPr>
       </a:lvl2pPr>
-      <a:lvl3pPr marL="1143000" indent="-228600" algn="l" defTabSz="914400" rtl="0" eaLnBrk="1" latinLnBrk="0" hangingPunct="1">
-        <a:lnSpc>
-          <a:spcPct val="90000"/>
-        </a:lnSpc>
-        <a:spcBef>
-          <a:spcPts val="500"/>
-        </a:spcBef>
-        <a:buFont typeface="Arial" panose="020B0604020202020204" pitchFamily="34" charset="0"/>
-        <a:buChar char="•"/>
-        <a:defRPr sz="2000" kern="1200">
+      <a:lvl3pPr marL="914400" algn="l" defTabSz="457200" rtl="0" eaLnBrk="1" latinLnBrk="0" hangingPunct="1">
+        <a:defRPr sz="1800" kern="1200">
           <a:solidFill>
             <a:schemeClr val="tx1"/>
           </a:solidFill>
@@ -3109,15 +5800,7 @@
           <a:cs typeface="+mn-cs"/>
         </a:defRPr>
       </a:lvl3pPr>
-      <a:lvl4pPr marL="1600200" indent="-228600" algn="l" defTabSz="914400" rtl="0" eaLnBrk="1" latinLnBrk="0" hangingPunct="1">
-        <a:lnSpc>
-          <a:spcPct val="90000"/>
-        </a:lnSpc>
-        <a:spcBef>
-          <a:spcPts val="500"/>
-        </a:spcBef>
-        <a:buFont typeface="Arial" panose="020B0604020202020204" pitchFamily="34" charset="0"/>
-        <a:buChar char="•"/>
+      <a:lvl4pPr marL="1371600" algn="l" defTabSz="457200" rtl="0" eaLnBrk="1" latinLnBrk="0" hangingPunct="1">
         <a:defRPr sz="1800" kern="1200">
           <a:solidFill>
             <a:schemeClr val="tx1"/>
@@ -3127,15 +5810,7 @@
           <a:cs typeface="+mn-cs"/>
         </a:defRPr>
       </a:lvl4pPr>
-      <a:lvl5pPr marL="2057400" indent="-228600" algn="l" defTabSz="914400" rtl="0" eaLnBrk="1" latinLnBrk="0" hangingPunct="1">
-        <a:lnSpc>
-          <a:spcPct val="90000"/>
-        </a:lnSpc>
-        <a:spcBef>
-          <a:spcPts val="500"/>
-        </a:spcBef>
-        <a:buFont typeface="Arial" panose="020B0604020202020204" pitchFamily="34" charset="0"/>
-        <a:buChar char="•"/>
+      <a:lvl5pPr marL="1828800" algn="l" defTabSz="457200" rtl="0" eaLnBrk="1" latinLnBrk="0" hangingPunct="1">
         <a:defRPr sz="1800" kern="1200">
           <a:solidFill>
             <a:schemeClr val="tx1"/>
@@ -3145,15 +5820,7 @@
           <a:cs typeface="+mn-cs"/>
         </a:defRPr>
       </a:lvl5pPr>
-      <a:lvl6pPr marL="2514600" indent="-228600" algn="l" defTabSz="914400" rtl="0" eaLnBrk="1" latinLnBrk="0" hangingPunct="1">
-        <a:lnSpc>
-          <a:spcPct val="90000"/>
-        </a:lnSpc>
-        <a:spcBef>
-          <a:spcPts val="500"/>
-        </a:spcBef>
-        <a:buFont typeface="Arial" panose="020B0604020202020204" pitchFamily="34" charset="0"/>
-        <a:buChar char="•"/>
+      <a:lvl6pPr marL="2286000" algn="l" defTabSz="457200" rtl="0" eaLnBrk="1" latinLnBrk="0" hangingPunct="1">
         <a:defRPr sz="1800" kern="1200">
           <a:solidFill>
             <a:schemeClr val="tx1"/>
@@ -3163,15 +5830,7 @@
           <a:cs typeface="+mn-cs"/>
         </a:defRPr>
       </a:lvl6pPr>
-      <a:lvl7pPr marL="2971800" indent="-228600" algn="l" defTabSz="914400" rtl="0" eaLnBrk="1" latinLnBrk="0" hangingPunct="1">
-        <a:lnSpc>
-          <a:spcPct val="90000"/>
-        </a:lnSpc>
-        <a:spcBef>
-          <a:spcPts val="500"/>
-        </a:spcBef>
-        <a:buFont typeface="Arial" panose="020B0604020202020204" pitchFamily="34" charset="0"/>
-        <a:buChar char="•"/>
+      <a:lvl7pPr marL="2743200" algn="l" defTabSz="457200" rtl="0" eaLnBrk="1" latinLnBrk="0" hangingPunct="1">
         <a:defRPr sz="1800" kern="1200">
           <a:solidFill>
             <a:schemeClr val="tx1"/>
@@ -3181,15 +5840,7 @@
           <a:cs typeface="+mn-cs"/>
         </a:defRPr>
       </a:lvl7pPr>
-      <a:lvl8pPr marL="3429000" indent="-228600" algn="l" defTabSz="914400" rtl="0" eaLnBrk="1" latinLnBrk="0" hangingPunct="1">
-        <a:lnSpc>
-          <a:spcPct val="90000"/>
-        </a:lnSpc>
-        <a:spcBef>
-          <a:spcPts val="500"/>
-        </a:spcBef>
-        <a:buFont typeface="Arial" panose="020B0604020202020204" pitchFamily="34" charset="0"/>
-        <a:buChar char="•"/>
+      <a:lvl8pPr marL="3200400" algn="l" defTabSz="457200" rtl="0" eaLnBrk="1" latinLnBrk="0" hangingPunct="1">
         <a:defRPr sz="1800" kern="1200">
           <a:solidFill>
             <a:schemeClr val="tx1"/>
@@ -3199,110 +5850,7 @@
           <a:cs typeface="+mn-cs"/>
         </a:defRPr>
       </a:lvl8pPr>
-      <a:lvl9pPr marL="3886200" indent="-228600" algn="l" defTabSz="914400" rtl="0" eaLnBrk="1" latinLnBrk="0" hangingPunct="1">
-        <a:lnSpc>
-          <a:spcPct val="90000"/>
-        </a:lnSpc>
-        <a:spcBef>
-          <a:spcPts val="500"/>
-        </a:spcBef>
-        <a:buFont typeface="Arial" panose="020B0604020202020204" pitchFamily="34" charset="0"/>
-        <a:buChar char="•"/>
-        <a:defRPr sz="1800" kern="1200">
-          <a:solidFill>
-            <a:schemeClr val="tx1"/>
-          </a:solidFill>
-          <a:latin typeface="+mn-lt"/>
-          <a:ea typeface="+mn-ea"/>
-          <a:cs typeface="+mn-cs"/>
-        </a:defRPr>
-      </a:lvl9pPr>
-    </p:bodyStyle>
-    <p:otherStyle>
-      <a:defPPr>
-        <a:defRPr lang="ru-RU"/>
-      </a:defPPr>
-      <a:lvl1pPr marL="0" algn="l" defTabSz="914400" rtl="0" eaLnBrk="1" latinLnBrk="0" hangingPunct="1">
-        <a:defRPr sz="1800" kern="1200">
-          <a:solidFill>
-            <a:schemeClr val="tx1"/>
-          </a:solidFill>
-          <a:latin typeface="+mn-lt"/>
-          <a:ea typeface="+mn-ea"/>
-          <a:cs typeface="+mn-cs"/>
-        </a:defRPr>
-      </a:lvl1pPr>
-      <a:lvl2pPr marL="457200" algn="l" defTabSz="914400" rtl="0" eaLnBrk="1" latinLnBrk="0" hangingPunct="1">
-        <a:defRPr sz="1800" kern="1200">
-          <a:solidFill>
-            <a:schemeClr val="tx1"/>
-          </a:solidFill>
-          <a:latin typeface="+mn-lt"/>
-          <a:ea typeface="+mn-ea"/>
-          <a:cs typeface="+mn-cs"/>
-        </a:defRPr>
-      </a:lvl2pPr>
-      <a:lvl3pPr marL="914400" algn="l" defTabSz="914400" rtl="0" eaLnBrk="1" latinLnBrk="0" hangingPunct="1">
-        <a:defRPr sz="1800" kern="1200">
-          <a:solidFill>
-            <a:schemeClr val="tx1"/>
-          </a:solidFill>
-          <a:latin typeface="+mn-lt"/>
-          <a:ea typeface="+mn-ea"/>
-          <a:cs typeface="+mn-cs"/>
-        </a:defRPr>
-      </a:lvl3pPr>
-      <a:lvl4pPr marL="1371600" algn="l" defTabSz="914400" rtl="0" eaLnBrk="1" latinLnBrk="0" hangingPunct="1">
-        <a:defRPr sz="1800" kern="1200">
-          <a:solidFill>
-            <a:schemeClr val="tx1"/>
-          </a:solidFill>
-          <a:latin typeface="+mn-lt"/>
-          <a:ea typeface="+mn-ea"/>
-          <a:cs typeface="+mn-cs"/>
-        </a:defRPr>
-      </a:lvl4pPr>
-      <a:lvl5pPr marL="1828800" algn="l" defTabSz="914400" rtl="0" eaLnBrk="1" latinLnBrk="0" hangingPunct="1">
-        <a:defRPr sz="1800" kern="1200">
-          <a:solidFill>
-            <a:schemeClr val="tx1"/>
-          </a:solidFill>
-          <a:latin typeface="+mn-lt"/>
-          <a:ea typeface="+mn-ea"/>
-          <a:cs typeface="+mn-cs"/>
-        </a:defRPr>
-      </a:lvl5pPr>
-      <a:lvl6pPr marL="2286000" algn="l" defTabSz="914400" rtl="0" eaLnBrk="1" latinLnBrk="0" hangingPunct="1">
-        <a:defRPr sz="1800" kern="1200">
-          <a:solidFill>
-            <a:schemeClr val="tx1"/>
-          </a:solidFill>
-          <a:latin typeface="+mn-lt"/>
-          <a:ea typeface="+mn-ea"/>
-          <a:cs typeface="+mn-cs"/>
-        </a:defRPr>
-      </a:lvl6pPr>
-      <a:lvl7pPr marL="2743200" algn="l" defTabSz="914400" rtl="0" eaLnBrk="1" latinLnBrk="0" hangingPunct="1">
-        <a:defRPr sz="1800" kern="1200">
-          <a:solidFill>
-            <a:schemeClr val="tx1"/>
-          </a:solidFill>
-          <a:latin typeface="+mn-lt"/>
-          <a:ea typeface="+mn-ea"/>
-          <a:cs typeface="+mn-cs"/>
-        </a:defRPr>
-      </a:lvl7pPr>
-      <a:lvl8pPr marL="3200400" algn="l" defTabSz="914400" rtl="0" eaLnBrk="1" latinLnBrk="0" hangingPunct="1">
-        <a:defRPr sz="1800" kern="1200">
-          <a:solidFill>
-            <a:schemeClr val="tx1"/>
-          </a:solidFill>
-          <a:latin typeface="+mn-lt"/>
-          <a:ea typeface="+mn-ea"/>
-          <a:cs typeface="+mn-cs"/>
-        </a:defRPr>
-      </a:lvl8pPr>
-      <a:lvl9pPr marL="3657600" algn="l" defTabSz="914400" rtl="0" eaLnBrk="1" latinLnBrk="0" hangingPunct="1">
+      <a:lvl9pPr marL="3657600" algn="l" defTabSz="457200" rtl="0" eaLnBrk="1" latinLnBrk="0" hangingPunct="1">
         <a:defRPr sz="1800" kern="1200">
           <a:solidFill>
             <a:schemeClr val="tx1"/>
@@ -3385,7 +5933,7 @@
           <a:p>
             <a:r>
               <a:rPr lang="ru-RU" dirty="0"/>
-              <a:t>Лопуховский Артемий</a:t>
+              <a:t>Проект Лопуховского Артемия</a:t>
             </a:r>
           </a:p>
         </p:txBody>
@@ -3394,6 +5942,221 @@
     <p:extLst>
       <p:ext uri="{BB962C8B-B14F-4D97-AF65-F5344CB8AC3E}">
         <p14:creationId xmlns:p14="http://schemas.microsoft.com/office/powerpoint/2010/main" val="3686252484"/>
+      </p:ext>
+    </p:extLst>
+  </p:cSld>
+  <p:clrMapOvr>
+    <a:masterClrMapping/>
+  </p:clrMapOvr>
+</p:sld>
+</file>
+
+<file path=ppt/slides/slide10.xml><?xml version="1.0" encoding="utf-8"?>
+<p:sld xmlns:a="http://schemas.openxmlformats.org/drawingml/2006/main" xmlns:r="http://schemas.openxmlformats.org/officeDocument/2006/relationships" xmlns:p="http://schemas.openxmlformats.org/presentationml/2006/main">
+  <p:cSld>
+    <p:spTree>
+      <p:nvGrpSpPr>
+        <p:cNvPr id="1" name=""/>
+        <p:cNvGrpSpPr/>
+        <p:nvPr/>
+      </p:nvGrpSpPr>
+      <p:grpSpPr>
+        <a:xfrm>
+          <a:off x="0" y="0"/>
+          <a:ext cx="0" cy="0"/>
+          <a:chOff x="0" y="0"/>
+          <a:chExt cx="0" cy="0"/>
+        </a:xfrm>
+      </p:grpSpPr>
+      <p:sp>
+        <p:nvSpPr>
+          <p:cNvPr id="2" name="Заголовок 1">
+            <a:extLst>
+              <a:ext uri="{FF2B5EF4-FFF2-40B4-BE49-F238E27FC236}">
+                <a16:creationId xmlns:a16="http://schemas.microsoft.com/office/drawing/2014/main" id="{D3088481-3336-479C-A1ED-87F94227E204}"/>
+              </a:ext>
+            </a:extLst>
+          </p:cNvPr>
+          <p:cNvSpPr>
+            <a:spLocks noGrp="1"/>
+          </p:cNvSpPr>
+          <p:nvPr>
+            <p:ph type="title"/>
+          </p:nvPr>
+        </p:nvSpPr>
+        <p:spPr/>
+        <p:txBody>
+          <a:bodyPr/>
+          <a:lstStyle/>
+          <a:p>
+            <a:r>
+              <a:rPr lang="ru-RU" dirty="0"/>
+              <a:t>Дальнейшее развитее</a:t>
+            </a:r>
+          </a:p>
+        </p:txBody>
+      </p:sp>
+      <p:sp>
+        <p:nvSpPr>
+          <p:cNvPr id="3" name="Объект 2">
+            <a:extLst>
+              <a:ext uri="{FF2B5EF4-FFF2-40B4-BE49-F238E27FC236}">
+                <a16:creationId xmlns:a16="http://schemas.microsoft.com/office/drawing/2014/main" id="{4313CB28-75B7-47A2-A28D-081A4906E793}"/>
+              </a:ext>
+            </a:extLst>
+          </p:cNvPr>
+          <p:cNvSpPr>
+            <a:spLocks noGrp="1"/>
+          </p:cNvSpPr>
+          <p:nvPr>
+            <p:ph idx="1"/>
+          </p:nvPr>
+        </p:nvSpPr>
+        <p:spPr/>
+        <p:txBody>
+          <a:bodyPr>
+            <a:normAutofit fontScale="92500" lnSpcReduction="10000"/>
+          </a:bodyPr>
+          <a:lstStyle/>
+          <a:p>
+            <a:pPr algn="just"/>
+            <a:r>
+              <a:rPr lang="ru-RU" dirty="0"/>
+              <a:t>Мультиязычный интерфейс</a:t>
+            </a:r>
+          </a:p>
+          <a:p>
+            <a:pPr algn="just"/>
+            <a:r>
+              <a:rPr lang="ru-RU" dirty="0"/>
+              <a:t>Работа над визуальной составляющей</a:t>
+            </a:r>
+            <a:endParaRPr lang="en-US" dirty="0"/>
+          </a:p>
+          <a:p>
+            <a:pPr algn="just"/>
+            <a:r>
+              <a:rPr lang="ru-RU" dirty="0"/>
+              <a:t>Возможность импорта расписания и списка первоклассников из </a:t>
+            </a:r>
+            <a:r>
+              <a:rPr lang="en-US" dirty="0"/>
+              <a:t>Ex</a:t>
+            </a:r>
+            <a:r>
+              <a:rPr lang="ru-RU" dirty="0"/>
+              <a:t>с</a:t>
+            </a:r>
+            <a:r>
+              <a:rPr lang="en-US" dirty="0" err="1"/>
+              <a:t>el</a:t>
+            </a:r>
+            <a:r>
+              <a:rPr lang="ru-RU" dirty="0"/>
+              <a:t>.</a:t>
+            </a:r>
+          </a:p>
+          <a:p>
+            <a:pPr algn="just"/>
+            <a:r>
+              <a:rPr lang="ru-RU" dirty="0"/>
+              <a:t>Создание более удобного интерфейса, в том числе для администратора (сортировка, фильтрация</a:t>
+            </a:r>
+            <a:r>
+              <a:rPr lang="en-US" dirty="0"/>
+              <a:t>, </a:t>
+            </a:r>
+            <a:r>
+              <a:rPr lang="ru-RU" dirty="0"/>
+              <a:t>копирование)</a:t>
+            </a:r>
+          </a:p>
+          <a:p>
+            <a:pPr algn="just"/>
+            <a:r>
+              <a:rPr lang="ru-RU" dirty="0"/>
+              <a:t>Возможность блокирования родителями у своих детей механизма обмена очков на оценки по своему усмотрению</a:t>
+            </a:r>
+          </a:p>
+          <a:p>
+            <a:pPr algn="just"/>
+            <a:r>
+              <a:rPr lang="ru-RU" dirty="0"/>
+              <a:t>Добавление чата между учениками, родителями и учителями.</a:t>
+            </a:r>
+          </a:p>
+        </p:txBody>
+      </p:sp>
+    </p:spTree>
+    <p:extLst>
+      <p:ext uri="{BB962C8B-B14F-4D97-AF65-F5344CB8AC3E}">
+        <p14:creationId xmlns:p14="http://schemas.microsoft.com/office/powerpoint/2010/main" val="3424754664"/>
+      </p:ext>
+    </p:extLst>
+  </p:cSld>
+  <p:clrMapOvr>
+    <a:masterClrMapping/>
+  </p:clrMapOvr>
+</p:sld>
+</file>
+
+<file path=ppt/slides/slide11.xml><?xml version="1.0" encoding="utf-8"?>
+<p:sld xmlns:a="http://schemas.openxmlformats.org/drawingml/2006/main" xmlns:r="http://schemas.openxmlformats.org/officeDocument/2006/relationships" xmlns:p="http://schemas.openxmlformats.org/presentationml/2006/main">
+  <p:cSld>
+    <p:spTree>
+      <p:nvGrpSpPr>
+        <p:cNvPr id="1" name=""/>
+        <p:cNvGrpSpPr/>
+        <p:nvPr/>
+      </p:nvGrpSpPr>
+      <p:grpSpPr>
+        <a:xfrm>
+          <a:off x="0" y="0"/>
+          <a:ext cx="0" cy="0"/>
+          <a:chOff x="0" y="0"/>
+          <a:chExt cx="0" cy="0"/>
+        </a:xfrm>
+      </p:grpSpPr>
+      <p:sp>
+        <p:nvSpPr>
+          <p:cNvPr id="13" name="Заголовок 12">
+            <a:extLst>
+              <a:ext uri="{FF2B5EF4-FFF2-40B4-BE49-F238E27FC236}">
+                <a16:creationId xmlns:a16="http://schemas.microsoft.com/office/drawing/2014/main" id="{9030F37C-5622-4EDC-A51A-00D16F597DAD}"/>
+              </a:ext>
+            </a:extLst>
+          </p:cNvPr>
+          <p:cNvSpPr>
+            <a:spLocks noGrp="1"/>
+          </p:cNvSpPr>
+          <p:nvPr>
+            <p:ph type="title"/>
+          </p:nvPr>
+        </p:nvSpPr>
+        <p:spPr>
+          <a:xfrm>
+            <a:off x="838200" y="365125"/>
+            <a:ext cx="10515600" cy="5849063"/>
+          </a:xfrm>
+        </p:spPr>
+        <p:txBody>
+          <a:bodyPr>
+            <a:normAutofit/>
+          </a:bodyPr>
+          <a:lstStyle/>
+          <a:p>
+            <a:pPr algn="ctr"/>
+            <a:r>
+              <a:rPr lang="ru-RU" sz="8000" dirty="0"/>
+              <a:t>Спасибо за внимание!</a:t>
+            </a:r>
+          </a:p>
+        </p:txBody>
+      </p:sp>
+    </p:spTree>
+    <p:extLst>
+      <p:ext uri="{BB962C8B-B14F-4D97-AF65-F5344CB8AC3E}">
+        <p14:creationId xmlns:p14="http://schemas.microsoft.com/office/powerpoint/2010/main" val="3581252404"/>
       </p:ext>
     </p:extLst>
   </p:cSld>
@@ -3466,12 +6229,76 @@
         </p:nvSpPr>
         <p:spPr/>
         <p:txBody>
-          <a:bodyPr/>
-          <a:lstStyle/>
-          <a:p>
+          <a:bodyPr>
+            <a:normAutofit lnSpcReduction="10000"/>
+          </a:bodyPr>
+          <a:lstStyle/>
+          <a:p>
+            <a:pPr algn="just"/>
             <a:r>
               <a:rPr lang="ru-RU" dirty="0"/>
-              <a:t>Сделать школьный дневник с поддержкой накопления баллов и получения достижений.</a:t>
+              <a:t>Создать школьный дневник с поддержкой накопления баллов и получения достижений.</a:t>
+            </a:r>
+            <a:endParaRPr lang="en-US" dirty="0"/>
+          </a:p>
+          <a:p>
+            <a:pPr algn="just"/>
+            <a:r>
+              <a:rPr lang="ru-RU" dirty="0"/>
+              <a:t>Задачи:</a:t>
+            </a:r>
+          </a:p>
+          <a:p>
+            <a:pPr lvl="1" algn="just"/>
+            <a:r>
+              <a:rPr lang="ru-RU" dirty="0"/>
+              <a:t>Сформировать базу данных</a:t>
+            </a:r>
+          </a:p>
+          <a:p>
+            <a:pPr lvl="1" algn="just"/>
+            <a:r>
+              <a:rPr lang="ru-RU" dirty="0"/>
+              <a:t>Продумать пользовательский интерфейс</a:t>
+            </a:r>
+          </a:p>
+          <a:p>
+            <a:pPr lvl="1" algn="just"/>
+            <a:r>
+              <a:rPr lang="ru-RU" dirty="0"/>
+              <a:t>Запрограммировать функцию для каждого </a:t>
+            </a:r>
+            <a:r>
+              <a:rPr lang="en-US" dirty="0"/>
+              <a:t>url</a:t>
+            </a:r>
+            <a:r>
+              <a:rPr lang="ru-RU" dirty="0"/>
+              <a:t>-адреса</a:t>
+            </a:r>
+            <a:endParaRPr lang="en-US" dirty="0"/>
+          </a:p>
+          <a:p>
+            <a:pPr lvl="1" algn="just"/>
+            <a:r>
+              <a:rPr lang="ru-RU" dirty="0"/>
+              <a:t>Сверстать </a:t>
+            </a:r>
+            <a:r>
+              <a:rPr lang="en-US" dirty="0"/>
+              <a:t>html</a:t>
+            </a:r>
+            <a:r>
+              <a:rPr lang="ru-RU" dirty="0"/>
+              <a:t>-страницы</a:t>
+            </a:r>
+            <a:endParaRPr lang="en-US" dirty="0"/>
+          </a:p>
+          <a:p>
+            <a:pPr lvl="1" algn="just"/>
+            <a:r>
+              <a:rPr lang="ru-RU" dirty="0"/>
+              <a:t>Развернуть свой сайт в облаке</a:t>
             </a:r>
           </a:p>
         </p:txBody>
@@ -3552,7 +6379,9 @@
         </p:nvSpPr>
         <p:spPr/>
         <p:txBody>
-          <a:bodyPr/>
+          <a:bodyPr>
+            <a:normAutofit fontScale="92500" lnSpcReduction="20000"/>
+          </a:bodyPr>
           <a:lstStyle/>
           <a:p>
             <a:r>
@@ -3595,24 +6424,21 @@
           </a:p>
           <a:p>
             <a:r>
-              <a:rPr lang="en-US" dirty="0" err="1"/>
+              <a:rPr lang="en-US" dirty="0"/>
               <a:t>Sqlalchemy</a:t>
             </a:r>
-            <a:endParaRPr lang="en-US" dirty="0"/>
-          </a:p>
-          <a:p>
-            <a:r>
-              <a:rPr lang="en-US" dirty="0" err="1"/>
+          </a:p>
+          <a:p>
+            <a:r>
+              <a:rPr lang="en-US" dirty="0"/>
               <a:t>WTForms</a:t>
             </a:r>
-            <a:endParaRPr lang="en-US" dirty="0"/>
-          </a:p>
-          <a:p>
-            <a:r>
-              <a:rPr lang="en-US" dirty="0" err="1"/>
+          </a:p>
+          <a:p>
+            <a:r>
+              <a:rPr lang="en-US" dirty="0"/>
               <a:t>Werkzeug</a:t>
             </a:r>
-            <a:endParaRPr lang="en-US" dirty="0"/>
           </a:p>
           <a:p>
             <a:endParaRPr lang="en-US" dirty="0"/>
@@ -3704,21 +6530,18 @@
         <p:spPr/>
         <p:txBody>
           <a:bodyPr>
-            <a:normAutofit fontScale="92500"/>
+            <a:normAutofit fontScale="85000" lnSpcReduction="10000"/>
           </a:bodyPr>
           <a:lstStyle/>
           <a:p>
+            <a:pPr algn="just"/>
             <a:r>
               <a:rPr lang="ru-RU" dirty="0"/>
               <a:t>База данных </a:t>
             </a:r>
             <a:r>
-              <a:rPr lang="en-US" dirty="0" err="1"/>
-              <a:t>orm</a:t>
-            </a:r>
-            <a:r>
               <a:rPr lang="en-US" dirty="0"/>
-              <a:t> (</a:t>
+              <a:t>ORM (</a:t>
             </a:r>
             <a:r>
               <a:rPr lang="ru-RU" dirty="0"/>
@@ -3728,50 +6551,60 @@
               <a:rPr lang="en-US" dirty="0"/>
               <a:t>)</a:t>
             </a:r>
-            <a:endParaRPr lang="ru-RU" dirty="0"/>
-          </a:p>
-          <a:p>
+            <a:r>
+              <a:rPr lang="ru-RU" dirty="0"/>
+              <a:t>.</a:t>
+            </a:r>
+          </a:p>
+          <a:p>
+            <a:pPr algn="just"/>
             <a:r>
               <a:rPr lang="ru-RU" dirty="0"/>
               <a:t>Для её создания используется </a:t>
             </a:r>
             <a:r>
+              <a:rPr lang="en-US" dirty="0"/>
+              <a:t>sqlalchemy </a:t>
+            </a:r>
+            <a:r>
+              <a:rPr lang="ru-RU" dirty="0"/>
+              <a:t>и надстройка </a:t>
+            </a:r>
+            <a:r>
+              <a:rPr lang="en-US" dirty="0"/>
+              <a:t>flask-</a:t>
+            </a:r>
+            <a:r>
               <a:rPr lang="en-US" dirty="0" err="1"/>
               <a:t>sqlalchemy</a:t>
             </a:r>
             <a:r>
-              <a:rPr lang="en-US" dirty="0"/>
-              <a:t> </a:t>
-            </a:r>
-            <a:r>
               <a:rPr lang="ru-RU" dirty="0"/>
-              <a:t>и надстройка </a:t>
-            </a:r>
-            <a:r>
-              <a:rPr lang="en-US" dirty="0"/>
-              <a:t>flask-</a:t>
-            </a:r>
-            <a:r>
-              <a:rPr lang="en-US" dirty="0" err="1"/>
-              <a:t>sqlalchemy</a:t>
+              <a:t>.</a:t>
             </a:r>
             <a:endParaRPr lang="en-US" dirty="0"/>
           </a:p>
           <a:p>
+            <a:pPr algn="just"/>
             <a:r>
               <a:rPr lang="ru-RU" dirty="0"/>
               <a:t>Все модели наследуются от </a:t>
             </a:r>
             <a:r>
-              <a:rPr lang="en-US" dirty="0" err="1"/>
+              <a:rPr lang="en-US" dirty="0"/>
               <a:t>db.Model</a:t>
             </a:r>
+            <a:r>
+              <a:rPr lang="ru-RU" dirty="0"/>
+              <a:t>.</a:t>
+            </a:r>
             <a:endParaRPr lang="en-US" dirty="0"/>
           </a:p>
           <a:p>
+            <a:pPr algn="just"/>
             <a:r>
               <a:rPr lang="ru-RU" dirty="0"/>
-              <a:t>Существует несколько таблиц для людей – </a:t>
+              <a:t>Существуют несколько таблиц для людей: </a:t>
             </a:r>
             <a:r>
               <a:rPr lang="en-US" dirty="0"/>
@@ -3779,7 +6612,7 @@
             </a:r>
             <a:r>
               <a:rPr lang="ru-RU" dirty="0"/>
-              <a:t>но все они содержит ссылку на общую таблицу </a:t>
+              <a:t>но все они содержит ссылку на общую таблицу – </a:t>
             </a:r>
             <a:r>
               <a:rPr lang="en-US" dirty="0"/>
@@ -3787,22 +6620,24 @@
             </a:r>
             <a:r>
               <a:rPr lang="ru-RU" dirty="0"/>
-              <a:t>в которой хранят основные данные (имя, фамилию, пароль)</a:t>
-            </a:r>
-          </a:p>
-          <a:p>
+              <a:t>в которой хранят основные данные (имя, фамилию, пароль).</a:t>
+            </a:r>
+          </a:p>
+          <a:p>
+            <a:pPr algn="just"/>
             <a:r>
               <a:rPr lang="ru-RU" dirty="0"/>
-              <a:t>Для создания БД использовался механизм миграций</a:t>
-            </a:r>
-          </a:p>
-          <a:p>
+              <a:t>Для создания БД использовался механизм миграций.</a:t>
+            </a:r>
+          </a:p>
+          <a:p>
+            <a:pPr algn="just"/>
             <a:r>
               <a:rPr lang="ru-RU" dirty="0"/>
               <a:t>Для записи используется метод </a:t>
             </a:r>
             <a:r>
-              <a:rPr lang="en-US" dirty="0" err="1"/>
+              <a:rPr lang="en-US" dirty="0"/>
               <a:t>db.session.add</a:t>
             </a:r>
             <a:r>
@@ -3810,7 +6645,7 @@
               <a:t>, а получать записи можно с помощью метода </a:t>
             </a:r>
             <a:r>
-              <a:rPr lang="en-US" dirty="0" err="1"/>
+              <a:rPr lang="en-US" dirty="0"/>
               <a:t>Model.query.filter</a:t>
             </a:r>
             <a:r>
@@ -3837,7 +6672,10 @@
               <a:rPr lang="en-US" dirty="0"/>
               <a:t>)</a:t>
             </a:r>
-            <a:endParaRPr lang="ru-RU" dirty="0"/>
+            <a:r>
+              <a:rPr lang="ru-RU" dirty="0"/>
+              <a:t>.</a:t>
+            </a:r>
           </a:p>
         </p:txBody>
       </p:sp>
@@ -3920,24 +6758,18 @@
           <a:bodyPr/>
           <a:lstStyle/>
           <a:p>
+            <a:pPr algn="just"/>
             <a:r>
               <a:rPr lang="ru-RU" dirty="0"/>
-              <a:t>При входе в аккаунт с правами администратора можно получить доступ к панели администратора по адресу </a:t>
+              <a:t>При входе в аккаунт с правами администратора становится доступна страница по адресу </a:t>
             </a:r>
             <a:r>
               <a:rPr lang="en-US" dirty="0"/>
-              <a:t>“/</a:t>
-            </a:r>
-            <a:r>
-              <a:rPr lang="en-US" dirty="0" err="1"/>
-              <a:t>admin_panel</a:t>
-            </a:r>
-            <a:r>
-              <a:rPr lang="en-US" dirty="0"/>
-              <a:t>”</a:t>
-            </a:r>
-          </a:p>
-          <a:p>
+              <a:t>“/admin_panel”</a:t>
+            </a:r>
+          </a:p>
+          <a:p>
+            <a:pPr algn="just"/>
             <a:r>
               <a:rPr lang="ru-RU" dirty="0"/>
               <a:t>Панель создана вручную при помощи форм начинающихся на </a:t>
@@ -3948,11 +6780,15 @@
             </a:r>
             <a:r>
               <a:rPr lang="ru-RU" dirty="0"/>
-              <a:t>все обработчики </a:t>
-            </a:r>
-            <a:r>
-              <a:rPr lang="en-US" dirty="0" err="1"/>
+              <a:t>все функции-обработчики </a:t>
+            </a:r>
+            <a:r>
+              <a:rPr lang="en-US" dirty="0"/>
               <a:t>url</a:t>
+            </a:r>
+            <a:r>
+              <a:rPr lang="ru-RU" dirty="0"/>
+              <a:t>-адресов</a:t>
             </a:r>
             <a:r>
               <a:rPr lang="en-US" dirty="0"/>
@@ -3967,6 +6803,13 @@
               <a:t>admin_panel.py</a:t>
             </a:r>
             <a:endParaRPr lang="ru-RU" dirty="0"/>
+          </a:p>
+          <a:p>
+            <a:pPr algn="just"/>
+            <a:r>
+              <a:rPr lang="ru-RU" dirty="0"/>
+              <a:t>В панели администратор может создавать, изменять и удалять данные учеников, родителей, учителей, а также уроки, классы, школы, учебники, кабинеты, оценки и предметы.</a:t>
+            </a:r>
           </a:p>
         </p:txBody>
       </p:sp>
@@ -4005,7 +6848,7 @@
           <p:cNvPr id="2" name="Заголовок 1">
             <a:extLst>
               <a:ext uri="{FF2B5EF4-FFF2-40B4-BE49-F238E27FC236}">
-                <a16:creationId xmlns:a16="http://schemas.microsoft.com/office/drawing/2014/main" id="{8CFC019C-E09D-4506-9732-C60EF12351D9}"/>
+                <a16:creationId xmlns:a16="http://schemas.microsoft.com/office/drawing/2014/main" id="{1757DA70-2AEB-49A5-8180-AFBB25F6D8A7}"/>
               </a:ext>
             </a:extLst>
           </p:cNvPr>
@@ -4023,7 +6866,7 @@
           <a:p>
             <a:r>
               <a:rPr lang="ru-RU" dirty="0"/>
-              <a:t>Ученик</a:t>
+              <a:t>Вход на сайт</a:t>
             </a:r>
           </a:p>
         </p:txBody>
@@ -4033,7 +6876,7 @@
           <p:cNvPr id="3" name="Объект 2">
             <a:extLst>
               <a:ext uri="{FF2B5EF4-FFF2-40B4-BE49-F238E27FC236}">
-                <a16:creationId xmlns:a16="http://schemas.microsoft.com/office/drawing/2014/main" id="{66D18E19-B581-45A1-964C-FEE2CACA3B53}"/>
+                <a16:creationId xmlns:a16="http://schemas.microsoft.com/office/drawing/2014/main" id="{D7C1296E-4BBF-47C7-A753-98BB792FCC04}"/>
               </a:ext>
             </a:extLst>
           </p:cNvPr>
@@ -4049,53 +6892,25 @@
           <a:bodyPr/>
           <a:lstStyle/>
           <a:p>
+            <a:pPr algn="just"/>
             <a:r>
               <a:rPr lang="ru-RU" dirty="0"/>
-              <a:t>Ученик может просматривать своё расписание</a:t>
-            </a:r>
-          </a:p>
-          <a:p>
-            <a:r>
-              <a:rPr lang="ru-RU"/>
-              <a:t>Он может </a:t>
+              <a:t>Для входа на сайт администратор должен выдать ученикам, родителям, и учителям их логины (</a:t>
+            </a:r>
+            <a:r>
+              <a:rPr lang="en-US" dirty="0"/>
+              <a:t>id </a:t>
             </a:r>
             <a:r>
               <a:rPr lang="ru-RU" dirty="0"/>
-              <a:t>получать </a:t>
-            </a:r>
-            <a:r>
-              <a:rPr lang="ru-RU" dirty="0" err="1"/>
-              <a:t>ачивки</a:t>
-            </a:r>
+              <a:t>в БД) и пароли.</a:t>
+            </a:r>
+          </a:p>
+          <a:p>
+            <a:pPr algn="just"/>
             <a:r>
               <a:rPr lang="ru-RU" dirty="0"/>
-              <a:t> и очки за оценки</a:t>
-            </a:r>
-          </a:p>
-          <a:p>
-            <a:r>
-              <a:rPr lang="ru-RU" dirty="0"/>
-              <a:t>В профиле он может поменять очки на оценки (пятёрки).</a:t>
-            </a:r>
-          </a:p>
-          <a:p>
-            <a:r>
-              <a:rPr lang="ru-RU" dirty="0"/>
-              <a:t>Также есть возможность скачать онлайн учебники из базы данных по различным предметам</a:t>
-            </a:r>
-          </a:p>
-          <a:p>
-            <a:r>
-              <a:rPr lang="ru-RU" dirty="0"/>
-              <a:t>Ученик может просматривать свои оценки, среднюю оценку и свои </a:t>
-            </a:r>
-            <a:r>
-              <a:rPr lang="ru-RU" dirty="0" err="1"/>
-              <a:t>ачивки</a:t>
-            </a:r>
-            <a:r>
-              <a:rPr lang="ru-RU" dirty="0"/>
-              <a:t>.</a:t>
+              <a:t>Возможность самостоятельной регистрации на данный момент отсутствует, но в будущем можно добавить механизм подачи заявок.</a:t>
             </a:r>
           </a:p>
         </p:txBody>
@@ -4103,7 +6918,7 @@
     </p:spTree>
     <p:extLst>
       <p:ext uri="{BB962C8B-B14F-4D97-AF65-F5344CB8AC3E}">
-        <p14:creationId xmlns:p14="http://schemas.microsoft.com/office/powerpoint/2010/main" val="2293425483"/>
+        <p14:creationId xmlns:p14="http://schemas.microsoft.com/office/powerpoint/2010/main" val="3422473621"/>
       </p:ext>
     </p:extLst>
   </p:cSld>
@@ -4135,7 +6950,7 @@
           <p:cNvPr id="2" name="Заголовок 1">
             <a:extLst>
               <a:ext uri="{FF2B5EF4-FFF2-40B4-BE49-F238E27FC236}">
-                <a16:creationId xmlns:a16="http://schemas.microsoft.com/office/drawing/2014/main" id="{7AD1C575-1093-4478-AA8C-EBF01E640891}"/>
+                <a16:creationId xmlns:a16="http://schemas.microsoft.com/office/drawing/2014/main" id="{8CFC019C-E09D-4506-9732-C60EF12351D9}"/>
               </a:ext>
             </a:extLst>
           </p:cNvPr>
@@ -4153,7 +6968,7 @@
           <a:p>
             <a:r>
               <a:rPr lang="ru-RU" dirty="0"/>
-              <a:t>Учитель</a:t>
+              <a:t>Ученик</a:t>
             </a:r>
           </a:p>
         </p:txBody>
@@ -4163,7 +6978,7 @@
           <p:cNvPr id="3" name="Объект 2">
             <a:extLst>
               <a:ext uri="{FF2B5EF4-FFF2-40B4-BE49-F238E27FC236}">
-                <a16:creationId xmlns:a16="http://schemas.microsoft.com/office/drawing/2014/main" id="{9374DD88-A9FD-4A52-A4D1-84B07F78468C}"/>
+                <a16:creationId xmlns:a16="http://schemas.microsoft.com/office/drawing/2014/main" id="{66D18E19-B581-45A1-964C-FEE2CACA3B53}"/>
               </a:ext>
             </a:extLst>
           </p:cNvPr>
@@ -4179,21 +6994,38 @@
           <a:bodyPr/>
           <a:lstStyle/>
           <a:p>
+            <a:pPr algn="just"/>
             <a:r>
               <a:rPr lang="ru-RU" dirty="0"/>
-              <a:t>Учитель, как и ученик может просматривать своё расписание.</a:t>
-            </a:r>
-          </a:p>
-          <a:p>
+              <a:t>Ученик может следить за своим расписанием в реальном времени</a:t>
+            </a:r>
+          </a:p>
+          <a:p>
+            <a:pPr algn="just"/>
             <a:r>
               <a:rPr lang="ru-RU" dirty="0"/>
-              <a:t>Выбрав урок в расписании он может написать домашнее задание, отметить отсутствующих</a:t>
-            </a:r>
-          </a:p>
-          <a:p>
+              <a:t>Он может получать очки и награждения за оценки</a:t>
+            </a:r>
+          </a:p>
+          <a:p>
+            <a:pPr algn="just"/>
             <a:r>
               <a:rPr lang="ru-RU" dirty="0"/>
-              <a:t>Он может выбрать любого ученика из урока и поставить ему оценку.</a:t>
+              <a:t>В профиле он может поменять очки на оценки (пятёрки).</a:t>
+            </a:r>
+          </a:p>
+          <a:p>
+            <a:pPr algn="just"/>
+            <a:r>
+              <a:rPr lang="ru-RU" dirty="0"/>
+              <a:t>Имеется возможность скачать онлайн учебники из базы данных по различным предметам</a:t>
+            </a:r>
+          </a:p>
+          <a:p>
+            <a:pPr algn="just"/>
+            <a:r>
+              <a:rPr lang="ru-RU" dirty="0"/>
+              <a:t>Ученик может просматривать свои оценки, среднюю балл и награждения.</a:t>
             </a:r>
           </a:p>
         </p:txBody>
@@ -4201,7 +7033,7 @@
     </p:spTree>
     <p:extLst>
       <p:ext uri="{BB962C8B-B14F-4D97-AF65-F5344CB8AC3E}">
-        <p14:creationId xmlns:p14="http://schemas.microsoft.com/office/powerpoint/2010/main" val="2587537203"/>
+        <p14:creationId xmlns:p14="http://schemas.microsoft.com/office/powerpoint/2010/main" val="2293425483"/>
       </p:ext>
     </p:extLst>
   </p:cSld>
@@ -4233,7 +7065,7 @@
           <p:cNvPr id="2" name="Заголовок 1">
             <a:extLst>
               <a:ext uri="{FF2B5EF4-FFF2-40B4-BE49-F238E27FC236}">
-                <a16:creationId xmlns:a16="http://schemas.microsoft.com/office/drawing/2014/main" id="{D3088481-3336-479C-A1ED-87F94227E204}"/>
+                <a16:creationId xmlns:a16="http://schemas.microsoft.com/office/drawing/2014/main" id="{C8E6F72E-03D9-498D-9687-EAD0369F89FA}"/>
               </a:ext>
             </a:extLst>
           </p:cNvPr>
@@ -4251,7 +7083,7 @@
           <a:p>
             <a:r>
               <a:rPr lang="ru-RU" dirty="0"/>
-              <a:t>Дальнейшее развитее</a:t>
+              <a:t>Родитель</a:t>
             </a:r>
           </a:p>
         </p:txBody>
@@ -4261,7 +7093,7 @@
           <p:cNvPr id="3" name="Объект 2">
             <a:extLst>
               <a:ext uri="{FF2B5EF4-FFF2-40B4-BE49-F238E27FC236}">
-                <a16:creationId xmlns:a16="http://schemas.microsoft.com/office/drawing/2014/main" id="{4313CB28-75B7-47A2-A28D-081A4906E793}"/>
+                <a16:creationId xmlns:a16="http://schemas.microsoft.com/office/drawing/2014/main" id="{593F9FC6-11DA-490F-B337-0A85ADE35334}"/>
               </a:ext>
             </a:extLst>
           </p:cNvPr>
@@ -4277,58 +7109,10 @@
           <a:bodyPr/>
           <a:lstStyle/>
           <a:p>
+            <a:pPr algn="just"/>
             <a:r>
               <a:rPr lang="ru-RU" dirty="0"/>
-              <a:t>Мультиязычный интерфейс</a:t>
-            </a:r>
-          </a:p>
-          <a:p>
-            <a:r>
-              <a:rPr lang="ru-RU" dirty="0"/>
-              <a:t>Работа над визуальной составляющей</a:t>
-            </a:r>
-            <a:endParaRPr lang="en-US" dirty="0"/>
-          </a:p>
-          <a:p>
-            <a:r>
-              <a:rPr lang="ru-RU" dirty="0"/>
-              <a:t>Возможность импорта расписания и списка первоклассников из </a:t>
-            </a:r>
-            <a:r>
-              <a:rPr lang="en-US" dirty="0"/>
-              <a:t>Ex</a:t>
-            </a:r>
-            <a:r>
-              <a:rPr lang="ru-RU" dirty="0"/>
-              <a:t>с</a:t>
-            </a:r>
-            <a:r>
-              <a:rPr lang="en-US" dirty="0" err="1"/>
-              <a:t>el</a:t>
-            </a:r>
-            <a:r>
-              <a:rPr lang="ru-RU" dirty="0"/>
-              <a:t>.</a:t>
-            </a:r>
-          </a:p>
-          <a:p>
-            <a:r>
-              <a:rPr lang="ru-RU" dirty="0"/>
-              <a:t>Создание более удобного интерфейса, в том числе для администратора (сортировка, фильтрация</a:t>
-            </a:r>
-            <a:r>
-              <a:rPr lang="en-US" dirty="0"/>
-              <a:t>, </a:t>
-            </a:r>
-            <a:r>
-              <a:rPr lang="ru-RU" dirty="0"/>
-              <a:t>копирование)</a:t>
-            </a:r>
-          </a:p>
-          <a:p>
-            <a:r>
-              <a:rPr lang="ru-RU" dirty="0"/>
-              <a:t>Возможность блокирования родителями у своих детей механизм обмена очков на оценки по своему усмотрению</a:t>
+              <a:t>В настоящее время родитель может только заходить на сайт и просматривать свой профиль, но в будущем планируется расширить функционал.</a:t>
             </a:r>
           </a:p>
         </p:txBody>
@@ -4336,7 +7120,7 @@
     </p:spTree>
     <p:extLst>
       <p:ext uri="{BB962C8B-B14F-4D97-AF65-F5344CB8AC3E}">
-        <p14:creationId xmlns:p14="http://schemas.microsoft.com/office/powerpoint/2010/main" val="3424754664"/>
+        <p14:creationId xmlns:p14="http://schemas.microsoft.com/office/powerpoint/2010/main" val="800439767"/>
       </p:ext>
     </p:extLst>
   </p:cSld>
@@ -4365,10 +7149,10 @@
       </p:grpSpPr>
       <p:sp>
         <p:nvSpPr>
-          <p:cNvPr id="13" name="Заголовок 12">
+          <p:cNvPr id="2" name="Заголовок 1">
             <a:extLst>
               <a:ext uri="{FF2B5EF4-FFF2-40B4-BE49-F238E27FC236}">
-                <a16:creationId xmlns:a16="http://schemas.microsoft.com/office/drawing/2014/main" id="{9030F37C-5622-4EDC-A51A-00D16F597DAD}"/>
+                <a16:creationId xmlns:a16="http://schemas.microsoft.com/office/drawing/2014/main" id="{7AD1C575-1093-4478-AA8C-EBF01E640891}"/>
               </a:ext>
             </a:extLst>
           </p:cNvPr>
@@ -4379,22 +7163,57 @@
             <p:ph type="title"/>
           </p:nvPr>
         </p:nvSpPr>
-        <p:spPr>
-          <a:xfrm>
-            <a:off x="838200" y="365125"/>
-            <a:ext cx="10515600" cy="5849063"/>
-          </a:xfrm>
-        </p:spPr>
-        <p:txBody>
-          <a:bodyPr>
-            <a:normAutofit/>
-          </a:bodyPr>
-          <a:lstStyle/>
-          <a:p>
-            <a:pPr algn="ctr"/>
-            <a:r>
-              <a:rPr lang="ru-RU" sz="8000" dirty="0"/>
-              <a:t>Спасибо за внимание!</a:t>
+        <p:spPr/>
+        <p:txBody>
+          <a:bodyPr/>
+          <a:lstStyle/>
+          <a:p>
+            <a:r>
+              <a:rPr lang="ru-RU" dirty="0"/>
+              <a:t>Учитель</a:t>
+            </a:r>
+          </a:p>
+        </p:txBody>
+      </p:sp>
+      <p:sp>
+        <p:nvSpPr>
+          <p:cNvPr id="3" name="Объект 2">
+            <a:extLst>
+              <a:ext uri="{FF2B5EF4-FFF2-40B4-BE49-F238E27FC236}">
+                <a16:creationId xmlns:a16="http://schemas.microsoft.com/office/drawing/2014/main" id="{9374DD88-A9FD-4A52-A4D1-84B07F78468C}"/>
+              </a:ext>
+            </a:extLst>
+          </p:cNvPr>
+          <p:cNvSpPr>
+            <a:spLocks noGrp="1"/>
+          </p:cNvSpPr>
+          <p:nvPr>
+            <p:ph idx="1"/>
+          </p:nvPr>
+        </p:nvSpPr>
+        <p:spPr/>
+        <p:txBody>
+          <a:bodyPr/>
+          <a:lstStyle/>
+          <a:p>
+            <a:pPr algn="just"/>
+            <a:r>
+              <a:rPr lang="ru-RU" dirty="0"/>
+              <a:t>Учитель, как и ученик, может просматривать своё расписание.</a:t>
+            </a:r>
+          </a:p>
+          <a:p>
+            <a:pPr algn="just"/>
+            <a:r>
+              <a:rPr lang="ru-RU" dirty="0"/>
+              <a:t>Выбрав урок в расписании, он может написать к нему домашнее задание, отметить отсутствующих.</a:t>
+            </a:r>
+          </a:p>
+          <a:p>
+            <a:pPr algn="just"/>
+            <a:r>
+              <a:rPr lang="ru-RU" dirty="0"/>
+              <a:t>Он может выбрать любого ученика из списка и поставить оценку.</a:t>
             </a:r>
           </a:p>
         </p:txBody>
@@ -4402,7 +7221,7 @@
     </p:spTree>
     <p:extLst>
       <p:ext uri="{BB962C8B-B14F-4D97-AF65-F5344CB8AC3E}">
-        <p14:creationId xmlns:p14="http://schemas.microsoft.com/office/powerpoint/2010/main" val="3581252404"/>
+        <p14:creationId xmlns:p14="http://schemas.microsoft.com/office/powerpoint/2010/main" val="2587537203"/>
       </p:ext>
     </p:extLst>
   </p:cSld>
@@ -4413,9 +7232,9 @@
 </file>
 
 <file path=ppt/theme/theme1.xml><?xml version="1.0" encoding="utf-8"?>
-<a:theme xmlns:a="http://schemas.openxmlformats.org/drawingml/2006/main" name="Тема Office">
+<a:theme xmlns:a="http://schemas.openxmlformats.org/drawingml/2006/main" name="Натуральные материалы">
   <a:themeElements>
-    <a:clrScheme name="Стандартная">
+    <a:clrScheme name="Натуральные материалы">
       <a:dk1>
         <a:sysClr val="windowText" lastClr="000000"/>
       </a:dk1>
@@ -4423,44 +7242,79 @@
         <a:sysClr val="window" lastClr="FFFFFF"/>
       </a:lt1>
       <a:dk2>
-        <a:srgbClr val="44546A"/>
+        <a:srgbClr val="212121"/>
       </a:dk2>
       <a:lt2>
-        <a:srgbClr val="E7E6E6"/>
+        <a:srgbClr val="DADADA"/>
       </a:lt2>
       <a:accent1>
-        <a:srgbClr val="4472C4"/>
+        <a:srgbClr val="83992A"/>
       </a:accent1>
       <a:accent2>
-        <a:srgbClr val="ED7D31"/>
+        <a:srgbClr val="3C9770"/>
       </a:accent2>
       <a:accent3>
-        <a:srgbClr val="A5A5A5"/>
+        <a:srgbClr val="44709D"/>
       </a:accent3>
       <a:accent4>
-        <a:srgbClr val="FFC000"/>
+        <a:srgbClr val="A23C33"/>
       </a:accent4>
       <a:accent5>
-        <a:srgbClr val="5B9BD5"/>
+        <a:srgbClr val="D97828"/>
       </a:accent5>
       <a:accent6>
-        <a:srgbClr val="70AD47"/>
+        <a:srgbClr val="DEB340"/>
       </a:accent6>
       <a:hlink>
-        <a:srgbClr val="0563C1"/>
+        <a:srgbClr val="A8BF4D"/>
       </a:hlink>
       <a:folHlink>
-        <a:srgbClr val="954F72"/>
+        <a:srgbClr val="B4CA80"/>
       </a:folHlink>
     </a:clrScheme>
-    <a:fontScheme name="Стандартная">
+    <a:fontScheme name="Натуральные материалы">
       <a:majorFont>
-        <a:latin typeface="Calibri Light" panose="020F0302020204030204"/>
+        <a:latin typeface="Garamond" panose="02020404030301010803"/>
         <a:ea typeface=""/>
         <a:cs typeface=""/>
-        <a:font script="Jpan" typeface="游ゴシック Light"/>
-        <a:font script="Hang" typeface="맑은 고딕"/>
-        <a:font script="Hans" typeface="等线 Light"/>
+        <a:font script="Jpan" typeface="ＭＳ Ｐゴシック"/>
+        <a:font script="Hang" typeface="돋움"/>
+        <a:font script="Hans" typeface="方正舒体"/>
+        <a:font script="Hant" typeface="微軟正黑體"/>
+        <a:font script="Arab" typeface="Arial"/>
+        <a:font script="Hebr" typeface="Arial"/>
+        <a:font script="Thai" typeface="Cordia New"/>
+        <a:font script="Ethi" typeface="Nyala"/>
+        <a:font script="Beng" typeface="Vrinda"/>
+        <a:font script="Gujr" typeface="Shruti"/>
+        <a:font script="Khmr" typeface="DaunPenh"/>
+        <a:font script="Knda" typeface="Tunga"/>
+        <a:font script="Guru" typeface="Raavi"/>
+        <a:font script="Cans" typeface="Euphemia"/>
+        <a:font script="Cher" typeface="Plantagenet Cherokee"/>
+        <a:font script="Yiii" typeface="Microsoft Yi Baiti"/>
+        <a:font script="Tibt" typeface="Microsoft Himalaya"/>
+        <a:font script="Thaa" typeface="MV Boli"/>
+        <a:font script="Deva" typeface="Mangal"/>
+        <a:font script="Telu" typeface="Gautami"/>
+        <a:font script="Taml" typeface="Latha"/>
+        <a:font script="Syrc" typeface="Estrangelo Edessa"/>
+        <a:font script="Orya" typeface="Kalinga"/>
+        <a:font script="Mlym" typeface="Kartika"/>
+        <a:font script="Laoo" typeface="DokChampa"/>
+        <a:font script="Sinh" typeface="Iskoola Pota"/>
+        <a:font script="Mong" typeface="Mongolian Baiti"/>
+        <a:font script="Viet" typeface="Arial"/>
+        <a:font script="Uigh" typeface="Microsoft Uighur"/>
+        <a:font script="Geor" typeface="Sylfaen"/>
+      </a:majorFont>
+      <a:minorFont>
+        <a:latin typeface="Garamond" panose="02020404030301010803"/>
+        <a:ea typeface=""/>
+        <a:cs typeface=""/>
+        <a:font script="Jpan" typeface="ＭＳ Ｐ明朝"/>
+        <a:font script="Hang" typeface="바탕"/>
+        <a:font script="Hans" typeface="方正舒体"/>
         <a:font script="Hant" typeface="新細明體"/>
         <a:font script="Arab" typeface="Times New Roman"/>
         <a:font script="Hebr" typeface="Times New Roman"/>
@@ -4488,78 +7342,9 @@
         <a:font script="Viet" typeface="Times New Roman"/>
         <a:font script="Uigh" typeface="Microsoft Uighur"/>
         <a:font script="Geor" typeface="Sylfaen"/>
-        <a:font script="Armn" typeface="Arial"/>
-        <a:font script="Bugi" typeface="Leelawadee UI"/>
-        <a:font script="Bopo" typeface="Microsoft JhengHei"/>
-        <a:font script="Java" typeface="Javanese Text"/>
-        <a:font script="Lisu" typeface="Segoe UI"/>
-        <a:font script="Mymr" typeface="Myanmar Text"/>
-        <a:font script="Nkoo" typeface="Ebrima"/>
-        <a:font script="Olck" typeface="Nirmala UI"/>
-        <a:font script="Osma" typeface="Ebrima"/>
-        <a:font script="Phag" typeface="Phagspa"/>
-        <a:font script="Syrn" typeface="Estrangelo Edessa"/>
-        <a:font script="Syrj" typeface="Estrangelo Edessa"/>
-        <a:font script="Syre" typeface="Estrangelo Edessa"/>
-        <a:font script="Sora" typeface="Nirmala UI"/>
-        <a:font script="Tale" typeface="Microsoft Tai Le"/>
-        <a:font script="Talu" typeface="Microsoft New Tai Lue"/>
-        <a:font script="Tfng" typeface="Ebrima"/>
-      </a:majorFont>
-      <a:minorFont>
-        <a:latin typeface="Calibri" panose="020F0502020204030204"/>
-        <a:ea typeface=""/>
-        <a:cs typeface=""/>
-        <a:font script="Jpan" typeface="游ゴシック"/>
-        <a:font script="Hang" typeface="맑은 고딕"/>
-        <a:font script="Hans" typeface="等线"/>
-        <a:font script="Hant" typeface="新細明體"/>
-        <a:font script="Arab" typeface="Arial"/>
-        <a:font script="Hebr" typeface="Arial"/>
-        <a:font script="Thai" typeface="Cordia New"/>
-        <a:font script="Ethi" typeface="Nyala"/>
-        <a:font script="Beng" typeface="Vrinda"/>
-        <a:font script="Gujr" typeface="Shruti"/>
-        <a:font script="Khmr" typeface="DaunPenh"/>
-        <a:font script="Knda" typeface="Tunga"/>
-        <a:font script="Guru" typeface="Raavi"/>
-        <a:font script="Cans" typeface="Euphemia"/>
-        <a:font script="Cher" typeface="Plantagenet Cherokee"/>
-        <a:font script="Yiii" typeface="Microsoft Yi Baiti"/>
-        <a:font script="Tibt" typeface="Microsoft Himalaya"/>
-        <a:font script="Thaa" typeface="MV Boli"/>
-        <a:font script="Deva" typeface="Mangal"/>
-        <a:font script="Telu" typeface="Gautami"/>
-        <a:font script="Taml" typeface="Latha"/>
-        <a:font script="Syrc" typeface="Estrangelo Edessa"/>
-        <a:font script="Orya" typeface="Kalinga"/>
-        <a:font script="Mlym" typeface="Kartika"/>
-        <a:font script="Laoo" typeface="DokChampa"/>
-        <a:font script="Sinh" typeface="Iskoola Pota"/>
-        <a:font script="Mong" typeface="Mongolian Baiti"/>
-        <a:font script="Viet" typeface="Arial"/>
-        <a:font script="Uigh" typeface="Microsoft Uighur"/>
-        <a:font script="Geor" typeface="Sylfaen"/>
-        <a:font script="Armn" typeface="Arial"/>
-        <a:font script="Bugi" typeface="Leelawadee UI"/>
-        <a:font script="Bopo" typeface="Microsoft JhengHei"/>
-        <a:font script="Java" typeface="Javanese Text"/>
-        <a:font script="Lisu" typeface="Segoe UI"/>
-        <a:font script="Mymr" typeface="Myanmar Text"/>
-        <a:font script="Nkoo" typeface="Ebrima"/>
-        <a:font script="Olck" typeface="Nirmala UI"/>
-        <a:font script="Osma" typeface="Ebrima"/>
-        <a:font script="Phag" typeface="Phagspa"/>
-        <a:font script="Syrn" typeface="Estrangelo Edessa"/>
-        <a:font script="Syrj" typeface="Estrangelo Edessa"/>
-        <a:font script="Syre" typeface="Estrangelo Edessa"/>
-        <a:font script="Sora" typeface="Nirmala UI"/>
-        <a:font script="Tale" typeface="Microsoft Tai Le"/>
-        <a:font script="Talu" typeface="Microsoft New Tai Lue"/>
-        <a:font script="Tfng" typeface="Ebrima"/>
       </a:minorFont>
     </a:fontScheme>
-    <a:fmtScheme name="Стандартная">
+    <a:fmtScheme name="Натуральные материалы">
       <a:fillStyleLst>
         <a:solidFill>
           <a:schemeClr val="phClr"/>
@@ -4568,76 +7353,54 @@
           <a:gsLst>
             <a:gs pos="0">
               <a:schemeClr val="phClr">
+                <a:tint val="60000"/>
                 <a:lumMod val="110000"/>
-                <a:satMod val="105000"/>
-                <a:tint val="67000"/>
-              </a:schemeClr>
-            </a:gs>
-            <a:gs pos="50000">
-              <a:schemeClr val="phClr">
-                <a:lumMod val="105000"/>
-                <a:satMod val="103000"/>
-                <a:tint val="73000"/>
               </a:schemeClr>
             </a:gs>
             <a:gs pos="100000">
               <a:schemeClr val="phClr">
-                <a:lumMod val="105000"/>
-                <a:satMod val="109000"/>
-                <a:tint val="81000"/>
+                <a:tint val="82000"/>
               </a:schemeClr>
             </a:gs>
           </a:gsLst>
           <a:lin ang="5400000" scaled="0"/>
         </a:gradFill>
-        <a:gradFill rotWithShape="1">
-          <a:gsLst>
-            <a:gs pos="0">
+        <a:blipFill>
+          <a:blip xmlns:r="http://schemas.openxmlformats.org/officeDocument/2006/relationships" r:embed="rId1">
+            <a:duotone>
               <a:schemeClr val="phClr">
-                <a:satMod val="103000"/>
-                <a:lumMod val="102000"/>
+                <a:shade val="74000"/>
+                <a:satMod val="130000"/>
+                <a:lumMod val="90000"/>
+              </a:schemeClr>
+              <a:schemeClr val="phClr">
                 <a:tint val="94000"/>
+                <a:satMod val="120000"/>
+                <a:lumMod val="104000"/>
               </a:schemeClr>
-            </a:gs>
-            <a:gs pos="50000">
-              <a:schemeClr val="phClr">
-                <a:satMod val="110000"/>
-                <a:lumMod val="100000"/>
-                <a:shade val="100000"/>
-              </a:schemeClr>
-            </a:gs>
-            <a:gs pos="100000">
-              <a:schemeClr val="phClr">
-                <a:lumMod val="99000"/>
-                <a:satMod val="120000"/>
-                <a:shade val="78000"/>
-              </a:schemeClr>
-            </a:gs>
-          </a:gsLst>
-          <a:lin ang="5400000" scaled="0"/>
-        </a:gradFill>
+            </a:duotone>
+          </a:blip>
+          <a:tile tx="0" ty="0" sx="100000" sy="100000" flip="none" algn="tl"/>
+        </a:blipFill>
       </a:fillStyleLst>
       <a:lnStyleLst>
-        <a:ln w="6350" cap="flat" cmpd="sng" algn="ctr">
+        <a:ln w="9525" cap="flat" cmpd="sng" algn="ctr">
           <a:solidFill>
             <a:schemeClr val="phClr"/>
           </a:solidFill>
           <a:prstDash val="solid"/>
-          <a:miter lim="800000"/>
         </a:ln>
-        <a:ln w="12700" cap="flat" cmpd="sng" algn="ctr">
+        <a:ln w="15875" cap="flat" cmpd="sng" algn="ctr">
           <a:solidFill>
             <a:schemeClr val="phClr"/>
           </a:solidFill>
           <a:prstDash val="solid"/>
-          <a:miter lim="800000"/>
         </a:ln>
-        <a:ln w="19050" cap="flat" cmpd="sng" algn="ctr">
+        <a:ln w="25400" cap="flat" cmpd="sng" algn="ctr">
           <a:solidFill>
             <a:schemeClr val="phClr"/>
           </a:solidFill>
           <a:prstDash val="solid"/>
-          <a:miter lim="800000"/>
         </a:ln>
       </a:lnStyleLst>
       <a:effectStyleLst>
@@ -4645,13 +7408,19 @@
           <a:effectLst/>
         </a:effectStyle>
         <a:effectStyle>
-          <a:effectLst/>
+          <a:effectLst>
+            <a:innerShdw blurRad="25400" dist="12700" dir="13500000">
+              <a:srgbClr val="000000">
+                <a:alpha val="45000"/>
+              </a:srgbClr>
+            </a:innerShdw>
+          </a:effectLst>
         </a:effectStyle>
         <a:effectStyle>
           <a:effectLst>
-            <a:outerShdw blurRad="57150" dist="19050" dir="5400000" algn="ctr" rotWithShape="0">
+            <a:outerShdw blurRad="38100" dist="25400" dir="5400000" rotWithShape="0">
               <a:srgbClr val="000000">
-                <a:alpha val="63000"/>
+                <a:alpha val="60000"/>
               </a:srgbClr>
             </a:outerShdw>
           </a:effectLst>
@@ -4661,39 +7430,27 @@
         <a:solidFill>
           <a:schemeClr val="phClr"/>
         </a:solidFill>
-        <a:solidFill>
-          <a:schemeClr val="phClr">
-            <a:tint val="95000"/>
-            <a:satMod val="170000"/>
-          </a:schemeClr>
-        </a:solidFill>
         <a:gradFill rotWithShape="1">
           <a:gsLst>
             <a:gs pos="0">
               <a:schemeClr val="phClr">
-                <a:tint val="93000"/>
-                <a:satMod val="150000"/>
-                <a:shade val="98000"/>
-                <a:lumMod val="102000"/>
-              </a:schemeClr>
-            </a:gs>
-            <a:gs pos="50000">
-              <a:schemeClr val="phClr">
-                <a:tint val="98000"/>
-                <a:satMod val="130000"/>
-                <a:shade val="90000"/>
-                <a:lumMod val="103000"/>
+                <a:tint val="90000"/>
+                <a:lumMod val="110000"/>
               </a:schemeClr>
             </a:gs>
             <a:gs pos="100000">
               <a:schemeClr val="phClr">
-                <a:shade val="63000"/>
-                <a:satMod val="120000"/>
+                <a:shade val="88000"/>
+                <a:lumMod val="98000"/>
               </a:schemeClr>
             </a:gs>
           </a:gsLst>
           <a:lin ang="5400000" scaled="0"/>
         </a:gradFill>
+        <a:blipFill>
+          <a:blip xmlns:r="http://schemas.openxmlformats.org/officeDocument/2006/relationships" r:embed="rId2"/>
+          <a:stretch/>
+        </a:blipFill>
       </a:bgFillStyleLst>
     </a:fmtScheme>
   </a:themeElements>
@@ -4701,7 +7458,7 @@
   <a:extraClrSchemeLst/>
   <a:extLst>
     <a:ext uri="{05A4C25C-085E-4340-85A3-A5531E510DB2}">
-      <thm15:themeFamily xmlns:thm15="http://schemas.microsoft.com/office/thememl/2012/main" name="Office Theme" id="{62F939B6-93AF-4DB8-9C6B-D6C7DFDC589F}" vid="{4A3C46E8-61CC-4603-A589-7422A47A8E4A}"/>
+      <thm15:themeFamily xmlns:thm15="http://schemas.microsoft.com/office/thememl/2012/main" name="Organic" id="{28CDC826-8792-45C0-861B-85EB3ADEDA33}" vid="{7DAC20F1-423D-49E2-BD0B-50532748BAD0}"/>
     </a:ext>
   </a:extLst>
 </a:theme>

--- a/Электронный дневник.pptx
+++ b/Электронный дневник.pptx
@@ -9,13 +9,14 @@
     <p:sldId id="257" r:id="rId3"/>
     <p:sldId id="258" r:id="rId4"/>
     <p:sldId id="259" r:id="rId5"/>
-    <p:sldId id="262" r:id="rId6"/>
-    <p:sldId id="266" r:id="rId7"/>
+    <p:sldId id="266" r:id="rId6"/>
+    <p:sldId id="262" r:id="rId7"/>
     <p:sldId id="263" r:id="rId8"/>
     <p:sldId id="265" r:id="rId9"/>
     <p:sldId id="264" r:id="rId10"/>
-    <p:sldId id="260" r:id="rId11"/>
-    <p:sldId id="261" r:id="rId12"/>
+    <p:sldId id="267" r:id="rId11"/>
+    <p:sldId id="260" r:id="rId12"/>
+    <p:sldId id="261" r:id="rId13"/>
   </p:sldIdLst>
   <p:sldSz cx="12192000" cy="6858000"/>
   <p:notesSz cx="6858000" cy="9144000"/>
@@ -453,7 +454,7 @@
           <a:p>
             <a:fld id="{912BA25D-D1A4-41E3-ABCD-8EF3B50B47DB}" type="datetimeFigureOut">
               <a:rPr lang="ru-RU" smtClean="0"/>
-              <a:t>09.05.2022</a:t>
+              <a:t>11.05.2022</a:t>
             </a:fld>
             <a:endParaRPr lang="ru-RU"/>
           </a:p>
@@ -777,7 +778,7 @@
           <a:p>
             <a:fld id="{912BA25D-D1A4-41E3-ABCD-8EF3B50B47DB}" type="datetimeFigureOut">
               <a:rPr lang="ru-RU" smtClean="0"/>
-              <a:t>09.05.2022</a:t>
+              <a:t>11.05.2022</a:t>
             </a:fld>
             <a:endParaRPr lang="ru-RU"/>
           </a:p>
@@ -1025,7 +1026,7 @@
           <a:p>
             <a:fld id="{912BA25D-D1A4-41E3-ABCD-8EF3B50B47DB}" type="datetimeFigureOut">
               <a:rPr lang="ru-RU" smtClean="0"/>
-              <a:t>09.05.2022</a:t>
+              <a:t>11.05.2022</a:t>
             </a:fld>
             <a:endParaRPr lang="ru-RU"/>
           </a:p>
@@ -1364,7 +1365,7 @@
           <a:p>
             <a:fld id="{912BA25D-D1A4-41E3-ABCD-8EF3B50B47DB}" type="datetimeFigureOut">
               <a:rPr lang="ru-RU" smtClean="0"/>
-              <a:t>09.05.2022</a:t>
+              <a:t>11.05.2022</a:t>
             </a:fld>
             <a:endParaRPr lang="ru-RU"/>
           </a:p>
@@ -1711,7 +1712,7 @@
           <a:p>
             <a:fld id="{912BA25D-D1A4-41E3-ABCD-8EF3B50B47DB}" type="datetimeFigureOut">
               <a:rPr lang="ru-RU" smtClean="0"/>
-              <a:t>09.05.2022</a:t>
+              <a:t>11.05.2022</a:t>
             </a:fld>
             <a:endParaRPr lang="ru-RU"/>
           </a:p>
@@ -2085,7 +2086,7 @@
           <a:p>
             <a:fld id="{912BA25D-D1A4-41E3-ABCD-8EF3B50B47DB}" type="datetimeFigureOut">
               <a:rPr lang="ru-RU" smtClean="0"/>
-              <a:t>09.05.2022</a:t>
+              <a:t>11.05.2022</a:t>
             </a:fld>
             <a:endParaRPr lang="ru-RU"/>
           </a:p>
@@ -2555,7 +2556,7 @@
           <a:p>
             <a:fld id="{912BA25D-D1A4-41E3-ABCD-8EF3B50B47DB}" type="datetimeFigureOut">
               <a:rPr lang="ru-RU" smtClean="0"/>
-              <a:t>09.05.2022</a:t>
+              <a:t>11.05.2022</a:t>
             </a:fld>
             <a:endParaRPr lang="ru-RU"/>
           </a:p>
@@ -2760,7 +2761,7 @@
           <a:p>
             <a:fld id="{912BA25D-D1A4-41E3-ABCD-8EF3B50B47DB}" type="datetimeFigureOut">
               <a:rPr lang="ru-RU" smtClean="0"/>
-              <a:t>09.05.2022</a:t>
+              <a:t>11.05.2022</a:t>
             </a:fld>
             <a:endParaRPr lang="ru-RU"/>
           </a:p>
@@ -2971,7 +2972,7 @@
           <a:p>
             <a:fld id="{912BA25D-D1A4-41E3-ABCD-8EF3B50B47DB}" type="datetimeFigureOut">
               <a:rPr lang="ru-RU" smtClean="0"/>
-              <a:t>09.05.2022</a:t>
+              <a:t>11.05.2022</a:t>
             </a:fld>
             <a:endParaRPr lang="ru-RU"/>
           </a:p>
@@ -3203,7 +3204,7 @@
           <a:p>
             <a:fld id="{912BA25D-D1A4-41E3-ABCD-8EF3B50B47DB}" type="datetimeFigureOut">
               <a:rPr lang="ru-RU" smtClean="0"/>
-              <a:t>09.05.2022</a:t>
+              <a:t>11.05.2022</a:t>
             </a:fld>
             <a:endParaRPr lang="ru-RU"/>
           </a:p>
@@ -3451,7 +3452,7 @@
           <a:p>
             <a:fld id="{912BA25D-D1A4-41E3-ABCD-8EF3B50B47DB}" type="datetimeFigureOut">
               <a:rPr lang="ru-RU" smtClean="0"/>
-              <a:t>09.05.2022</a:t>
+              <a:t>11.05.2022</a:t>
             </a:fld>
             <a:endParaRPr lang="ru-RU"/>
           </a:p>
@@ -3749,7 +3750,7 @@
           <a:p>
             <a:fld id="{912BA25D-D1A4-41E3-ABCD-8EF3B50B47DB}" type="datetimeFigureOut">
               <a:rPr lang="ru-RU" smtClean="0"/>
-              <a:t>09.05.2022</a:t>
+              <a:t>11.05.2022</a:t>
             </a:fld>
             <a:endParaRPr lang="ru-RU"/>
           </a:p>
@@ -4143,7 +4144,7 @@
           <a:p>
             <a:fld id="{912BA25D-D1A4-41E3-ABCD-8EF3B50B47DB}" type="datetimeFigureOut">
               <a:rPr lang="ru-RU" smtClean="0"/>
-              <a:t>09.05.2022</a:t>
+              <a:t>11.05.2022</a:t>
             </a:fld>
             <a:endParaRPr lang="ru-RU"/>
           </a:p>
@@ -4292,7 +4293,7 @@
           <a:p>
             <a:fld id="{912BA25D-D1A4-41E3-ABCD-8EF3B50B47DB}" type="datetimeFigureOut">
               <a:rPr lang="ru-RU" smtClean="0"/>
-              <a:t>09.05.2022</a:t>
+              <a:t>11.05.2022</a:t>
             </a:fld>
             <a:endParaRPr lang="ru-RU"/>
           </a:p>
@@ -4418,7 +4419,7 @@
           <a:p>
             <a:fld id="{912BA25D-D1A4-41E3-ABCD-8EF3B50B47DB}" type="datetimeFigureOut">
               <a:rPr lang="ru-RU" smtClean="0"/>
-              <a:t>09.05.2022</a:t>
+              <a:t>11.05.2022</a:t>
             </a:fld>
             <a:endParaRPr lang="ru-RU"/>
           </a:p>
@@ -4673,7 +4674,7 @@
           <a:p>
             <a:fld id="{912BA25D-D1A4-41E3-ABCD-8EF3B50B47DB}" type="datetimeFigureOut">
               <a:rPr lang="ru-RU" smtClean="0"/>
-              <a:t>09.05.2022</a:t>
+              <a:t>11.05.2022</a:t>
             </a:fld>
             <a:endParaRPr lang="ru-RU"/>
           </a:p>
@@ -4988,7 +4989,7 @@
           <a:p>
             <a:fld id="{912BA25D-D1A4-41E3-ABCD-8EF3B50B47DB}" type="datetimeFigureOut">
               <a:rPr lang="ru-RU" smtClean="0"/>
-              <a:t>09.05.2022</a:t>
+              <a:t>11.05.2022</a:t>
             </a:fld>
             <a:endParaRPr lang="ru-RU"/>
           </a:p>
@@ -5339,7 +5340,7 @@
           <a:p>
             <a:fld id="{912BA25D-D1A4-41E3-ABCD-8EF3B50B47DB}" type="datetimeFigureOut">
               <a:rPr lang="ru-RU" smtClean="0"/>
-              <a:t>09.05.2022</a:t>
+              <a:t>11.05.2022</a:t>
             </a:fld>
             <a:endParaRPr lang="ru-RU"/>
           </a:p>
@@ -5973,6 +5974,129 @@
           <p:cNvPr id="2" name="Заголовок 1">
             <a:extLst>
               <a:ext uri="{FF2B5EF4-FFF2-40B4-BE49-F238E27FC236}">
+                <a16:creationId xmlns:a16="http://schemas.microsoft.com/office/drawing/2014/main" id="{ACF8847C-C94F-4B77-A464-7C9E9FA4E2F2}"/>
+              </a:ext>
+            </a:extLst>
+          </p:cNvPr>
+          <p:cNvSpPr>
+            <a:spLocks noGrp="1"/>
+          </p:cNvSpPr>
+          <p:nvPr>
+            <p:ph type="title"/>
+          </p:nvPr>
+        </p:nvSpPr>
+        <p:spPr/>
+        <p:txBody>
+          <a:bodyPr/>
+          <a:lstStyle/>
+          <a:p>
+            <a:r>
+              <a:rPr lang="ru-RU" dirty="0"/>
+              <a:t>Разворачивание в облаке</a:t>
+            </a:r>
+          </a:p>
+        </p:txBody>
+      </p:sp>
+      <p:sp>
+        <p:nvSpPr>
+          <p:cNvPr id="3" name="Объект 2">
+            <a:extLst>
+              <a:ext uri="{FF2B5EF4-FFF2-40B4-BE49-F238E27FC236}">
+                <a16:creationId xmlns:a16="http://schemas.microsoft.com/office/drawing/2014/main" id="{CA93D229-8215-42F8-86E4-6F53295B566E}"/>
+              </a:ext>
+            </a:extLst>
+          </p:cNvPr>
+          <p:cNvSpPr>
+            <a:spLocks noGrp="1"/>
+          </p:cNvSpPr>
+          <p:nvPr>
+            <p:ph idx="1"/>
+          </p:nvPr>
+        </p:nvSpPr>
+        <p:spPr/>
+        <p:txBody>
+          <a:bodyPr/>
+          <a:lstStyle/>
+          <a:p>
+            <a:r>
+              <a:rPr lang="ru-RU" dirty="0"/>
+              <a:t>Что бы сайт смогли увидеть другие необходим сервер, но это не всегда удобно, поэтому можно воспользоваться специальными сервисами, которые организуют виртуальный туннель из интернета на локальный компьютер, например </a:t>
+            </a:r>
+            <a:r>
+              <a:rPr lang="en-US" dirty="0"/>
+              <a:t>ngrok</a:t>
+            </a:r>
+            <a:r>
+              <a:rPr lang="ru-RU" dirty="0"/>
+              <a:t>.</a:t>
+            </a:r>
+          </a:p>
+          <a:p>
+            <a:r>
+              <a:rPr lang="ru-RU" dirty="0"/>
+              <a:t>Для его использования необходимо получить токен на сайте, а затем использовать в утилите. После этого достаточно просто запустить приложение на локальном хосте</a:t>
+            </a:r>
+            <a:r>
+              <a:rPr lang="en-US" dirty="0"/>
+              <a:t>, </a:t>
+            </a:r>
+            <a:r>
+              <a:rPr lang="ru-RU" dirty="0"/>
+              <a:t>и по выданному </a:t>
+            </a:r>
+            <a:r>
+              <a:rPr lang="en-US" dirty="0"/>
+              <a:t>URL</a:t>
+            </a:r>
+            <a:r>
+              <a:rPr lang="ru-RU" dirty="0"/>
+              <a:t>-адресу можно заходить на сайт.</a:t>
+            </a:r>
+            <a:endParaRPr lang="en-US" dirty="0"/>
+          </a:p>
+          <a:p>
+            <a:endParaRPr lang="ru-RU" dirty="0"/>
+          </a:p>
+          <a:p>
+            <a:endParaRPr lang="ru-RU" dirty="0"/>
+          </a:p>
+        </p:txBody>
+      </p:sp>
+    </p:spTree>
+    <p:extLst>
+      <p:ext uri="{BB962C8B-B14F-4D97-AF65-F5344CB8AC3E}">
+        <p14:creationId xmlns:p14="http://schemas.microsoft.com/office/powerpoint/2010/main" val="3424359972"/>
+      </p:ext>
+    </p:extLst>
+  </p:cSld>
+  <p:clrMapOvr>
+    <a:masterClrMapping/>
+  </p:clrMapOvr>
+</p:sld>
+</file>
+
+<file path=ppt/slides/slide11.xml><?xml version="1.0" encoding="utf-8"?>
+<p:sld xmlns:a="http://schemas.openxmlformats.org/drawingml/2006/main" xmlns:r="http://schemas.openxmlformats.org/officeDocument/2006/relationships" xmlns:p="http://schemas.openxmlformats.org/presentationml/2006/main">
+  <p:cSld>
+    <p:spTree>
+      <p:nvGrpSpPr>
+        <p:cNvPr id="1" name=""/>
+        <p:cNvGrpSpPr/>
+        <p:nvPr/>
+      </p:nvGrpSpPr>
+      <p:grpSpPr>
+        <a:xfrm>
+          <a:off x="0" y="0"/>
+          <a:ext cx="0" cy="0"/>
+          <a:chOff x="0" y="0"/>
+          <a:chExt cx="0" cy="0"/>
+        </a:xfrm>
+      </p:grpSpPr>
+      <p:sp>
+        <p:nvSpPr>
+          <p:cNvPr id="2" name="Заголовок 1">
+            <a:extLst>
+              <a:ext uri="{FF2B5EF4-FFF2-40B4-BE49-F238E27FC236}">
                 <a16:creationId xmlns:a16="http://schemas.microsoft.com/office/drawing/2014/main" id="{D3088481-3336-479C-A1ED-87F94227E204}"/>
               </a:ext>
             </a:extLst>
@@ -6100,7 +6224,7 @@
 </p:sld>
 </file>
 
-<file path=ppt/slides/slide11.xml><?xml version="1.0" encoding="utf-8"?>
+<file path=ppt/slides/slide12.xml><?xml version="1.0" encoding="utf-8"?>
 <p:sld xmlns:a="http://schemas.openxmlformats.org/drawingml/2006/main" xmlns:r="http://schemas.openxmlformats.org/officeDocument/2006/relationships" xmlns:p="http://schemas.openxmlformats.org/presentationml/2006/main">
   <p:cSld>
     <p:spTree>
@@ -6270,7 +6394,7 @@
             </a:r>
             <a:r>
               <a:rPr lang="en-US" dirty="0"/>
-              <a:t>url</a:t>
+              <a:t>URL</a:t>
             </a:r>
             <a:r>
               <a:rPr lang="ru-RU" dirty="0"/>
@@ -6714,7 +6838,7 @@
           <p:cNvPr id="2" name="Заголовок 1">
             <a:extLst>
               <a:ext uri="{FF2B5EF4-FFF2-40B4-BE49-F238E27FC236}">
-                <a16:creationId xmlns:a16="http://schemas.microsoft.com/office/drawing/2014/main" id="{95736AD5-19EC-43DF-942B-A0359306E565}"/>
+                <a16:creationId xmlns:a16="http://schemas.microsoft.com/office/drawing/2014/main" id="{1757DA70-2AEB-49A5-8180-AFBB25F6D8A7}"/>
               </a:ext>
             </a:extLst>
           </p:cNvPr>
@@ -6732,7 +6856,7 @@
           <a:p>
             <a:r>
               <a:rPr lang="ru-RU" dirty="0"/>
-              <a:t>Панель администратора</a:t>
+              <a:t>Вход на сайт</a:t>
             </a:r>
           </a:p>
         </p:txBody>
@@ -6742,7 +6866,7 @@
           <p:cNvPr id="3" name="Объект 2">
             <a:extLst>
               <a:ext uri="{FF2B5EF4-FFF2-40B4-BE49-F238E27FC236}">
-                <a16:creationId xmlns:a16="http://schemas.microsoft.com/office/drawing/2014/main" id="{3C5613D1-AB21-45F4-AFD6-E5AF4E75886C}"/>
+                <a16:creationId xmlns:a16="http://schemas.microsoft.com/office/drawing/2014/main" id="{D7C1296E-4BBF-47C7-A753-98BB792FCC04}"/>
               </a:ext>
             </a:extLst>
           </p:cNvPr>
@@ -6761,54 +6885,22 @@
             <a:pPr algn="just"/>
             <a:r>
               <a:rPr lang="ru-RU" dirty="0"/>
-              <a:t>При входе в аккаунт с правами администратора становится доступна страница по адресу </a:t>
+              <a:t>Для входа на сайт администратор должен выдать ученикам, родителям, и учителям их логины (</a:t>
             </a:r>
             <a:r>
               <a:rPr lang="en-US" dirty="0"/>
-              <a:t>“/admin_panel”</a:t>
+              <a:t>id </a:t>
+            </a:r>
+            <a:r>
+              <a:rPr lang="ru-RU" dirty="0"/>
+              <a:t>в БД) и пароли.</a:t>
             </a:r>
           </a:p>
           <a:p>
             <a:pPr algn="just"/>
             <a:r>
               <a:rPr lang="ru-RU" dirty="0"/>
-              <a:t>Панель создана вручную при помощи форм начинающихся на </a:t>
-            </a:r>
-            <a:r>
-              <a:rPr lang="en-US" dirty="0"/>
-              <a:t>“Admin”, </a:t>
-            </a:r>
-            <a:r>
-              <a:rPr lang="ru-RU" dirty="0"/>
-              <a:t>все функции-обработчики </a:t>
-            </a:r>
-            <a:r>
-              <a:rPr lang="en-US" dirty="0"/>
-              <a:t>url</a:t>
-            </a:r>
-            <a:r>
-              <a:rPr lang="ru-RU" dirty="0"/>
-              <a:t>-адресов</a:t>
-            </a:r>
-            <a:r>
-              <a:rPr lang="en-US" dirty="0"/>
-              <a:t> </a:t>
-            </a:r>
-            <a:r>
-              <a:rPr lang="ru-RU" dirty="0"/>
-              <a:t>хранятся в </a:t>
-            </a:r>
-            <a:r>
-              <a:rPr lang="en-US" dirty="0"/>
-              <a:t>admin_panel.py</a:t>
-            </a:r>
-            <a:endParaRPr lang="ru-RU" dirty="0"/>
-          </a:p>
-          <a:p>
-            <a:pPr algn="just"/>
-            <a:r>
-              <a:rPr lang="ru-RU" dirty="0"/>
-              <a:t>В панели администратор может создавать, изменять и удалять данные учеников, родителей, учителей, а также уроки, классы, школы, учебники, кабинеты, оценки и предметы.</a:t>
+              <a:t>Возможность самостоятельной регистрации на данный момент отсутствует, но в будущем можно добавить механизм подачи заявок.</a:t>
             </a:r>
           </a:p>
         </p:txBody>
@@ -6816,7 +6908,7 @@
     </p:spTree>
     <p:extLst>
       <p:ext uri="{BB962C8B-B14F-4D97-AF65-F5344CB8AC3E}">
-        <p14:creationId xmlns:p14="http://schemas.microsoft.com/office/powerpoint/2010/main" val="1199605902"/>
+        <p14:creationId xmlns:p14="http://schemas.microsoft.com/office/powerpoint/2010/main" val="3422473621"/>
       </p:ext>
     </p:extLst>
   </p:cSld>
@@ -6848,7 +6940,7 @@
           <p:cNvPr id="2" name="Заголовок 1">
             <a:extLst>
               <a:ext uri="{FF2B5EF4-FFF2-40B4-BE49-F238E27FC236}">
-                <a16:creationId xmlns:a16="http://schemas.microsoft.com/office/drawing/2014/main" id="{1757DA70-2AEB-49A5-8180-AFBB25F6D8A7}"/>
+                <a16:creationId xmlns:a16="http://schemas.microsoft.com/office/drawing/2014/main" id="{95736AD5-19EC-43DF-942B-A0359306E565}"/>
               </a:ext>
             </a:extLst>
           </p:cNvPr>
@@ -6866,7 +6958,7 @@
           <a:p>
             <a:r>
               <a:rPr lang="ru-RU" dirty="0"/>
-              <a:t>Вход на сайт</a:t>
+              <a:t>Панель администратора</a:t>
             </a:r>
           </a:p>
         </p:txBody>
@@ -6876,7 +6968,7 @@
           <p:cNvPr id="3" name="Объект 2">
             <a:extLst>
               <a:ext uri="{FF2B5EF4-FFF2-40B4-BE49-F238E27FC236}">
-                <a16:creationId xmlns:a16="http://schemas.microsoft.com/office/drawing/2014/main" id="{D7C1296E-4BBF-47C7-A753-98BB792FCC04}"/>
+                <a16:creationId xmlns:a16="http://schemas.microsoft.com/office/drawing/2014/main" id="{3C5613D1-AB21-45F4-AFD6-E5AF4E75886C}"/>
               </a:ext>
             </a:extLst>
           </p:cNvPr>
@@ -6895,22 +6987,54 @@
             <a:pPr algn="just"/>
             <a:r>
               <a:rPr lang="ru-RU" dirty="0"/>
-              <a:t>Для входа на сайт администратор должен выдать ученикам, родителям, и учителям их логины (</a:t>
+              <a:t>При входе в аккаунт с правами администратора становится доступна страница по адресу </a:t>
             </a:r>
             <a:r>
               <a:rPr lang="en-US" dirty="0"/>
-              <a:t>id </a:t>
-            </a:r>
+              <a:t>“/admin_panel”</a:t>
+            </a:r>
+          </a:p>
+          <a:p>
+            <a:pPr algn="just"/>
             <a:r>
               <a:rPr lang="ru-RU" dirty="0"/>
-              <a:t>в БД) и пароли.</a:t>
-            </a:r>
+              <a:t>Панель создана вручную при помощи форм начинающихся на </a:t>
+            </a:r>
+            <a:r>
+              <a:rPr lang="en-US" dirty="0"/>
+              <a:t>“Admin”, </a:t>
+            </a:r>
+            <a:r>
+              <a:rPr lang="ru-RU" dirty="0"/>
+              <a:t>все функции-обработчики </a:t>
+            </a:r>
+            <a:r>
+              <a:rPr lang="en-US" dirty="0"/>
+              <a:t>url</a:t>
+            </a:r>
+            <a:r>
+              <a:rPr lang="ru-RU" dirty="0"/>
+              <a:t>-адресов</a:t>
+            </a:r>
+            <a:r>
+              <a:rPr lang="en-US" dirty="0"/>
+              <a:t> </a:t>
+            </a:r>
+            <a:r>
+              <a:rPr lang="ru-RU" dirty="0"/>
+              <a:t>хранятся в </a:t>
+            </a:r>
+            <a:r>
+              <a:rPr lang="en-US" dirty="0"/>
+              <a:t>admin_panel.py</a:t>
+            </a:r>
+            <a:endParaRPr lang="ru-RU" dirty="0"/>
           </a:p>
           <a:p>
             <a:pPr algn="just"/>
             <a:r>
               <a:rPr lang="ru-RU" dirty="0"/>
-              <a:t>Возможность самостоятельной регистрации на данный момент отсутствует, но в будущем можно добавить механизм подачи заявок.</a:t>
+              <a:t>В панели администратор может создавать, изменять и удалять данные учеников, родителей, учителей, а также уроки, классы, школы, учебники, кабинеты, оценки и предметы.</a:t>
             </a:r>
           </a:p>
         </p:txBody>
@@ -6918,7 +7042,7 @@
     </p:spTree>
     <p:extLst>
       <p:ext uri="{BB962C8B-B14F-4D97-AF65-F5344CB8AC3E}">
-        <p14:creationId xmlns:p14="http://schemas.microsoft.com/office/powerpoint/2010/main" val="3422473621"/>
+        <p14:creationId xmlns:p14="http://schemas.microsoft.com/office/powerpoint/2010/main" val="1199605902"/>
       </p:ext>
     </p:extLst>
   </p:cSld>
